--- a/task_2/task_2.pptx
+++ b/task_2/task_2.pptx
@@ -1,21 +1,21 @@
 
 <file path=ppt/presentation.xml><?xml version="1.0" encoding="utf-8"?>
-<p:presentation xmlns:a="http://schemas.openxmlformats.org/drawingml/2006/main" xmlns:r="http://schemas.openxmlformats.org/officeDocument/2006/relationships" xmlns:mc="http://schemas.openxmlformats.org/markup-compatibility/2006" xmlns:mv="urn:schemas-microsoft-com:mac:vml" xmlns:p="http://schemas.openxmlformats.org/presentationml/2006/main" xmlns:c="http://schemas.openxmlformats.org/drawingml/2006/chart" xmlns:dgm="http://schemas.openxmlformats.org/drawingml/2006/diagram" xmlns:o="urn:schemas-microsoft-com:office:office" xmlns:v="urn:schemas-microsoft-com:vml" xmlns:pvml="urn:schemas-microsoft-com:office:powerpoint" xmlns:com="http://schemas.openxmlformats.org/drawingml/2006/compatibility" xmlns:p14="http://schemas.microsoft.com/office/powerpoint/2010/main" xmlns:p15="http://schemas.microsoft.com/office/powerpoint/2012/main" xmlns:ahyp="http://schemas.microsoft.com/office/drawing/2018/hyperlinkcolor" autoCompressPictures="0" strictFirstAndLastChars="0" saveSubsetFonts="1">
+<p:presentation xmlns:a="http://schemas.openxmlformats.org/drawingml/2006/main" xmlns:r="http://schemas.openxmlformats.org/officeDocument/2006/relationships" xmlns:p="http://schemas.openxmlformats.org/presentationml/2006/main" strictFirstAndLastChars="0" saveSubsetFonts="1" autoCompressPictures="0">
   <p:sldMasterIdLst>
-    <p:sldMasterId id="2147483648" r:id="rId4"/>
+    <p:sldMasterId id="2147483648" r:id="rId1"/>
   </p:sldMasterIdLst>
   <p:notesMasterIdLst>
     <p:notesMasterId r:id="rId5"/>
   </p:notesMasterIdLst>
   <p:sldIdLst>
-    <p:sldId id="256" r:id="rId6"/>
-    <p:sldId id="257" r:id="rId7"/>
-    <p:sldId id="258" r:id="rId8"/>
+    <p:sldId id="256" r:id="rId2"/>
+    <p:sldId id="257" r:id="rId3"/>
+    <p:sldId id="258" r:id="rId4"/>
   </p:sldIdLst>
-  <p:sldSz cy="6858000" cx="9144000"/>
+  <p:sldSz cx="9144000" cy="6858000" type="screen4x3"/>
   <p:notesSz cx="6858000" cy="9144000"/>
   <p:defaultTextStyle>
-    <a:defPPr lvl="0" marR="0" rtl="0" algn="l">
+    <a:defPPr marR="0" lvl="0" algn="l" rtl="0">
       <a:lnSpc>
         <a:spcPct val="100000"/>
       </a:lnSpc>
@@ -26,7 +26,7 @@
         <a:spcPts val="0"/>
       </a:spcAft>
     </a:defPPr>
-    <a:lvl1pPr lvl="0" marR="0" rtl="0" algn="l">
+    <a:lvl1pPr marR="0" lvl="0" algn="l" rtl="0">
       <a:lnSpc>
         <a:spcPct val="100000"/>
       </a:lnSpc>
@@ -40,7 +40,7 @@
         <a:srgbClr val="000000"/>
       </a:buClr>
       <a:buFont typeface="Arial"/>
-      <a:defRPr b="0" i="0" sz="1400" u="none" cap="none" strike="noStrike">
+      <a:defRPr sz="1400" b="0" i="0" u="none" strike="noStrike" cap="none">
         <a:solidFill>
           <a:srgbClr val="000000"/>
         </a:solidFill>
@@ -50,7 +50,7 @@
         <a:sym typeface="Arial"/>
       </a:defRPr>
     </a:lvl1pPr>
-    <a:lvl2pPr lvl="1" marR="0" rtl="0" algn="l">
+    <a:lvl2pPr marR="0" lvl="1" algn="l" rtl="0">
       <a:lnSpc>
         <a:spcPct val="100000"/>
       </a:lnSpc>
@@ -64,7 +64,7 @@
         <a:srgbClr val="000000"/>
       </a:buClr>
       <a:buFont typeface="Arial"/>
-      <a:defRPr b="0" i="0" sz="1400" u="none" cap="none" strike="noStrike">
+      <a:defRPr sz="1400" b="0" i="0" u="none" strike="noStrike" cap="none">
         <a:solidFill>
           <a:srgbClr val="000000"/>
         </a:solidFill>
@@ -74,7 +74,7 @@
         <a:sym typeface="Arial"/>
       </a:defRPr>
     </a:lvl2pPr>
-    <a:lvl3pPr lvl="2" marR="0" rtl="0" algn="l">
+    <a:lvl3pPr marR="0" lvl="2" algn="l" rtl="0">
       <a:lnSpc>
         <a:spcPct val="100000"/>
       </a:lnSpc>
@@ -88,7 +88,7 @@
         <a:srgbClr val="000000"/>
       </a:buClr>
       <a:buFont typeface="Arial"/>
-      <a:defRPr b="0" i="0" sz="1400" u="none" cap="none" strike="noStrike">
+      <a:defRPr sz="1400" b="0" i="0" u="none" strike="noStrike" cap="none">
         <a:solidFill>
           <a:srgbClr val="000000"/>
         </a:solidFill>
@@ -98,7 +98,7 @@
         <a:sym typeface="Arial"/>
       </a:defRPr>
     </a:lvl3pPr>
-    <a:lvl4pPr lvl="3" marR="0" rtl="0" algn="l">
+    <a:lvl4pPr marR="0" lvl="3" algn="l" rtl="0">
       <a:lnSpc>
         <a:spcPct val="100000"/>
       </a:lnSpc>
@@ -112,7 +112,7 @@
         <a:srgbClr val="000000"/>
       </a:buClr>
       <a:buFont typeface="Arial"/>
-      <a:defRPr b="0" i="0" sz="1400" u="none" cap="none" strike="noStrike">
+      <a:defRPr sz="1400" b="0" i="0" u="none" strike="noStrike" cap="none">
         <a:solidFill>
           <a:srgbClr val="000000"/>
         </a:solidFill>
@@ -122,7 +122,7 @@
         <a:sym typeface="Arial"/>
       </a:defRPr>
     </a:lvl4pPr>
-    <a:lvl5pPr lvl="4" marR="0" rtl="0" algn="l">
+    <a:lvl5pPr marR="0" lvl="4" algn="l" rtl="0">
       <a:lnSpc>
         <a:spcPct val="100000"/>
       </a:lnSpc>
@@ -136,7 +136,7 @@
         <a:srgbClr val="000000"/>
       </a:buClr>
       <a:buFont typeface="Arial"/>
-      <a:defRPr b="0" i="0" sz="1400" u="none" cap="none" strike="noStrike">
+      <a:defRPr sz="1400" b="0" i="0" u="none" strike="noStrike" cap="none">
         <a:solidFill>
           <a:srgbClr val="000000"/>
         </a:solidFill>
@@ -146,7 +146,7 @@
         <a:sym typeface="Arial"/>
       </a:defRPr>
     </a:lvl5pPr>
-    <a:lvl6pPr lvl="5" marR="0" rtl="0" algn="l">
+    <a:lvl6pPr marR="0" lvl="5" algn="l" rtl="0">
       <a:lnSpc>
         <a:spcPct val="100000"/>
       </a:lnSpc>
@@ -160,7 +160,7 @@
         <a:srgbClr val="000000"/>
       </a:buClr>
       <a:buFont typeface="Arial"/>
-      <a:defRPr b="0" i="0" sz="1400" u="none" cap="none" strike="noStrike">
+      <a:defRPr sz="1400" b="0" i="0" u="none" strike="noStrike" cap="none">
         <a:solidFill>
           <a:srgbClr val="000000"/>
         </a:solidFill>
@@ -170,7 +170,7 @@
         <a:sym typeface="Arial"/>
       </a:defRPr>
     </a:lvl6pPr>
-    <a:lvl7pPr lvl="6" marR="0" rtl="0" algn="l">
+    <a:lvl7pPr marR="0" lvl="6" algn="l" rtl="0">
       <a:lnSpc>
         <a:spcPct val="100000"/>
       </a:lnSpc>
@@ -184,7 +184,7 @@
         <a:srgbClr val="000000"/>
       </a:buClr>
       <a:buFont typeface="Arial"/>
-      <a:defRPr b="0" i="0" sz="1400" u="none" cap="none" strike="noStrike">
+      <a:defRPr sz="1400" b="0" i="0" u="none" strike="noStrike" cap="none">
         <a:solidFill>
           <a:srgbClr val="000000"/>
         </a:solidFill>
@@ -194,7 +194,7 @@
         <a:sym typeface="Arial"/>
       </a:defRPr>
     </a:lvl7pPr>
-    <a:lvl8pPr lvl="7" marR="0" rtl="0" algn="l">
+    <a:lvl8pPr marR="0" lvl="7" algn="l" rtl="0">
       <a:lnSpc>
         <a:spcPct val="100000"/>
       </a:lnSpc>
@@ -208,7 +208,7 @@
         <a:srgbClr val="000000"/>
       </a:buClr>
       <a:buFont typeface="Arial"/>
-      <a:defRPr b="0" i="0" sz="1400" u="none" cap="none" strike="noStrike">
+      <a:defRPr sz="1400" b="0" i="0" u="none" strike="noStrike" cap="none">
         <a:solidFill>
           <a:srgbClr val="000000"/>
         </a:solidFill>
@@ -218,7 +218,7 @@
         <a:sym typeface="Arial"/>
       </a:defRPr>
     </a:lvl8pPr>
-    <a:lvl9pPr lvl="8" marR="0" rtl="0" algn="l">
+    <a:lvl9pPr marR="0" lvl="8" algn="l" rtl="0">
       <a:lnSpc>
         <a:spcPct val="100000"/>
       </a:lnSpc>
@@ -232,7 +232,7 @@
         <a:srgbClr val="000000"/>
       </a:buClr>
       <a:buFont typeface="Arial"/>
-      <a:defRPr b="0" i="0" sz="1400" u="none" cap="none" strike="noStrike">
+      <a:defRPr sz="1400" b="0" i="0" u="none" strike="noStrike" cap="none">
         <a:solidFill>
           <a:srgbClr val="000000"/>
         </a:solidFill>
@@ -245,7 +245,7 @@
   </p:defaultTextStyle>
   <p:extLst>
     <p:ext uri="{EFAFB233-063F-42B5-8137-9DF3F51BA10A}">
-      <p15:sldGuideLst>
+      <p15:sldGuideLst xmlns:p15="http://schemas.microsoft.com/office/powerpoint/2012/main">
         <p15:guide id="1" orient="horz" pos="2160">
           <p15:clr>
             <a:srgbClr val="000000"/>
@@ -259,18 +259,23 @@
       </p15:sldGuideLst>
     </p:ext>
     <p:ext uri="GoogleSlidesCustomDataVersion2">
-      <go:slidesCustomData xmlns:go="http://customooxmlschemas.google.com/" r:id="rId9" roundtripDataSignature="AMtx7miY4h4zvQsJSlnnmzzhfU58RkUNAQ=="/>
+      <go:slidesCustomData xmlns:go="http://customooxmlschemas.google.com/" xmlns:ahyp="http://schemas.microsoft.com/office/drawing/2018/hyperlinkcolor" xmlns:p15="http://schemas.microsoft.com/office/powerpoint/2012/main" xmlns:p14="http://schemas.microsoft.com/office/powerpoint/2010/main" xmlns:com="http://schemas.openxmlformats.org/drawingml/2006/compatibility" xmlns:pvml="urn:schemas-microsoft-com:office:powerpoint" xmlns:v="urn:schemas-microsoft-com:vml" xmlns:o="urn:schemas-microsoft-com:office:office" xmlns:dgm="http://schemas.openxmlformats.org/drawingml/2006/diagram" xmlns:c="http://schemas.openxmlformats.org/drawingml/2006/chart" xmlns:mv="urn:schemas-microsoft-com:mac:vml" xmlns:mc="http://schemas.openxmlformats.org/markup-compatibility/2006" xmlns="" r:id="rId9" roundtripDataSignature="AMtx7miY4h4zvQsJSlnnmzzhfU58RkUNAQ=="/>
     </p:ext>
   </p:extLst>
 </p:presentation>
 </file>
 
 <file path=ppt/notesMasters/notesMaster1.xml><?xml version="1.0" encoding="utf-8"?>
-<p:notesMaster xmlns:a="http://schemas.openxmlformats.org/drawingml/2006/main" xmlns:r="http://schemas.openxmlformats.org/officeDocument/2006/relationships" xmlns:mc="http://schemas.openxmlformats.org/markup-compatibility/2006" xmlns:mv="urn:schemas-microsoft-com:mac:vml" xmlns:p="http://schemas.openxmlformats.org/presentationml/2006/main" xmlns:c="http://schemas.openxmlformats.org/drawingml/2006/chart" xmlns:dgm="http://schemas.openxmlformats.org/drawingml/2006/diagram" xmlns:o="urn:schemas-microsoft-com:office:office" xmlns:v="urn:schemas-microsoft-com:vml" xmlns:pvml="urn:schemas-microsoft-com:office:powerpoint" xmlns:com="http://schemas.openxmlformats.org/drawingml/2006/compatibility" xmlns:p14="http://schemas.microsoft.com/office/powerpoint/2010/main" xmlns:p15="http://schemas.microsoft.com/office/powerpoint/2012/main" xmlns:ahyp="http://schemas.microsoft.com/office/drawing/2018/hyperlinkcolor">
+<p:notesMaster xmlns:a="http://schemas.openxmlformats.org/drawingml/2006/main" xmlns:r="http://schemas.openxmlformats.org/officeDocument/2006/relationships" xmlns:p="http://schemas.openxmlformats.org/presentationml/2006/main">
   <p:cSld>
+    <p:bg>
+      <p:bgRef idx="1001">
+        <a:schemeClr val="bg1"/>
+      </p:bgRef>
+    </p:bg>
     <p:spTree>
       <p:nvGrpSpPr>
-        <p:cNvPr id="2" name="Shape 2"/>
+        <p:cNvPr id="1" name="Shape 2"/>
         <p:cNvGrpSpPr/>
         <p:nvPr/>
       </p:nvGrpSpPr>
@@ -285,9 +290,11 @@
       <p:sp>
         <p:nvSpPr>
           <p:cNvPr id="3" name="Google Shape;3;n"/>
-          <p:cNvSpPr/>
+          <p:cNvSpPr>
+            <a:spLocks noGrp="1" noRot="1" noChangeAspect="1"/>
+          </p:cNvSpPr>
           <p:nvPr>
-            <p:ph idx="2" type="sldImg"/>
+            <p:ph type="sldImg" idx="2"/>
           </p:nvPr>
         </p:nvSpPr>
         <p:spPr>
@@ -296,9 +303,13 @@
             <a:ext cx="4572225" cy="3429000"/>
           </a:xfrm>
           <a:custGeom>
-            <a:rect b="b" l="l" r="r" t="t"/>
+            <a:avLst/>
+            <a:gdLst/>
+            <a:ahLst/>
+            <a:cxnLst/>
+            <a:rect l="l" t="t" r="r" b="b"/>
             <a:pathLst>
-              <a:path extrusionOk="0" h="120000" w="120000">
+              <a:path w="120000" h="120000" extrusionOk="0">
                 <a:moveTo>
                   <a:pt x="0" y="0"/>
                 </a:moveTo>
@@ -316,23 +327,25 @@
             </a:pathLst>
           </a:custGeom>
           <a:noFill/>
-          <a:ln cap="flat" cmpd="sng" w="9525">
+          <a:ln w="9525" cap="flat" cmpd="sng">
             <a:solidFill>
               <a:srgbClr val="000000"/>
             </a:solidFill>
             <a:prstDash val="solid"/>
             <a:round/>
-            <a:headEnd len="sm" w="sm" type="none"/>
-            <a:tailEnd len="sm" w="sm" type="none"/>
+            <a:headEnd type="none" w="sm" len="sm"/>
+            <a:tailEnd type="none" w="sm" len="sm"/>
           </a:ln>
         </p:spPr>
       </p:sp>
       <p:sp>
         <p:nvSpPr>
           <p:cNvPr id="4" name="Google Shape;4;n"/>
-          <p:cNvSpPr txBox="1"/>
+          <p:cNvSpPr txBox="1">
+            <a:spLocks noGrp="1"/>
+          </p:cNvSpPr>
           <p:nvPr>
-            <p:ph idx="1" type="body"/>
+            <p:ph type="body" idx="1"/>
           </p:nvPr>
         </p:nvSpPr>
         <p:spPr>
@@ -349,11 +362,11 @@
           </a:ln>
         </p:spPr>
         <p:txBody>
-          <a:bodyPr anchorCtr="0" anchor="t" bIns="91425" lIns="91425" spcFirstLastPara="1" rIns="91425" wrap="square" tIns="91425">
+          <a:bodyPr spcFirstLastPara="1" wrap="square" lIns="91425" tIns="91425" rIns="91425" bIns="91425" anchor="t" anchorCtr="0">
             <a:noAutofit/>
           </a:bodyPr>
           <a:lstStyle>
-            <a:lvl1pPr indent="-298450" lvl="0" marL="457200">
+            <a:lvl1pPr marL="457200" lvl="0" indent="-298450">
               <a:spcBef>
                 <a:spcPts val="0"/>
               </a:spcBef>
@@ -364,7 +377,7 @@
               <a:buChar char="●"/>
               <a:defRPr sz="1100"/>
             </a:lvl1pPr>
-            <a:lvl2pPr indent="-298450" lvl="1" marL="914400">
+            <a:lvl2pPr marL="914400" lvl="1" indent="-298450">
               <a:spcBef>
                 <a:spcPts val="0"/>
               </a:spcBef>
@@ -375,7 +388,7 @@
               <a:buChar char="○"/>
               <a:defRPr sz="1100"/>
             </a:lvl2pPr>
-            <a:lvl3pPr indent="-298450" lvl="2" marL="1371600">
+            <a:lvl3pPr marL="1371600" lvl="2" indent="-298450">
               <a:spcBef>
                 <a:spcPts val="0"/>
               </a:spcBef>
@@ -386,7 +399,7 @@
               <a:buChar char="■"/>
               <a:defRPr sz="1100"/>
             </a:lvl3pPr>
-            <a:lvl4pPr indent="-298450" lvl="3" marL="1828800">
+            <a:lvl4pPr marL="1828800" lvl="3" indent="-298450">
               <a:spcBef>
                 <a:spcPts val="0"/>
               </a:spcBef>
@@ -397,7 +410,7 @@
               <a:buChar char="●"/>
               <a:defRPr sz="1100"/>
             </a:lvl4pPr>
-            <a:lvl5pPr indent="-298450" lvl="4" marL="2286000">
+            <a:lvl5pPr marL="2286000" lvl="4" indent="-298450">
               <a:spcBef>
                 <a:spcPts val="0"/>
               </a:spcBef>
@@ -408,7 +421,7 @@
               <a:buChar char="○"/>
               <a:defRPr sz="1100"/>
             </a:lvl5pPr>
-            <a:lvl6pPr indent="-298450" lvl="5" marL="2743200">
+            <a:lvl6pPr marL="2743200" lvl="5" indent="-298450">
               <a:spcBef>
                 <a:spcPts val="0"/>
               </a:spcBef>
@@ -419,7 +432,7 @@
               <a:buChar char="■"/>
               <a:defRPr sz="1100"/>
             </a:lvl6pPr>
-            <a:lvl7pPr indent="-298450" lvl="6" marL="3200400">
+            <a:lvl7pPr marL="3200400" lvl="6" indent="-298450">
               <a:spcBef>
                 <a:spcPts val="0"/>
               </a:spcBef>
@@ -430,7 +443,7 @@
               <a:buChar char="●"/>
               <a:defRPr sz="1100"/>
             </a:lvl7pPr>
-            <a:lvl8pPr indent="-298450" lvl="7" marL="3657600">
+            <a:lvl8pPr marL="3657600" lvl="7" indent="-298450">
               <a:spcBef>
                 <a:spcPts val="0"/>
               </a:spcBef>
@@ -441,7 +454,7 @@
               <a:buChar char="○"/>
               <a:defRPr sz="1100"/>
             </a:lvl8pPr>
-            <a:lvl9pPr indent="-298450" lvl="8" marL="4114800">
+            <a:lvl9pPr marL="4114800" lvl="8" indent="-298450">
               <a:spcBef>
                 <a:spcPts val="0"/>
               </a:spcBef>
@@ -453,14 +466,16 @@
               <a:defRPr sz="1100"/>
             </a:lvl9pPr>
           </a:lstStyle>
-          <a:p/>
+          <a:p>
+            <a:endParaRPr/>
+          </a:p>
         </p:txBody>
       </p:sp>
     </p:spTree>
   </p:cSld>
-  <p:clrMap accent1="accent1" accent2="accent2" accent3="accent3" accent4="accent4" accent5="accent5" accent6="accent6" bg1="lt1" bg2="dk2" tx1="dk1" tx2="lt2" folHlink="folHlink" hlink="hlink"/>
+  <p:clrMap bg1="lt1" tx1="dk1" bg2="dk2" tx2="lt2" accent1="accent1" accent2="accent2" accent3="accent3" accent4="accent4" accent5="accent5" accent6="accent6" hlink="hlink" folHlink="folHlink"/>
   <p:notesStyle>
-    <a:defPPr lvl="0" marR="0" rtl="0" algn="l">
+    <a:defPPr marR="0" lvl="0" algn="l" rtl="0">
       <a:lnSpc>
         <a:spcPct val="100000"/>
       </a:lnSpc>
@@ -471,7 +486,7 @@
         <a:spcPts val="0"/>
       </a:spcAft>
     </a:defPPr>
-    <a:lvl1pPr lvl="0" marR="0" rtl="0" algn="l">
+    <a:lvl1pPr marR="0" lvl="0" algn="l" rtl="0">
       <a:lnSpc>
         <a:spcPct val="100000"/>
       </a:lnSpc>
@@ -485,7 +500,7 @@
         <a:srgbClr val="000000"/>
       </a:buClr>
       <a:buFont typeface="Arial"/>
-      <a:defRPr b="0" i="0" sz="1400" u="none" cap="none" strike="noStrike">
+      <a:defRPr sz="1400" b="0" i="0" u="none" strike="noStrike" cap="none">
         <a:solidFill>
           <a:srgbClr val="000000"/>
         </a:solidFill>
@@ -495,7 +510,7 @@
         <a:sym typeface="Arial"/>
       </a:defRPr>
     </a:lvl1pPr>
-    <a:lvl2pPr lvl="1" marR="0" rtl="0" algn="l">
+    <a:lvl2pPr marR="0" lvl="1" algn="l" rtl="0">
       <a:lnSpc>
         <a:spcPct val="100000"/>
       </a:lnSpc>
@@ -509,7 +524,7 @@
         <a:srgbClr val="000000"/>
       </a:buClr>
       <a:buFont typeface="Arial"/>
-      <a:defRPr b="0" i="0" sz="1400" u="none" cap="none" strike="noStrike">
+      <a:defRPr sz="1400" b="0" i="0" u="none" strike="noStrike" cap="none">
         <a:solidFill>
           <a:srgbClr val="000000"/>
         </a:solidFill>
@@ -519,7 +534,7 @@
         <a:sym typeface="Arial"/>
       </a:defRPr>
     </a:lvl2pPr>
-    <a:lvl3pPr lvl="2" marR="0" rtl="0" algn="l">
+    <a:lvl3pPr marR="0" lvl="2" algn="l" rtl="0">
       <a:lnSpc>
         <a:spcPct val="100000"/>
       </a:lnSpc>
@@ -533,7 +548,7 @@
         <a:srgbClr val="000000"/>
       </a:buClr>
       <a:buFont typeface="Arial"/>
-      <a:defRPr b="0" i="0" sz="1400" u="none" cap="none" strike="noStrike">
+      <a:defRPr sz="1400" b="0" i="0" u="none" strike="noStrike" cap="none">
         <a:solidFill>
           <a:srgbClr val="000000"/>
         </a:solidFill>
@@ -543,7 +558,7 @@
         <a:sym typeface="Arial"/>
       </a:defRPr>
     </a:lvl3pPr>
-    <a:lvl4pPr lvl="3" marR="0" rtl="0" algn="l">
+    <a:lvl4pPr marR="0" lvl="3" algn="l" rtl="0">
       <a:lnSpc>
         <a:spcPct val="100000"/>
       </a:lnSpc>
@@ -557,7 +572,7 @@
         <a:srgbClr val="000000"/>
       </a:buClr>
       <a:buFont typeface="Arial"/>
-      <a:defRPr b="0" i="0" sz="1400" u="none" cap="none" strike="noStrike">
+      <a:defRPr sz="1400" b="0" i="0" u="none" strike="noStrike" cap="none">
         <a:solidFill>
           <a:srgbClr val="000000"/>
         </a:solidFill>
@@ -567,7 +582,7 @@
         <a:sym typeface="Arial"/>
       </a:defRPr>
     </a:lvl4pPr>
-    <a:lvl5pPr lvl="4" marR="0" rtl="0" algn="l">
+    <a:lvl5pPr marR="0" lvl="4" algn="l" rtl="0">
       <a:lnSpc>
         <a:spcPct val="100000"/>
       </a:lnSpc>
@@ -581,7 +596,7 @@
         <a:srgbClr val="000000"/>
       </a:buClr>
       <a:buFont typeface="Arial"/>
-      <a:defRPr b="0" i="0" sz="1400" u="none" cap="none" strike="noStrike">
+      <a:defRPr sz="1400" b="0" i="0" u="none" strike="noStrike" cap="none">
         <a:solidFill>
           <a:srgbClr val="000000"/>
         </a:solidFill>
@@ -591,7 +606,7 @@
         <a:sym typeface="Arial"/>
       </a:defRPr>
     </a:lvl5pPr>
-    <a:lvl6pPr lvl="5" marR="0" rtl="0" algn="l">
+    <a:lvl6pPr marR="0" lvl="5" algn="l" rtl="0">
       <a:lnSpc>
         <a:spcPct val="100000"/>
       </a:lnSpc>
@@ -605,7 +620,7 @@
         <a:srgbClr val="000000"/>
       </a:buClr>
       <a:buFont typeface="Arial"/>
-      <a:defRPr b="0" i="0" sz="1400" u="none" cap="none" strike="noStrike">
+      <a:defRPr sz="1400" b="0" i="0" u="none" strike="noStrike" cap="none">
         <a:solidFill>
           <a:srgbClr val="000000"/>
         </a:solidFill>
@@ -615,7 +630,7 @@
         <a:sym typeface="Arial"/>
       </a:defRPr>
     </a:lvl6pPr>
-    <a:lvl7pPr lvl="6" marR="0" rtl="0" algn="l">
+    <a:lvl7pPr marR="0" lvl="6" algn="l" rtl="0">
       <a:lnSpc>
         <a:spcPct val="100000"/>
       </a:lnSpc>
@@ -629,7 +644,7 @@
         <a:srgbClr val="000000"/>
       </a:buClr>
       <a:buFont typeface="Arial"/>
-      <a:defRPr b="0" i="0" sz="1400" u="none" cap="none" strike="noStrike">
+      <a:defRPr sz="1400" b="0" i="0" u="none" strike="noStrike" cap="none">
         <a:solidFill>
           <a:srgbClr val="000000"/>
         </a:solidFill>
@@ -639,7 +654,7 @@
         <a:sym typeface="Arial"/>
       </a:defRPr>
     </a:lvl7pPr>
-    <a:lvl8pPr lvl="7" marR="0" rtl="0" algn="l">
+    <a:lvl8pPr marR="0" lvl="7" algn="l" rtl="0">
       <a:lnSpc>
         <a:spcPct val="100000"/>
       </a:lnSpc>
@@ -653,7 +668,7 @@
         <a:srgbClr val="000000"/>
       </a:buClr>
       <a:buFont typeface="Arial"/>
-      <a:defRPr b="0" i="0" sz="1400" u="none" cap="none" strike="noStrike">
+      <a:defRPr sz="1400" b="0" i="0" u="none" strike="noStrike" cap="none">
         <a:solidFill>
           <a:srgbClr val="000000"/>
         </a:solidFill>
@@ -663,7 +678,7 @@
         <a:sym typeface="Arial"/>
       </a:defRPr>
     </a:lvl8pPr>
-    <a:lvl9pPr lvl="8" marR="0" rtl="0" algn="l">
+    <a:lvl9pPr marR="0" lvl="8" algn="l" rtl="0">
       <a:lnSpc>
         <a:spcPct val="100000"/>
       </a:lnSpc>
@@ -677,7 +692,7 @@
         <a:srgbClr val="000000"/>
       </a:buClr>
       <a:buFont typeface="Arial"/>
-      <a:defRPr b="0" i="0" sz="1400" u="none" cap="none" strike="noStrike">
+      <a:defRPr sz="1400" b="0" i="0" u="none" strike="noStrike" cap="none">
         <a:solidFill>
           <a:srgbClr val="000000"/>
         </a:solidFill>
@@ -692,11 +707,11 @@
 </file>
 
 <file path=ppt/notesSlides/notesSlide1.xml><?xml version="1.0" encoding="utf-8"?>
-<p:notes xmlns:a="http://schemas.openxmlformats.org/drawingml/2006/main" xmlns:r="http://schemas.openxmlformats.org/officeDocument/2006/relationships" xmlns:mc="http://schemas.openxmlformats.org/markup-compatibility/2006" xmlns:mv="urn:schemas-microsoft-com:mac:vml" xmlns:p="http://schemas.openxmlformats.org/presentationml/2006/main" xmlns:c="http://schemas.openxmlformats.org/drawingml/2006/chart" xmlns:dgm="http://schemas.openxmlformats.org/drawingml/2006/diagram" xmlns:o="urn:schemas-microsoft-com:office:office" xmlns:v="urn:schemas-microsoft-com:vml" xmlns:pvml="urn:schemas-microsoft-com:office:powerpoint" xmlns:com="http://schemas.openxmlformats.org/drawingml/2006/compatibility" xmlns:p14="http://schemas.microsoft.com/office/powerpoint/2010/main" xmlns:p15="http://schemas.microsoft.com/office/powerpoint/2012/main" xmlns:ahyp="http://schemas.microsoft.com/office/drawing/2018/hyperlinkcolor" showMasterPhAnim="0" showMasterSp="0">
+<p:notes xmlns:a="http://schemas.openxmlformats.org/drawingml/2006/main" xmlns:r="http://schemas.openxmlformats.org/officeDocument/2006/relationships" xmlns:p="http://schemas.openxmlformats.org/presentationml/2006/main" showMasterSp="0" showMasterPhAnim="0">
   <p:cSld>
     <p:spTree>
       <p:nvGrpSpPr>
-        <p:cNvPr id="80" name="Shape 80"/>
+        <p:cNvPr id="1" name="Shape 80"/>
         <p:cNvGrpSpPr/>
         <p:nvPr/>
       </p:nvGrpSpPr>
@@ -711,9 +726,11 @@
       <p:sp>
         <p:nvSpPr>
           <p:cNvPr id="81" name="Google Shape;81;p1:notes"/>
-          <p:cNvSpPr txBox="1"/>
+          <p:cNvSpPr txBox="1">
+            <a:spLocks noGrp="1"/>
+          </p:cNvSpPr>
           <p:nvPr>
-            <p:ph idx="1" type="body"/>
+            <p:ph type="body" idx="1"/>
           </p:nvPr>
         </p:nvSpPr>
         <p:spPr>
@@ -726,12 +743,12 @@
           </a:prstGeom>
         </p:spPr>
         <p:txBody>
-          <a:bodyPr anchorCtr="0" anchor="t" bIns="91425" lIns="91425" spcFirstLastPara="1" rIns="91425" wrap="square" tIns="91425">
+          <a:bodyPr spcFirstLastPara="1" wrap="square" lIns="91425" tIns="91425" rIns="91425" bIns="91425" anchor="t" anchorCtr="0">
             <a:noAutofit/>
           </a:bodyPr>
           <a:lstStyle/>
           <a:p>
-            <a:pPr indent="0" lvl="0" marL="0" rtl="0" algn="l">
+            <a:pPr marL="0" lvl="0" indent="0" algn="l" rtl="0">
               <a:spcBef>
                 <a:spcPts val="0"/>
               </a:spcBef>
@@ -740,9 +757,6 @@
               </a:spcAft>
               <a:buNone/>
             </a:pPr>
-            <a:r>
-              <a:t/>
-            </a:r>
             <a:endParaRPr/>
           </a:p>
         </p:txBody>
@@ -750,9 +764,11 @@
       <p:sp>
         <p:nvSpPr>
           <p:cNvPr id="82" name="Google Shape;82;p1:notes"/>
-          <p:cNvSpPr/>
+          <p:cNvSpPr>
+            <a:spLocks noGrp="1" noRot="1" noChangeAspect="1"/>
+          </p:cNvSpPr>
           <p:nvPr>
-            <p:ph idx="2" type="sldImg"/>
+            <p:ph type="sldImg" idx="2"/>
           </p:nvPr>
         </p:nvSpPr>
         <p:spPr>
@@ -761,9 +777,13 @@
             <a:ext cx="4572225" cy="3429000"/>
           </a:xfrm>
           <a:custGeom>
-            <a:rect b="b" l="l" r="r" t="t"/>
+            <a:avLst/>
+            <a:gdLst/>
+            <a:ahLst/>
+            <a:cxnLst/>
+            <a:rect l="l" t="t" r="r" b="b"/>
             <a:pathLst>
-              <a:path extrusionOk="0" h="120000" w="120000">
+              <a:path w="120000" h="120000" extrusionOk="0">
                 <a:moveTo>
                   <a:pt x="0" y="0"/>
                 </a:moveTo>
@@ -791,11 +811,11 @@
 </file>
 
 <file path=ppt/notesSlides/notesSlide2.xml><?xml version="1.0" encoding="utf-8"?>
-<p:notes xmlns:a="http://schemas.openxmlformats.org/drawingml/2006/main" xmlns:r="http://schemas.openxmlformats.org/officeDocument/2006/relationships" xmlns:mc="http://schemas.openxmlformats.org/markup-compatibility/2006" xmlns:mv="urn:schemas-microsoft-com:mac:vml" xmlns:p="http://schemas.openxmlformats.org/presentationml/2006/main" xmlns:c="http://schemas.openxmlformats.org/drawingml/2006/chart" xmlns:dgm="http://schemas.openxmlformats.org/drawingml/2006/diagram" xmlns:o="urn:schemas-microsoft-com:office:office" xmlns:v="urn:schemas-microsoft-com:vml" xmlns:pvml="urn:schemas-microsoft-com:office:powerpoint" xmlns:com="http://schemas.openxmlformats.org/drawingml/2006/compatibility" xmlns:p14="http://schemas.microsoft.com/office/powerpoint/2010/main" xmlns:p15="http://schemas.microsoft.com/office/powerpoint/2012/main" xmlns:ahyp="http://schemas.microsoft.com/office/drawing/2018/hyperlinkcolor" showMasterPhAnim="0" showMasterSp="0">
+<p:notes xmlns:a="http://schemas.openxmlformats.org/drawingml/2006/main" xmlns:r="http://schemas.openxmlformats.org/officeDocument/2006/relationships" xmlns:p="http://schemas.openxmlformats.org/presentationml/2006/main" showMasterSp="0" showMasterPhAnim="0">
   <p:cSld>
     <p:spTree>
       <p:nvGrpSpPr>
-        <p:cNvPr id="85" name="Shape 85"/>
+        <p:cNvPr id="1" name="Shape 85"/>
         <p:cNvGrpSpPr/>
         <p:nvPr/>
       </p:nvGrpSpPr>
@@ -810,9 +830,11 @@
       <p:sp>
         <p:nvSpPr>
           <p:cNvPr id="86" name="Google Shape;86;p2:notes"/>
-          <p:cNvSpPr txBox="1"/>
+          <p:cNvSpPr txBox="1">
+            <a:spLocks noGrp="1"/>
+          </p:cNvSpPr>
           <p:nvPr>
-            <p:ph idx="1" type="body"/>
+            <p:ph type="body" idx="1"/>
           </p:nvPr>
         </p:nvSpPr>
         <p:spPr>
@@ -825,12 +847,12 @@
           </a:prstGeom>
         </p:spPr>
         <p:txBody>
-          <a:bodyPr anchorCtr="0" anchor="t" bIns="91425" lIns="91425" spcFirstLastPara="1" rIns="91425" wrap="square" tIns="91425">
+          <a:bodyPr spcFirstLastPara="1" wrap="square" lIns="91425" tIns="91425" rIns="91425" bIns="91425" anchor="t" anchorCtr="0">
             <a:noAutofit/>
           </a:bodyPr>
           <a:lstStyle/>
           <a:p>
-            <a:pPr indent="0" lvl="0" marL="0" rtl="0" algn="l">
+            <a:pPr marL="0" lvl="0" indent="0" algn="l" rtl="0">
               <a:spcBef>
                 <a:spcPts val="0"/>
               </a:spcBef>
@@ -839,9 +861,6 @@
               </a:spcAft>
               <a:buNone/>
             </a:pPr>
-            <a:r>
-              <a:t/>
-            </a:r>
             <a:endParaRPr/>
           </a:p>
         </p:txBody>
@@ -849,9 +868,11 @@
       <p:sp>
         <p:nvSpPr>
           <p:cNvPr id="87" name="Google Shape;87;p2:notes"/>
-          <p:cNvSpPr/>
+          <p:cNvSpPr>
+            <a:spLocks noGrp="1" noRot="1" noChangeAspect="1"/>
+          </p:cNvSpPr>
           <p:nvPr>
-            <p:ph idx="2" type="sldImg"/>
+            <p:ph type="sldImg" idx="2"/>
           </p:nvPr>
         </p:nvSpPr>
         <p:spPr>
@@ -860,9 +881,13 @@
             <a:ext cx="4572225" cy="3429000"/>
           </a:xfrm>
           <a:custGeom>
-            <a:rect b="b" l="l" r="r" t="t"/>
+            <a:avLst/>
+            <a:gdLst/>
+            <a:ahLst/>
+            <a:cxnLst/>
+            <a:rect l="l" t="t" r="r" b="b"/>
             <a:pathLst>
-              <a:path extrusionOk="0" h="120000" w="120000">
+              <a:path w="120000" h="120000" extrusionOk="0">
                 <a:moveTo>
                   <a:pt x="0" y="0"/>
                 </a:moveTo>
@@ -890,11 +915,11 @@
 </file>
 
 <file path=ppt/notesSlides/notesSlide3.xml><?xml version="1.0" encoding="utf-8"?>
-<p:notes xmlns:a="http://schemas.openxmlformats.org/drawingml/2006/main" xmlns:r="http://schemas.openxmlformats.org/officeDocument/2006/relationships" xmlns:mc="http://schemas.openxmlformats.org/markup-compatibility/2006" xmlns:mv="urn:schemas-microsoft-com:mac:vml" xmlns:p="http://schemas.openxmlformats.org/presentationml/2006/main" xmlns:c="http://schemas.openxmlformats.org/drawingml/2006/chart" xmlns:dgm="http://schemas.openxmlformats.org/drawingml/2006/diagram" xmlns:o="urn:schemas-microsoft-com:office:office" xmlns:v="urn:schemas-microsoft-com:vml" xmlns:pvml="urn:schemas-microsoft-com:office:powerpoint" xmlns:com="http://schemas.openxmlformats.org/drawingml/2006/compatibility" xmlns:p14="http://schemas.microsoft.com/office/powerpoint/2010/main" xmlns:p15="http://schemas.microsoft.com/office/powerpoint/2012/main" xmlns:ahyp="http://schemas.microsoft.com/office/drawing/2018/hyperlinkcolor" showMasterPhAnim="0" showMasterSp="0">
+<p:notes xmlns:a="http://schemas.openxmlformats.org/drawingml/2006/main" xmlns:r="http://schemas.openxmlformats.org/officeDocument/2006/relationships" xmlns:p="http://schemas.openxmlformats.org/presentationml/2006/main" showMasterSp="0" showMasterPhAnim="0">
   <p:cSld>
     <p:spTree>
       <p:nvGrpSpPr>
-        <p:cNvPr id="90" name="Shape 90"/>
+        <p:cNvPr id="1" name="Shape 90"/>
         <p:cNvGrpSpPr/>
         <p:nvPr/>
       </p:nvGrpSpPr>
@@ -909,9 +934,11 @@
       <p:sp>
         <p:nvSpPr>
           <p:cNvPr id="91" name="Google Shape;91;p3:notes"/>
-          <p:cNvSpPr txBox="1"/>
+          <p:cNvSpPr txBox="1">
+            <a:spLocks noGrp="1"/>
+          </p:cNvSpPr>
           <p:nvPr>
-            <p:ph idx="1" type="body"/>
+            <p:ph type="body" idx="1"/>
           </p:nvPr>
         </p:nvSpPr>
         <p:spPr>
@@ -924,12 +951,12 @@
           </a:prstGeom>
         </p:spPr>
         <p:txBody>
-          <a:bodyPr anchorCtr="0" anchor="t" bIns="91425" lIns="91425" spcFirstLastPara="1" rIns="91425" wrap="square" tIns="91425">
+          <a:bodyPr spcFirstLastPara="1" wrap="square" lIns="91425" tIns="91425" rIns="91425" bIns="91425" anchor="t" anchorCtr="0">
             <a:noAutofit/>
           </a:bodyPr>
           <a:lstStyle/>
           <a:p>
-            <a:pPr indent="0" lvl="0" marL="0" rtl="0" algn="l">
+            <a:pPr marL="0" lvl="0" indent="0" algn="l" rtl="0">
               <a:spcBef>
                 <a:spcPts val="0"/>
               </a:spcBef>
@@ -938,9 +965,6 @@
               </a:spcAft>
               <a:buNone/>
             </a:pPr>
-            <a:r>
-              <a:t/>
-            </a:r>
             <a:endParaRPr/>
           </a:p>
         </p:txBody>
@@ -948,20 +972,26 @@
       <p:sp>
         <p:nvSpPr>
           <p:cNvPr id="92" name="Google Shape;92;p3:notes"/>
-          <p:cNvSpPr/>
+          <p:cNvSpPr>
+            <a:spLocks noGrp="1" noRot="1" noChangeAspect="1"/>
+          </p:cNvSpPr>
           <p:nvPr>
-            <p:ph idx="2" type="sldImg"/>
+            <p:ph type="sldImg" idx="2"/>
           </p:nvPr>
         </p:nvSpPr>
         <p:spPr>
           <a:xfrm>
-            <a:off x="1143225" y="685800"/>
-            <a:ext cx="4572225" cy="3429000"/>
+            <a:off x="1143000" y="685800"/>
+            <a:ext cx="4572000" cy="3429000"/>
           </a:xfrm>
           <a:custGeom>
-            <a:rect b="b" l="l" r="r" t="t"/>
+            <a:avLst/>
+            <a:gdLst/>
+            <a:ahLst/>
+            <a:cxnLst/>
+            <a:rect l="l" t="t" r="r" b="b"/>
             <a:pathLst>
-              <a:path extrusionOk="0" h="120000" w="120000">
+              <a:path w="120000" h="120000" extrusionOk="0">
                 <a:moveTo>
                   <a:pt x="0" y="0"/>
                 </a:moveTo>
@@ -989,11 +1019,11 @@
 </file>
 
 <file path=ppt/slideLayouts/slideLayout1.xml><?xml version="1.0" encoding="utf-8"?>
-<p:sldLayout xmlns:a="http://schemas.openxmlformats.org/drawingml/2006/main" xmlns:r="http://schemas.openxmlformats.org/officeDocument/2006/relationships" xmlns:mc="http://schemas.openxmlformats.org/markup-compatibility/2006" xmlns:mv="urn:schemas-microsoft-com:mac:vml" xmlns:p="http://schemas.openxmlformats.org/presentationml/2006/main" xmlns:c="http://schemas.openxmlformats.org/drawingml/2006/chart" xmlns:dgm="http://schemas.openxmlformats.org/drawingml/2006/diagram" xmlns:o="urn:schemas-microsoft-com:office:office" xmlns:v="urn:schemas-microsoft-com:vml" xmlns:pvml="urn:schemas-microsoft-com:office:powerpoint" xmlns:com="http://schemas.openxmlformats.org/drawingml/2006/compatibility" xmlns:p14="http://schemas.microsoft.com/office/powerpoint/2010/main" xmlns:p15="http://schemas.microsoft.com/office/powerpoint/2012/main" xmlns:ahyp="http://schemas.microsoft.com/office/drawing/2018/hyperlinkcolor" matchingName="Title Only" type="titleOnly">
+<p:sldLayout xmlns:a="http://schemas.openxmlformats.org/drawingml/2006/main" xmlns:r="http://schemas.openxmlformats.org/officeDocument/2006/relationships" xmlns:p="http://schemas.openxmlformats.org/presentationml/2006/main" matchingName="Title Only" type="titleOnly">
   <p:cSld name="TITLE_ONLY">
     <p:spTree>
       <p:nvGrpSpPr>
-        <p:cNvPr id="11" name="Shape 11"/>
+        <p:cNvPr id="1" name="Shape 11"/>
         <p:cNvGrpSpPr/>
         <p:nvPr/>
       </p:nvGrpSpPr>
@@ -1008,7 +1038,9 @@
       <p:sp>
         <p:nvSpPr>
           <p:cNvPr id="12" name="Google Shape;12;p5"/>
-          <p:cNvSpPr txBox="1"/>
+          <p:cNvSpPr txBox="1">
+            <a:spLocks noGrp="1"/>
+          </p:cNvSpPr>
           <p:nvPr>
             <p:ph type="title"/>
           </p:nvPr>
@@ -1027,7 +1059,7 @@
           </a:ln>
         </p:spPr>
         <p:txBody>
-          <a:bodyPr anchorCtr="0" anchor="ctr" bIns="45700" lIns="91425" spcFirstLastPara="1" rIns="91425" wrap="square" tIns="45700">
+          <a:bodyPr spcFirstLastPara="1" wrap="square" lIns="91425" tIns="45700" rIns="91425" bIns="45700" anchor="ctr" anchorCtr="0">
             <a:normAutofit/>
           </a:bodyPr>
           <a:lstStyle>
@@ -1134,15 +1166,19 @@
               <a:defRPr/>
             </a:lvl9pPr>
           </a:lstStyle>
-          <a:p/>
+          <a:p>
+            <a:endParaRPr/>
+          </a:p>
         </p:txBody>
       </p:sp>
       <p:sp>
         <p:nvSpPr>
           <p:cNvPr id="13" name="Google Shape;13;p5"/>
-          <p:cNvSpPr txBox="1"/>
+          <p:cNvSpPr txBox="1">
+            <a:spLocks noGrp="1"/>
+          </p:cNvSpPr>
           <p:nvPr>
-            <p:ph idx="10" type="dt"/>
+            <p:ph type="dt" idx="10"/>
           </p:nvPr>
         </p:nvSpPr>
         <p:spPr>
@@ -1159,7 +1195,7 @@
           </a:ln>
         </p:spPr>
         <p:txBody>
-          <a:bodyPr anchorCtr="0" anchor="ctr" bIns="45700" lIns="91425" spcFirstLastPara="1" rIns="91425" wrap="square" tIns="45700">
+          <a:bodyPr spcFirstLastPara="1" wrap="square" lIns="91425" tIns="45700" rIns="91425" bIns="45700" anchor="ctr" anchorCtr="0">
             <a:noAutofit/>
           </a:bodyPr>
           <a:lstStyle>
@@ -1263,15 +1299,19 @@
               <a:defRPr/>
             </a:lvl9pPr>
           </a:lstStyle>
-          <a:p/>
+          <a:p>
+            <a:endParaRPr/>
+          </a:p>
         </p:txBody>
       </p:sp>
       <p:sp>
         <p:nvSpPr>
           <p:cNvPr id="14" name="Google Shape;14;p5"/>
-          <p:cNvSpPr txBox="1"/>
+          <p:cNvSpPr txBox="1">
+            <a:spLocks noGrp="1"/>
+          </p:cNvSpPr>
           <p:nvPr>
-            <p:ph idx="11" type="ftr"/>
+            <p:ph type="ftr" idx="11"/>
           </p:nvPr>
         </p:nvSpPr>
         <p:spPr>
@@ -1288,7 +1328,7 @@
           </a:ln>
         </p:spPr>
         <p:txBody>
-          <a:bodyPr anchorCtr="0" anchor="ctr" bIns="45700" lIns="91425" spcFirstLastPara="1" rIns="91425" wrap="square" tIns="45700">
+          <a:bodyPr spcFirstLastPara="1" wrap="square" lIns="91425" tIns="45700" rIns="91425" bIns="45700" anchor="ctr" anchorCtr="0">
             <a:noAutofit/>
           </a:bodyPr>
           <a:lstStyle>
@@ -1392,15 +1432,19 @@
               <a:defRPr/>
             </a:lvl9pPr>
           </a:lstStyle>
-          <a:p/>
+          <a:p>
+            <a:endParaRPr/>
+          </a:p>
         </p:txBody>
       </p:sp>
       <p:sp>
         <p:nvSpPr>
           <p:cNvPr id="15" name="Google Shape;15;p5"/>
-          <p:cNvSpPr txBox="1"/>
+          <p:cNvSpPr txBox="1">
+            <a:spLocks noGrp="1"/>
+          </p:cNvSpPr>
           <p:nvPr>
-            <p:ph idx="12" type="sldNum"/>
+            <p:ph type="sldNum" idx="12"/>
           </p:nvPr>
         </p:nvSpPr>
         <p:spPr>
@@ -1417,67 +1461,67 @@
           </a:ln>
         </p:spPr>
         <p:txBody>
-          <a:bodyPr anchorCtr="0" anchor="ctr" bIns="45700" lIns="91425" spcFirstLastPara="1" rIns="91425" wrap="square" tIns="45700">
+          <a:bodyPr spcFirstLastPara="1" wrap="square" lIns="91425" tIns="45700" rIns="91425" bIns="45700" anchor="ctr" anchorCtr="0">
             <a:noAutofit/>
           </a:bodyPr>
           <a:lstStyle>
-            <a:lvl1pPr indent="0" lvl="0" marL="0" algn="r">
+            <a:lvl1pPr marL="0" lvl="0" indent="0" algn="r">
               <a:spcBef>
                 <a:spcPts val="0"/>
               </a:spcBef>
               <a:buNone/>
               <a:defRPr/>
             </a:lvl1pPr>
-            <a:lvl2pPr indent="0" lvl="1" marL="0" algn="r">
+            <a:lvl2pPr marL="0" lvl="1" indent="0" algn="r">
               <a:spcBef>
                 <a:spcPts val="0"/>
               </a:spcBef>
               <a:buNone/>
               <a:defRPr/>
             </a:lvl2pPr>
-            <a:lvl3pPr indent="0" lvl="2" marL="0" algn="r">
+            <a:lvl3pPr marL="0" lvl="2" indent="0" algn="r">
               <a:spcBef>
                 <a:spcPts val="0"/>
               </a:spcBef>
               <a:buNone/>
               <a:defRPr/>
             </a:lvl3pPr>
-            <a:lvl4pPr indent="0" lvl="3" marL="0" algn="r">
+            <a:lvl4pPr marL="0" lvl="3" indent="0" algn="r">
               <a:spcBef>
                 <a:spcPts val="0"/>
               </a:spcBef>
               <a:buNone/>
               <a:defRPr/>
             </a:lvl4pPr>
-            <a:lvl5pPr indent="0" lvl="4" marL="0" algn="r">
+            <a:lvl5pPr marL="0" lvl="4" indent="0" algn="r">
               <a:spcBef>
                 <a:spcPts val="0"/>
               </a:spcBef>
               <a:buNone/>
               <a:defRPr/>
             </a:lvl5pPr>
-            <a:lvl6pPr indent="0" lvl="5" marL="0" algn="r">
+            <a:lvl6pPr marL="0" lvl="5" indent="0" algn="r">
               <a:spcBef>
                 <a:spcPts val="0"/>
               </a:spcBef>
               <a:buNone/>
               <a:defRPr/>
             </a:lvl6pPr>
-            <a:lvl7pPr indent="0" lvl="6" marL="0" algn="r">
+            <a:lvl7pPr marL="0" lvl="6" indent="0" algn="r">
               <a:spcBef>
                 <a:spcPts val="0"/>
               </a:spcBef>
               <a:buNone/>
               <a:defRPr/>
             </a:lvl7pPr>
-            <a:lvl8pPr indent="0" lvl="7" marL="0" algn="r">
+            <a:lvl8pPr marL="0" lvl="7" indent="0" algn="r">
               <a:spcBef>
                 <a:spcPts val="0"/>
               </a:spcBef>
               <a:buNone/>
               <a:defRPr/>
             </a:lvl8pPr>
-            <a:lvl9pPr indent="0" lvl="8" marL="0" algn="r">
+            <a:lvl9pPr marL="0" lvl="8" indent="0" algn="r">
               <a:spcBef>
                 <a:spcPts val="0"/>
               </a:spcBef>
@@ -1486,7 +1530,7 @@
             </a:lvl9pPr>
           </a:lstStyle>
           <a:p>
-            <a:pPr indent="0" lvl="0" marL="0" rtl="0" algn="r">
+            <a:pPr marL="0" lvl="0" indent="0" algn="r" rtl="0">
               <a:spcBef>
                 <a:spcPts val="0"/>
               </a:spcBef>
@@ -1512,11 +1556,11 @@
 </file>
 
 <file path=ppt/slideLayouts/slideLayout10.xml><?xml version="1.0" encoding="utf-8"?>
-<p:sldLayout xmlns:a="http://schemas.openxmlformats.org/drawingml/2006/main" xmlns:r="http://schemas.openxmlformats.org/officeDocument/2006/relationships" xmlns:mc="http://schemas.openxmlformats.org/markup-compatibility/2006" xmlns:mv="urn:schemas-microsoft-com:mac:vml" xmlns:p="http://schemas.openxmlformats.org/presentationml/2006/main" xmlns:c="http://schemas.openxmlformats.org/drawingml/2006/chart" xmlns:dgm="http://schemas.openxmlformats.org/drawingml/2006/diagram" xmlns:o="urn:schemas-microsoft-com:office:office" xmlns:v="urn:schemas-microsoft-com:vml" xmlns:pvml="urn:schemas-microsoft-com:office:powerpoint" xmlns:com="http://schemas.openxmlformats.org/drawingml/2006/compatibility" xmlns:p14="http://schemas.microsoft.com/office/powerpoint/2010/main" xmlns:p15="http://schemas.microsoft.com/office/powerpoint/2012/main" xmlns:ahyp="http://schemas.microsoft.com/office/drawing/2018/hyperlinkcolor" matchingName="Title and Vertical Text" type="vertTx">
+<p:sldLayout xmlns:a="http://schemas.openxmlformats.org/drawingml/2006/main" xmlns:r="http://schemas.openxmlformats.org/officeDocument/2006/relationships" xmlns:p="http://schemas.openxmlformats.org/presentationml/2006/main" matchingName="Title and Vertical Text" type="vertTx">
   <p:cSld name="VERTICAL_TEXT">
     <p:spTree>
       <p:nvGrpSpPr>
-        <p:cNvPr id="68" name="Shape 68"/>
+        <p:cNvPr id="1" name="Shape 68"/>
         <p:cNvGrpSpPr/>
         <p:nvPr/>
       </p:nvGrpSpPr>
@@ -1531,7 +1575,9 @@
       <p:sp>
         <p:nvSpPr>
           <p:cNvPr id="69" name="Google Shape;69;p14"/>
-          <p:cNvSpPr txBox="1"/>
+          <p:cNvSpPr txBox="1">
+            <a:spLocks noGrp="1"/>
+          </p:cNvSpPr>
           <p:nvPr>
             <p:ph type="title"/>
           </p:nvPr>
@@ -1550,7 +1596,7 @@
           </a:ln>
         </p:spPr>
         <p:txBody>
-          <a:bodyPr anchorCtr="0" anchor="ctr" bIns="45700" lIns="91425" spcFirstLastPara="1" rIns="91425" wrap="square" tIns="45700">
+          <a:bodyPr spcFirstLastPara="1" wrap="square" lIns="91425" tIns="45700" rIns="91425" bIns="45700" anchor="ctr" anchorCtr="0">
             <a:normAutofit/>
           </a:bodyPr>
           <a:lstStyle>
@@ -1657,15 +1703,19 @@
               <a:defRPr/>
             </a:lvl9pPr>
           </a:lstStyle>
-          <a:p/>
+          <a:p>
+            <a:endParaRPr/>
+          </a:p>
         </p:txBody>
       </p:sp>
       <p:sp>
         <p:nvSpPr>
           <p:cNvPr id="70" name="Google Shape;70;p14"/>
-          <p:cNvSpPr txBox="1"/>
+          <p:cNvSpPr txBox="1">
+            <a:spLocks noGrp="1"/>
+          </p:cNvSpPr>
           <p:nvPr>
-            <p:ph idx="1" type="body"/>
+            <p:ph type="body" idx="1"/>
           </p:nvPr>
         </p:nvSpPr>
         <p:spPr>
@@ -1682,11 +1732,11 @@
           </a:ln>
         </p:spPr>
         <p:txBody>
-          <a:bodyPr anchorCtr="0" anchor="t" bIns="45700" lIns="91425" spcFirstLastPara="1" rIns="91425" wrap="square" tIns="45700">
+          <a:bodyPr spcFirstLastPara="1" wrap="square" lIns="91425" tIns="45700" rIns="91425" bIns="45700" anchor="t" anchorCtr="0">
             <a:normAutofit/>
           </a:bodyPr>
           <a:lstStyle>
-            <a:lvl1pPr indent="-342900" lvl="0" marL="457200" algn="l">
+            <a:lvl1pPr marL="457200" lvl="0" indent="-342900" algn="l">
               <a:spcBef>
                 <a:spcPts val="360"/>
               </a:spcBef>
@@ -1700,7 +1750,7 @@
               <a:buChar char="•"/>
               <a:defRPr/>
             </a:lvl1pPr>
-            <a:lvl2pPr indent="-342900" lvl="1" marL="914400" algn="l">
+            <a:lvl2pPr marL="914400" lvl="1" indent="-342900" algn="l">
               <a:spcBef>
                 <a:spcPts val="360"/>
               </a:spcBef>
@@ -1714,7 +1764,7 @@
               <a:buChar char="–"/>
               <a:defRPr/>
             </a:lvl2pPr>
-            <a:lvl3pPr indent="-342900" lvl="2" marL="1371600" algn="l">
+            <a:lvl3pPr marL="1371600" lvl="2" indent="-342900" algn="l">
               <a:spcBef>
                 <a:spcPts val="360"/>
               </a:spcBef>
@@ -1728,7 +1778,7 @@
               <a:buChar char="•"/>
               <a:defRPr/>
             </a:lvl3pPr>
-            <a:lvl4pPr indent="-342900" lvl="3" marL="1828800" algn="l">
+            <a:lvl4pPr marL="1828800" lvl="3" indent="-342900" algn="l">
               <a:spcBef>
                 <a:spcPts val="360"/>
               </a:spcBef>
@@ -1742,7 +1792,7 @@
               <a:buChar char="–"/>
               <a:defRPr/>
             </a:lvl4pPr>
-            <a:lvl5pPr indent="-342900" lvl="4" marL="2286000" algn="l">
+            <a:lvl5pPr marL="2286000" lvl="4" indent="-342900" algn="l">
               <a:spcBef>
                 <a:spcPts val="360"/>
               </a:spcBef>
@@ -1756,7 +1806,7 @@
               <a:buChar char="»"/>
               <a:defRPr/>
             </a:lvl5pPr>
-            <a:lvl6pPr indent="-342900" lvl="5" marL="2743200" algn="l">
+            <a:lvl6pPr marL="2743200" lvl="5" indent="-342900" algn="l">
               <a:spcBef>
                 <a:spcPts val="360"/>
               </a:spcBef>
@@ -1770,7 +1820,7 @@
               <a:buChar char="•"/>
               <a:defRPr/>
             </a:lvl6pPr>
-            <a:lvl7pPr indent="-342900" lvl="6" marL="3200400" algn="l">
+            <a:lvl7pPr marL="3200400" lvl="6" indent="-342900" algn="l">
               <a:spcBef>
                 <a:spcPts val="360"/>
               </a:spcBef>
@@ -1784,7 +1834,7 @@
               <a:buChar char="•"/>
               <a:defRPr/>
             </a:lvl7pPr>
-            <a:lvl8pPr indent="-342900" lvl="7" marL="3657600" algn="l">
+            <a:lvl8pPr marL="3657600" lvl="7" indent="-342900" algn="l">
               <a:spcBef>
                 <a:spcPts val="360"/>
               </a:spcBef>
@@ -1798,7 +1848,7 @@
               <a:buChar char="•"/>
               <a:defRPr/>
             </a:lvl8pPr>
-            <a:lvl9pPr indent="-342900" lvl="8" marL="4114800" algn="l">
+            <a:lvl9pPr marL="4114800" lvl="8" indent="-342900" algn="l">
               <a:spcBef>
                 <a:spcPts val="360"/>
               </a:spcBef>
@@ -1813,15 +1863,19 @@
               <a:defRPr/>
             </a:lvl9pPr>
           </a:lstStyle>
-          <a:p/>
+          <a:p>
+            <a:endParaRPr/>
+          </a:p>
         </p:txBody>
       </p:sp>
       <p:sp>
         <p:nvSpPr>
           <p:cNvPr id="71" name="Google Shape;71;p14"/>
-          <p:cNvSpPr txBox="1"/>
+          <p:cNvSpPr txBox="1">
+            <a:spLocks noGrp="1"/>
+          </p:cNvSpPr>
           <p:nvPr>
-            <p:ph idx="10" type="dt"/>
+            <p:ph type="dt" idx="10"/>
           </p:nvPr>
         </p:nvSpPr>
         <p:spPr>
@@ -1838,7 +1892,7 @@
           </a:ln>
         </p:spPr>
         <p:txBody>
-          <a:bodyPr anchorCtr="0" anchor="ctr" bIns="45700" lIns="91425" spcFirstLastPara="1" rIns="91425" wrap="square" tIns="45700">
+          <a:bodyPr spcFirstLastPara="1" wrap="square" lIns="91425" tIns="45700" rIns="91425" bIns="45700" anchor="ctr" anchorCtr="0">
             <a:noAutofit/>
           </a:bodyPr>
           <a:lstStyle>
@@ -1942,15 +1996,19 @@
               <a:defRPr/>
             </a:lvl9pPr>
           </a:lstStyle>
-          <a:p/>
+          <a:p>
+            <a:endParaRPr/>
+          </a:p>
         </p:txBody>
       </p:sp>
       <p:sp>
         <p:nvSpPr>
           <p:cNvPr id="72" name="Google Shape;72;p14"/>
-          <p:cNvSpPr txBox="1"/>
+          <p:cNvSpPr txBox="1">
+            <a:spLocks noGrp="1"/>
+          </p:cNvSpPr>
           <p:nvPr>
-            <p:ph idx="11" type="ftr"/>
+            <p:ph type="ftr" idx="11"/>
           </p:nvPr>
         </p:nvSpPr>
         <p:spPr>
@@ -1967,7 +2025,7 @@
           </a:ln>
         </p:spPr>
         <p:txBody>
-          <a:bodyPr anchorCtr="0" anchor="ctr" bIns="45700" lIns="91425" spcFirstLastPara="1" rIns="91425" wrap="square" tIns="45700">
+          <a:bodyPr spcFirstLastPara="1" wrap="square" lIns="91425" tIns="45700" rIns="91425" bIns="45700" anchor="ctr" anchorCtr="0">
             <a:noAutofit/>
           </a:bodyPr>
           <a:lstStyle>
@@ -2071,15 +2129,19 @@
               <a:defRPr/>
             </a:lvl9pPr>
           </a:lstStyle>
-          <a:p/>
+          <a:p>
+            <a:endParaRPr/>
+          </a:p>
         </p:txBody>
       </p:sp>
       <p:sp>
         <p:nvSpPr>
           <p:cNvPr id="73" name="Google Shape;73;p14"/>
-          <p:cNvSpPr txBox="1"/>
+          <p:cNvSpPr txBox="1">
+            <a:spLocks noGrp="1"/>
+          </p:cNvSpPr>
           <p:nvPr>
-            <p:ph idx="12" type="sldNum"/>
+            <p:ph type="sldNum" idx="12"/>
           </p:nvPr>
         </p:nvSpPr>
         <p:spPr>
@@ -2096,67 +2158,67 @@
           </a:ln>
         </p:spPr>
         <p:txBody>
-          <a:bodyPr anchorCtr="0" anchor="ctr" bIns="45700" lIns="91425" spcFirstLastPara="1" rIns="91425" wrap="square" tIns="45700">
+          <a:bodyPr spcFirstLastPara="1" wrap="square" lIns="91425" tIns="45700" rIns="91425" bIns="45700" anchor="ctr" anchorCtr="0">
             <a:noAutofit/>
           </a:bodyPr>
           <a:lstStyle>
-            <a:lvl1pPr indent="0" lvl="0" marL="0" algn="r">
+            <a:lvl1pPr marL="0" lvl="0" indent="0" algn="r">
               <a:spcBef>
                 <a:spcPts val="0"/>
               </a:spcBef>
               <a:buNone/>
               <a:defRPr/>
             </a:lvl1pPr>
-            <a:lvl2pPr indent="0" lvl="1" marL="0" algn="r">
+            <a:lvl2pPr marL="0" lvl="1" indent="0" algn="r">
               <a:spcBef>
                 <a:spcPts val="0"/>
               </a:spcBef>
               <a:buNone/>
               <a:defRPr/>
             </a:lvl2pPr>
-            <a:lvl3pPr indent="0" lvl="2" marL="0" algn="r">
+            <a:lvl3pPr marL="0" lvl="2" indent="0" algn="r">
               <a:spcBef>
                 <a:spcPts val="0"/>
               </a:spcBef>
               <a:buNone/>
               <a:defRPr/>
             </a:lvl3pPr>
-            <a:lvl4pPr indent="0" lvl="3" marL="0" algn="r">
+            <a:lvl4pPr marL="0" lvl="3" indent="0" algn="r">
               <a:spcBef>
                 <a:spcPts val="0"/>
               </a:spcBef>
               <a:buNone/>
               <a:defRPr/>
             </a:lvl4pPr>
-            <a:lvl5pPr indent="0" lvl="4" marL="0" algn="r">
+            <a:lvl5pPr marL="0" lvl="4" indent="0" algn="r">
               <a:spcBef>
                 <a:spcPts val="0"/>
               </a:spcBef>
               <a:buNone/>
               <a:defRPr/>
             </a:lvl5pPr>
-            <a:lvl6pPr indent="0" lvl="5" marL="0" algn="r">
+            <a:lvl6pPr marL="0" lvl="5" indent="0" algn="r">
               <a:spcBef>
                 <a:spcPts val="0"/>
               </a:spcBef>
               <a:buNone/>
               <a:defRPr/>
             </a:lvl6pPr>
-            <a:lvl7pPr indent="0" lvl="6" marL="0" algn="r">
+            <a:lvl7pPr marL="0" lvl="6" indent="0" algn="r">
               <a:spcBef>
                 <a:spcPts val="0"/>
               </a:spcBef>
               <a:buNone/>
               <a:defRPr/>
             </a:lvl7pPr>
-            <a:lvl8pPr indent="0" lvl="7" marL="0" algn="r">
+            <a:lvl8pPr marL="0" lvl="7" indent="0" algn="r">
               <a:spcBef>
                 <a:spcPts val="0"/>
               </a:spcBef>
               <a:buNone/>
               <a:defRPr/>
             </a:lvl8pPr>
-            <a:lvl9pPr indent="0" lvl="8" marL="0" algn="r">
+            <a:lvl9pPr marL="0" lvl="8" indent="0" algn="r">
               <a:spcBef>
                 <a:spcPts val="0"/>
               </a:spcBef>
@@ -2165,7 +2227,7 @@
             </a:lvl9pPr>
           </a:lstStyle>
           <a:p>
-            <a:pPr indent="0" lvl="0" marL="0" rtl="0" algn="r">
+            <a:pPr marL="0" lvl="0" indent="0" algn="r" rtl="0">
               <a:spcBef>
                 <a:spcPts val="0"/>
               </a:spcBef>
@@ -2191,11 +2253,11 @@
 </file>
 
 <file path=ppt/slideLayouts/slideLayout11.xml><?xml version="1.0" encoding="utf-8"?>
-<p:sldLayout xmlns:a="http://schemas.openxmlformats.org/drawingml/2006/main" xmlns:r="http://schemas.openxmlformats.org/officeDocument/2006/relationships" xmlns:mc="http://schemas.openxmlformats.org/markup-compatibility/2006" xmlns:mv="urn:schemas-microsoft-com:mac:vml" xmlns:p="http://schemas.openxmlformats.org/presentationml/2006/main" xmlns:c="http://schemas.openxmlformats.org/drawingml/2006/chart" xmlns:dgm="http://schemas.openxmlformats.org/drawingml/2006/diagram" xmlns:o="urn:schemas-microsoft-com:office:office" xmlns:v="urn:schemas-microsoft-com:vml" xmlns:pvml="urn:schemas-microsoft-com:office:powerpoint" xmlns:com="http://schemas.openxmlformats.org/drawingml/2006/compatibility" xmlns:p14="http://schemas.microsoft.com/office/powerpoint/2010/main" xmlns:p15="http://schemas.microsoft.com/office/powerpoint/2012/main" xmlns:ahyp="http://schemas.microsoft.com/office/drawing/2018/hyperlinkcolor" matchingName="Vertical Title and Text" type="vertTitleAndTx">
+<p:sldLayout xmlns:a="http://schemas.openxmlformats.org/drawingml/2006/main" xmlns:r="http://schemas.openxmlformats.org/officeDocument/2006/relationships" xmlns:p="http://schemas.openxmlformats.org/presentationml/2006/main" matchingName="Vertical Title and Text" type="vertTitleAndTx">
   <p:cSld name="VERTICAL_TITLE_AND_VERTICAL_TEXT">
     <p:spTree>
       <p:nvGrpSpPr>
-        <p:cNvPr id="74" name="Shape 74"/>
+        <p:cNvPr id="1" name="Shape 74"/>
         <p:cNvGrpSpPr/>
         <p:nvPr/>
       </p:nvGrpSpPr>
@@ -2210,7 +2272,9 @@
       <p:sp>
         <p:nvSpPr>
           <p:cNvPr id="75" name="Google Shape;75;p15"/>
-          <p:cNvSpPr txBox="1"/>
+          <p:cNvSpPr txBox="1">
+            <a:spLocks noGrp="1"/>
+          </p:cNvSpPr>
           <p:nvPr>
             <p:ph type="title"/>
           </p:nvPr>
@@ -2229,7 +2293,7 @@
           </a:ln>
         </p:spPr>
         <p:txBody>
-          <a:bodyPr anchorCtr="0" anchor="ctr" bIns="45700" lIns="91425" spcFirstLastPara="1" rIns="91425" wrap="square" tIns="45700">
+          <a:bodyPr spcFirstLastPara="1" wrap="square" lIns="91425" tIns="45700" rIns="91425" bIns="45700" anchor="ctr" anchorCtr="0">
             <a:normAutofit/>
           </a:bodyPr>
           <a:lstStyle>
@@ -2336,15 +2400,19 @@
               <a:defRPr/>
             </a:lvl9pPr>
           </a:lstStyle>
-          <a:p/>
+          <a:p>
+            <a:endParaRPr/>
+          </a:p>
         </p:txBody>
       </p:sp>
       <p:sp>
         <p:nvSpPr>
           <p:cNvPr id="76" name="Google Shape;76;p15"/>
-          <p:cNvSpPr txBox="1"/>
+          <p:cNvSpPr txBox="1">
+            <a:spLocks noGrp="1"/>
+          </p:cNvSpPr>
           <p:nvPr>
-            <p:ph idx="1" type="body"/>
+            <p:ph type="body" idx="1"/>
           </p:nvPr>
         </p:nvSpPr>
         <p:spPr>
@@ -2361,11 +2429,11 @@
           </a:ln>
         </p:spPr>
         <p:txBody>
-          <a:bodyPr anchorCtr="0" anchor="t" bIns="45700" lIns="91425" spcFirstLastPara="1" rIns="91425" wrap="square" tIns="45700">
+          <a:bodyPr spcFirstLastPara="1" wrap="square" lIns="91425" tIns="45700" rIns="91425" bIns="45700" anchor="t" anchorCtr="0">
             <a:normAutofit/>
           </a:bodyPr>
           <a:lstStyle>
-            <a:lvl1pPr indent="-342900" lvl="0" marL="457200" algn="l">
+            <a:lvl1pPr marL="457200" lvl="0" indent="-342900" algn="l">
               <a:spcBef>
                 <a:spcPts val="360"/>
               </a:spcBef>
@@ -2379,7 +2447,7 @@
               <a:buChar char="•"/>
               <a:defRPr/>
             </a:lvl1pPr>
-            <a:lvl2pPr indent="-342900" lvl="1" marL="914400" algn="l">
+            <a:lvl2pPr marL="914400" lvl="1" indent="-342900" algn="l">
               <a:spcBef>
                 <a:spcPts val="360"/>
               </a:spcBef>
@@ -2393,7 +2461,7 @@
               <a:buChar char="–"/>
               <a:defRPr/>
             </a:lvl2pPr>
-            <a:lvl3pPr indent="-342900" lvl="2" marL="1371600" algn="l">
+            <a:lvl3pPr marL="1371600" lvl="2" indent="-342900" algn="l">
               <a:spcBef>
                 <a:spcPts val="360"/>
               </a:spcBef>
@@ -2407,7 +2475,7 @@
               <a:buChar char="•"/>
               <a:defRPr/>
             </a:lvl3pPr>
-            <a:lvl4pPr indent="-342900" lvl="3" marL="1828800" algn="l">
+            <a:lvl4pPr marL="1828800" lvl="3" indent="-342900" algn="l">
               <a:spcBef>
                 <a:spcPts val="360"/>
               </a:spcBef>
@@ -2421,7 +2489,7 @@
               <a:buChar char="–"/>
               <a:defRPr/>
             </a:lvl4pPr>
-            <a:lvl5pPr indent="-342900" lvl="4" marL="2286000" algn="l">
+            <a:lvl5pPr marL="2286000" lvl="4" indent="-342900" algn="l">
               <a:spcBef>
                 <a:spcPts val="360"/>
               </a:spcBef>
@@ -2435,7 +2503,7 @@
               <a:buChar char="»"/>
               <a:defRPr/>
             </a:lvl5pPr>
-            <a:lvl6pPr indent="-342900" lvl="5" marL="2743200" algn="l">
+            <a:lvl6pPr marL="2743200" lvl="5" indent="-342900" algn="l">
               <a:spcBef>
                 <a:spcPts val="360"/>
               </a:spcBef>
@@ -2449,7 +2517,7 @@
               <a:buChar char="•"/>
               <a:defRPr/>
             </a:lvl6pPr>
-            <a:lvl7pPr indent="-342900" lvl="6" marL="3200400" algn="l">
+            <a:lvl7pPr marL="3200400" lvl="6" indent="-342900" algn="l">
               <a:spcBef>
                 <a:spcPts val="360"/>
               </a:spcBef>
@@ -2463,7 +2531,7 @@
               <a:buChar char="•"/>
               <a:defRPr/>
             </a:lvl7pPr>
-            <a:lvl8pPr indent="-342900" lvl="7" marL="3657600" algn="l">
+            <a:lvl8pPr marL="3657600" lvl="7" indent="-342900" algn="l">
               <a:spcBef>
                 <a:spcPts val="360"/>
               </a:spcBef>
@@ -2477,7 +2545,7 @@
               <a:buChar char="•"/>
               <a:defRPr/>
             </a:lvl8pPr>
-            <a:lvl9pPr indent="-342900" lvl="8" marL="4114800" algn="l">
+            <a:lvl9pPr marL="4114800" lvl="8" indent="-342900" algn="l">
               <a:spcBef>
                 <a:spcPts val="360"/>
               </a:spcBef>
@@ -2492,15 +2560,19 @@
               <a:defRPr/>
             </a:lvl9pPr>
           </a:lstStyle>
-          <a:p/>
+          <a:p>
+            <a:endParaRPr/>
+          </a:p>
         </p:txBody>
       </p:sp>
       <p:sp>
         <p:nvSpPr>
           <p:cNvPr id="77" name="Google Shape;77;p15"/>
-          <p:cNvSpPr txBox="1"/>
+          <p:cNvSpPr txBox="1">
+            <a:spLocks noGrp="1"/>
+          </p:cNvSpPr>
           <p:nvPr>
-            <p:ph idx="10" type="dt"/>
+            <p:ph type="dt" idx="10"/>
           </p:nvPr>
         </p:nvSpPr>
         <p:spPr>
@@ -2517,7 +2589,7 @@
           </a:ln>
         </p:spPr>
         <p:txBody>
-          <a:bodyPr anchorCtr="0" anchor="ctr" bIns="45700" lIns="91425" spcFirstLastPara="1" rIns="91425" wrap="square" tIns="45700">
+          <a:bodyPr spcFirstLastPara="1" wrap="square" lIns="91425" tIns="45700" rIns="91425" bIns="45700" anchor="ctr" anchorCtr="0">
             <a:noAutofit/>
           </a:bodyPr>
           <a:lstStyle>
@@ -2621,15 +2693,19 @@
               <a:defRPr/>
             </a:lvl9pPr>
           </a:lstStyle>
-          <a:p/>
+          <a:p>
+            <a:endParaRPr/>
+          </a:p>
         </p:txBody>
       </p:sp>
       <p:sp>
         <p:nvSpPr>
           <p:cNvPr id="78" name="Google Shape;78;p15"/>
-          <p:cNvSpPr txBox="1"/>
+          <p:cNvSpPr txBox="1">
+            <a:spLocks noGrp="1"/>
+          </p:cNvSpPr>
           <p:nvPr>
-            <p:ph idx="11" type="ftr"/>
+            <p:ph type="ftr" idx="11"/>
           </p:nvPr>
         </p:nvSpPr>
         <p:spPr>
@@ -2646,7 +2722,7 @@
           </a:ln>
         </p:spPr>
         <p:txBody>
-          <a:bodyPr anchorCtr="0" anchor="ctr" bIns="45700" lIns="91425" spcFirstLastPara="1" rIns="91425" wrap="square" tIns="45700">
+          <a:bodyPr spcFirstLastPara="1" wrap="square" lIns="91425" tIns="45700" rIns="91425" bIns="45700" anchor="ctr" anchorCtr="0">
             <a:noAutofit/>
           </a:bodyPr>
           <a:lstStyle>
@@ -2750,15 +2826,19 @@
               <a:defRPr/>
             </a:lvl9pPr>
           </a:lstStyle>
-          <a:p/>
+          <a:p>
+            <a:endParaRPr/>
+          </a:p>
         </p:txBody>
       </p:sp>
       <p:sp>
         <p:nvSpPr>
           <p:cNvPr id="79" name="Google Shape;79;p15"/>
-          <p:cNvSpPr txBox="1"/>
+          <p:cNvSpPr txBox="1">
+            <a:spLocks noGrp="1"/>
+          </p:cNvSpPr>
           <p:nvPr>
-            <p:ph idx="12" type="sldNum"/>
+            <p:ph type="sldNum" idx="12"/>
           </p:nvPr>
         </p:nvSpPr>
         <p:spPr>
@@ -2775,67 +2855,67 @@
           </a:ln>
         </p:spPr>
         <p:txBody>
-          <a:bodyPr anchorCtr="0" anchor="ctr" bIns="45700" lIns="91425" spcFirstLastPara="1" rIns="91425" wrap="square" tIns="45700">
+          <a:bodyPr spcFirstLastPara="1" wrap="square" lIns="91425" tIns="45700" rIns="91425" bIns="45700" anchor="ctr" anchorCtr="0">
             <a:noAutofit/>
           </a:bodyPr>
           <a:lstStyle>
-            <a:lvl1pPr indent="0" lvl="0" marL="0" algn="r">
+            <a:lvl1pPr marL="0" lvl="0" indent="0" algn="r">
               <a:spcBef>
                 <a:spcPts val="0"/>
               </a:spcBef>
               <a:buNone/>
               <a:defRPr/>
             </a:lvl1pPr>
-            <a:lvl2pPr indent="0" lvl="1" marL="0" algn="r">
+            <a:lvl2pPr marL="0" lvl="1" indent="0" algn="r">
               <a:spcBef>
                 <a:spcPts val="0"/>
               </a:spcBef>
               <a:buNone/>
               <a:defRPr/>
             </a:lvl2pPr>
-            <a:lvl3pPr indent="0" lvl="2" marL="0" algn="r">
+            <a:lvl3pPr marL="0" lvl="2" indent="0" algn="r">
               <a:spcBef>
                 <a:spcPts val="0"/>
               </a:spcBef>
               <a:buNone/>
               <a:defRPr/>
             </a:lvl3pPr>
-            <a:lvl4pPr indent="0" lvl="3" marL="0" algn="r">
+            <a:lvl4pPr marL="0" lvl="3" indent="0" algn="r">
               <a:spcBef>
                 <a:spcPts val="0"/>
               </a:spcBef>
               <a:buNone/>
               <a:defRPr/>
             </a:lvl4pPr>
-            <a:lvl5pPr indent="0" lvl="4" marL="0" algn="r">
+            <a:lvl5pPr marL="0" lvl="4" indent="0" algn="r">
               <a:spcBef>
                 <a:spcPts val="0"/>
               </a:spcBef>
               <a:buNone/>
               <a:defRPr/>
             </a:lvl5pPr>
-            <a:lvl6pPr indent="0" lvl="5" marL="0" algn="r">
+            <a:lvl6pPr marL="0" lvl="5" indent="0" algn="r">
               <a:spcBef>
                 <a:spcPts val="0"/>
               </a:spcBef>
               <a:buNone/>
               <a:defRPr/>
             </a:lvl6pPr>
-            <a:lvl7pPr indent="0" lvl="6" marL="0" algn="r">
+            <a:lvl7pPr marL="0" lvl="6" indent="0" algn="r">
               <a:spcBef>
                 <a:spcPts val="0"/>
               </a:spcBef>
               <a:buNone/>
               <a:defRPr/>
             </a:lvl7pPr>
-            <a:lvl8pPr indent="0" lvl="7" marL="0" algn="r">
+            <a:lvl8pPr marL="0" lvl="7" indent="0" algn="r">
               <a:spcBef>
                 <a:spcPts val="0"/>
               </a:spcBef>
               <a:buNone/>
               <a:defRPr/>
             </a:lvl8pPr>
-            <a:lvl9pPr indent="0" lvl="8" marL="0" algn="r">
+            <a:lvl9pPr marL="0" lvl="8" indent="0" algn="r">
               <a:spcBef>
                 <a:spcPts val="0"/>
               </a:spcBef>
@@ -2844,7 +2924,7 @@
             </a:lvl9pPr>
           </a:lstStyle>
           <a:p>
-            <a:pPr indent="0" lvl="0" marL="0" rtl="0" algn="r">
+            <a:pPr marL="0" lvl="0" indent="0" algn="r" rtl="0">
               <a:spcBef>
                 <a:spcPts val="0"/>
               </a:spcBef>
@@ -2870,11 +2950,11 @@
 </file>
 
 <file path=ppt/slideLayouts/slideLayout2.xml><?xml version="1.0" encoding="utf-8"?>
-<p:sldLayout xmlns:a="http://schemas.openxmlformats.org/drawingml/2006/main" xmlns:r="http://schemas.openxmlformats.org/officeDocument/2006/relationships" xmlns:mc="http://schemas.openxmlformats.org/markup-compatibility/2006" xmlns:mv="urn:schemas-microsoft-com:mac:vml" xmlns:p="http://schemas.openxmlformats.org/presentationml/2006/main" xmlns:c="http://schemas.openxmlformats.org/drawingml/2006/chart" xmlns:dgm="http://schemas.openxmlformats.org/drawingml/2006/diagram" xmlns:o="urn:schemas-microsoft-com:office:office" xmlns:v="urn:schemas-microsoft-com:vml" xmlns:pvml="urn:schemas-microsoft-com:office:powerpoint" xmlns:com="http://schemas.openxmlformats.org/drawingml/2006/compatibility" xmlns:p14="http://schemas.microsoft.com/office/powerpoint/2010/main" xmlns:p15="http://schemas.microsoft.com/office/powerpoint/2012/main" xmlns:ahyp="http://schemas.microsoft.com/office/drawing/2018/hyperlinkcolor" matchingName="Title and Content" type="obj">
+<p:sldLayout xmlns:a="http://schemas.openxmlformats.org/drawingml/2006/main" xmlns:r="http://schemas.openxmlformats.org/officeDocument/2006/relationships" xmlns:p="http://schemas.openxmlformats.org/presentationml/2006/main" matchingName="Title and Content" type="obj">
   <p:cSld name="OBJECT">
     <p:spTree>
       <p:nvGrpSpPr>
-        <p:cNvPr id="16" name="Shape 16"/>
+        <p:cNvPr id="1" name="Shape 16"/>
         <p:cNvGrpSpPr/>
         <p:nvPr/>
       </p:nvGrpSpPr>
@@ -2889,7 +2969,9 @@
       <p:sp>
         <p:nvSpPr>
           <p:cNvPr id="17" name="Google Shape;17;p6"/>
-          <p:cNvSpPr txBox="1"/>
+          <p:cNvSpPr txBox="1">
+            <a:spLocks noGrp="1"/>
+          </p:cNvSpPr>
           <p:nvPr>
             <p:ph type="title"/>
           </p:nvPr>
@@ -2908,7 +2990,7 @@
           </a:ln>
         </p:spPr>
         <p:txBody>
-          <a:bodyPr anchorCtr="0" anchor="ctr" bIns="45700" lIns="91425" spcFirstLastPara="1" rIns="91425" wrap="square" tIns="45700">
+          <a:bodyPr spcFirstLastPara="1" wrap="square" lIns="91425" tIns="45700" rIns="91425" bIns="45700" anchor="ctr" anchorCtr="0">
             <a:normAutofit/>
           </a:bodyPr>
           <a:lstStyle>
@@ -3015,15 +3097,19 @@
               <a:defRPr/>
             </a:lvl9pPr>
           </a:lstStyle>
-          <a:p/>
+          <a:p>
+            <a:endParaRPr/>
+          </a:p>
         </p:txBody>
       </p:sp>
       <p:sp>
         <p:nvSpPr>
           <p:cNvPr id="18" name="Google Shape;18;p6"/>
-          <p:cNvSpPr txBox="1"/>
+          <p:cNvSpPr txBox="1">
+            <a:spLocks noGrp="1"/>
+          </p:cNvSpPr>
           <p:nvPr>
-            <p:ph idx="1" type="body"/>
+            <p:ph type="body" idx="1"/>
           </p:nvPr>
         </p:nvSpPr>
         <p:spPr>
@@ -3040,11 +3126,11 @@
           </a:ln>
         </p:spPr>
         <p:txBody>
-          <a:bodyPr anchorCtr="0" anchor="t" bIns="45700" lIns="91425" spcFirstLastPara="1" rIns="91425" wrap="square" tIns="45700">
+          <a:bodyPr spcFirstLastPara="1" wrap="square" lIns="91425" tIns="45700" rIns="91425" bIns="45700" anchor="t" anchorCtr="0">
             <a:normAutofit/>
           </a:bodyPr>
           <a:lstStyle>
-            <a:lvl1pPr indent="-342900" lvl="0" marL="457200" algn="l">
+            <a:lvl1pPr marL="457200" lvl="0" indent="-342900" algn="l">
               <a:spcBef>
                 <a:spcPts val="360"/>
               </a:spcBef>
@@ -3058,7 +3144,7 @@
               <a:buChar char="•"/>
               <a:defRPr/>
             </a:lvl1pPr>
-            <a:lvl2pPr indent="-342900" lvl="1" marL="914400" algn="l">
+            <a:lvl2pPr marL="914400" lvl="1" indent="-342900" algn="l">
               <a:spcBef>
                 <a:spcPts val="360"/>
               </a:spcBef>
@@ -3072,7 +3158,7 @@
               <a:buChar char="–"/>
               <a:defRPr/>
             </a:lvl2pPr>
-            <a:lvl3pPr indent="-342900" lvl="2" marL="1371600" algn="l">
+            <a:lvl3pPr marL="1371600" lvl="2" indent="-342900" algn="l">
               <a:spcBef>
                 <a:spcPts val="360"/>
               </a:spcBef>
@@ -3086,7 +3172,7 @@
               <a:buChar char="•"/>
               <a:defRPr/>
             </a:lvl3pPr>
-            <a:lvl4pPr indent="-342900" lvl="3" marL="1828800" algn="l">
+            <a:lvl4pPr marL="1828800" lvl="3" indent="-342900" algn="l">
               <a:spcBef>
                 <a:spcPts val="360"/>
               </a:spcBef>
@@ -3100,7 +3186,7 @@
               <a:buChar char="–"/>
               <a:defRPr/>
             </a:lvl4pPr>
-            <a:lvl5pPr indent="-342900" lvl="4" marL="2286000" algn="l">
+            <a:lvl5pPr marL="2286000" lvl="4" indent="-342900" algn="l">
               <a:spcBef>
                 <a:spcPts val="360"/>
               </a:spcBef>
@@ -3114,7 +3200,7 @@
               <a:buChar char="»"/>
               <a:defRPr/>
             </a:lvl5pPr>
-            <a:lvl6pPr indent="-342900" lvl="5" marL="2743200" algn="l">
+            <a:lvl6pPr marL="2743200" lvl="5" indent="-342900" algn="l">
               <a:spcBef>
                 <a:spcPts val="360"/>
               </a:spcBef>
@@ -3128,7 +3214,7 @@
               <a:buChar char="•"/>
               <a:defRPr/>
             </a:lvl6pPr>
-            <a:lvl7pPr indent="-342900" lvl="6" marL="3200400" algn="l">
+            <a:lvl7pPr marL="3200400" lvl="6" indent="-342900" algn="l">
               <a:spcBef>
                 <a:spcPts val="360"/>
               </a:spcBef>
@@ -3142,7 +3228,7 @@
               <a:buChar char="•"/>
               <a:defRPr/>
             </a:lvl7pPr>
-            <a:lvl8pPr indent="-342900" lvl="7" marL="3657600" algn="l">
+            <a:lvl8pPr marL="3657600" lvl="7" indent="-342900" algn="l">
               <a:spcBef>
                 <a:spcPts val="360"/>
               </a:spcBef>
@@ -3156,7 +3242,7 @@
               <a:buChar char="•"/>
               <a:defRPr/>
             </a:lvl8pPr>
-            <a:lvl9pPr indent="-342900" lvl="8" marL="4114800" algn="l">
+            <a:lvl9pPr marL="4114800" lvl="8" indent="-342900" algn="l">
               <a:spcBef>
                 <a:spcPts val="360"/>
               </a:spcBef>
@@ -3171,15 +3257,19 @@
               <a:defRPr/>
             </a:lvl9pPr>
           </a:lstStyle>
-          <a:p/>
+          <a:p>
+            <a:endParaRPr/>
+          </a:p>
         </p:txBody>
       </p:sp>
       <p:sp>
         <p:nvSpPr>
           <p:cNvPr id="19" name="Google Shape;19;p6"/>
-          <p:cNvSpPr txBox="1"/>
+          <p:cNvSpPr txBox="1">
+            <a:spLocks noGrp="1"/>
+          </p:cNvSpPr>
           <p:nvPr>
-            <p:ph idx="10" type="dt"/>
+            <p:ph type="dt" idx="10"/>
           </p:nvPr>
         </p:nvSpPr>
         <p:spPr>
@@ -3196,7 +3286,7 @@
           </a:ln>
         </p:spPr>
         <p:txBody>
-          <a:bodyPr anchorCtr="0" anchor="ctr" bIns="45700" lIns="91425" spcFirstLastPara="1" rIns="91425" wrap="square" tIns="45700">
+          <a:bodyPr spcFirstLastPara="1" wrap="square" lIns="91425" tIns="45700" rIns="91425" bIns="45700" anchor="ctr" anchorCtr="0">
             <a:noAutofit/>
           </a:bodyPr>
           <a:lstStyle>
@@ -3300,15 +3390,19 @@
               <a:defRPr/>
             </a:lvl9pPr>
           </a:lstStyle>
-          <a:p/>
+          <a:p>
+            <a:endParaRPr/>
+          </a:p>
         </p:txBody>
       </p:sp>
       <p:sp>
         <p:nvSpPr>
           <p:cNvPr id="20" name="Google Shape;20;p6"/>
-          <p:cNvSpPr txBox="1"/>
+          <p:cNvSpPr txBox="1">
+            <a:spLocks noGrp="1"/>
+          </p:cNvSpPr>
           <p:nvPr>
-            <p:ph idx="11" type="ftr"/>
+            <p:ph type="ftr" idx="11"/>
           </p:nvPr>
         </p:nvSpPr>
         <p:spPr>
@@ -3325,7 +3419,7 @@
           </a:ln>
         </p:spPr>
         <p:txBody>
-          <a:bodyPr anchorCtr="0" anchor="ctr" bIns="45700" lIns="91425" spcFirstLastPara="1" rIns="91425" wrap="square" tIns="45700">
+          <a:bodyPr spcFirstLastPara="1" wrap="square" lIns="91425" tIns="45700" rIns="91425" bIns="45700" anchor="ctr" anchorCtr="0">
             <a:noAutofit/>
           </a:bodyPr>
           <a:lstStyle>
@@ -3429,15 +3523,19 @@
               <a:defRPr/>
             </a:lvl9pPr>
           </a:lstStyle>
-          <a:p/>
+          <a:p>
+            <a:endParaRPr/>
+          </a:p>
         </p:txBody>
       </p:sp>
       <p:sp>
         <p:nvSpPr>
           <p:cNvPr id="21" name="Google Shape;21;p6"/>
-          <p:cNvSpPr txBox="1"/>
+          <p:cNvSpPr txBox="1">
+            <a:spLocks noGrp="1"/>
+          </p:cNvSpPr>
           <p:nvPr>
-            <p:ph idx="12" type="sldNum"/>
+            <p:ph type="sldNum" idx="12"/>
           </p:nvPr>
         </p:nvSpPr>
         <p:spPr>
@@ -3454,67 +3552,67 @@
           </a:ln>
         </p:spPr>
         <p:txBody>
-          <a:bodyPr anchorCtr="0" anchor="ctr" bIns="45700" lIns="91425" spcFirstLastPara="1" rIns="91425" wrap="square" tIns="45700">
+          <a:bodyPr spcFirstLastPara="1" wrap="square" lIns="91425" tIns="45700" rIns="91425" bIns="45700" anchor="ctr" anchorCtr="0">
             <a:noAutofit/>
           </a:bodyPr>
           <a:lstStyle>
-            <a:lvl1pPr indent="0" lvl="0" marL="0" algn="r">
+            <a:lvl1pPr marL="0" lvl="0" indent="0" algn="r">
               <a:spcBef>
                 <a:spcPts val="0"/>
               </a:spcBef>
               <a:buNone/>
               <a:defRPr/>
             </a:lvl1pPr>
-            <a:lvl2pPr indent="0" lvl="1" marL="0" algn="r">
+            <a:lvl2pPr marL="0" lvl="1" indent="0" algn="r">
               <a:spcBef>
                 <a:spcPts val="0"/>
               </a:spcBef>
               <a:buNone/>
               <a:defRPr/>
             </a:lvl2pPr>
-            <a:lvl3pPr indent="0" lvl="2" marL="0" algn="r">
+            <a:lvl3pPr marL="0" lvl="2" indent="0" algn="r">
               <a:spcBef>
                 <a:spcPts val="0"/>
               </a:spcBef>
               <a:buNone/>
               <a:defRPr/>
             </a:lvl3pPr>
-            <a:lvl4pPr indent="0" lvl="3" marL="0" algn="r">
+            <a:lvl4pPr marL="0" lvl="3" indent="0" algn="r">
               <a:spcBef>
                 <a:spcPts val="0"/>
               </a:spcBef>
               <a:buNone/>
               <a:defRPr/>
             </a:lvl4pPr>
-            <a:lvl5pPr indent="0" lvl="4" marL="0" algn="r">
+            <a:lvl5pPr marL="0" lvl="4" indent="0" algn="r">
               <a:spcBef>
                 <a:spcPts val="0"/>
               </a:spcBef>
               <a:buNone/>
               <a:defRPr/>
             </a:lvl5pPr>
-            <a:lvl6pPr indent="0" lvl="5" marL="0" algn="r">
+            <a:lvl6pPr marL="0" lvl="5" indent="0" algn="r">
               <a:spcBef>
                 <a:spcPts val="0"/>
               </a:spcBef>
               <a:buNone/>
               <a:defRPr/>
             </a:lvl6pPr>
-            <a:lvl7pPr indent="0" lvl="6" marL="0" algn="r">
+            <a:lvl7pPr marL="0" lvl="6" indent="0" algn="r">
               <a:spcBef>
                 <a:spcPts val="0"/>
               </a:spcBef>
               <a:buNone/>
               <a:defRPr/>
             </a:lvl7pPr>
-            <a:lvl8pPr indent="0" lvl="7" marL="0" algn="r">
+            <a:lvl8pPr marL="0" lvl="7" indent="0" algn="r">
               <a:spcBef>
                 <a:spcPts val="0"/>
               </a:spcBef>
               <a:buNone/>
               <a:defRPr/>
             </a:lvl8pPr>
-            <a:lvl9pPr indent="0" lvl="8" marL="0" algn="r">
+            <a:lvl9pPr marL="0" lvl="8" indent="0" algn="r">
               <a:spcBef>
                 <a:spcPts val="0"/>
               </a:spcBef>
@@ -3523,7 +3621,7 @@
             </a:lvl9pPr>
           </a:lstStyle>
           <a:p>
-            <a:pPr indent="0" lvl="0" marL="0" rtl="0" algn="r">
+            <a:pPr marL="0" lvl="0" indent="0" algn="r" rtl="0">
               <a:spcBef>
                 <a:spcPts val="0"/>
               </a:spcBef>
@@ -3549,11 +3647,11 @@
 </file>
 
 <file path=ppt/slideLayouts/slideLayout3.xml><?xml version="1.0" encoding="utf-8"?>
-<p:sldLayout xmlns:a="http://schemas.openxmlformats.org/drawingml/2006/main" xmlns:r="http://schemas.openxmlformats.org/officeDocument/2006/relationships" xmlns:mc="http://schemas.openxmlformats.org/markup-compatibility/2006" xmlns:mv="urn:schemas-microsoft-com:mac:vml" xmlns:p="http://schemas.openxmlformats.org/presentationml/2006/main" xmlns:c="http://schemas.openxmlformats.org/drawingml/2006/chart" xmlns:dgm="http://schemas.openxmlformats.org/drawingml/2006/diagram" xmlns:o="urn:schemas-microsoft-com:office:office" xmlns:v="urn:schemas-microsoft-com:vml" xmlns:pvml="urn:schemas-microsoft-com:office:powerpoint" xmlns:com="http://schemas.openxmlformats.org/drawingml/2006/compatibility" xmlns:p14="http://schemas.microsoft.com/office/powerpoint/2010/main" xmlns:p15="http://schemas.microsoft.com/office/powerpoint/2012/main" xmlns:ahyp="http://schemas.microsoft.com/office/drawing/2018/hyperlinkcolor" matchingName="Title Slide" type="title">
+<p:sldLayout xmlns:a="http://schemas.openxmlformats.org/drawingml/2006/main" xmlns:r="http://schemas.openxmlformats.org/officeDocument/2006/relationships" xmlns:p="http://schemas.openxmlformats.org/presentationml/2006/main" matchingName="Title Slide" type="title">
   <p:cSld name="TITLE">
     <p:spTree>
       <p:nvGrpSpPr>
-        <p:cNvPr id="22" name="Shape 22"/>
+        <p:cNvPr id="1" name="Shape 22"/>
         <p:cNvGrpSpPr/>
         <p:nvPr/>
       </p:nvGrpSpPr>
@@ -3568,7 +3666,9 @@
       <p:sp>
         <p:nvSpPr>
           <p:cNvPr id="23" name="Google Shape;23;p7"/>
-          <p:cNvSpPr txBox="1"/>
+          <p:cNvSpPr txBox="1">
+            <a:spLocks noGrp="1"/>
+          </p:cNvSpPr>
           <p:nvPr>
             <p:ph type="ctrTitle"/>
           </p:nvPr>
@@ -3587,7 +3687,7 @@
           </a:ln>
         </p:spPr>
         <p:txBody>
-          <a:bodyPr anchorCtr="0" anchor="ctr" bIns="45700" lIns="91425" spcFirstLastPara="1" rIns="91425" wrap="square" tIns="45700">
+          <a:bodyPr spcFirstLastPara="1" wrap="square" lIns="91425" tIns="45700" rIns="91425" bIns="45700" anchor="ctr" anchorCtr="0">
             <a:normAutofit/>
           </a:bodyPr>
           <a:lstStyle>
@@ -3694,15 +3794,19 @@
               <a:defRPr/>
             </a:lvl9pPr>
           </a:lstStyle>
-          <a:p/>
+          <a:p>
+            <a:endParaRPr/>
+          </a:p>
         </p:txBody>
       </p:sp>
       <p:sp>
         <p:nvSpPr>
           <p:cNvPr id="24" name="Google Shape;24;p7"/>
-          <p:cNvSpPr txBox="1"/>
+          <p:cNvSpPr txBox="1">
+            <a:spLocks noGrp="1"/>
+          </p:cNvSpPr>
           <p:nvPr>
-            <p:ph idx="1" type="subTitle"/>
+            <p:ph type="subTitle" idx="1"/>
           </p:nvPr>
         </p:nvSpPr>
         <p:spPr>
@@ -3719,7 +3823,7 @@
           </a:ln>
         </p:spPr>
         <p:txBody>
-          <a:bodyPr anchorCtr="0" anchor="t" bIns="45700" lIns="91425" spcFirstLastPara="1" rIns="91425" wrap="square" tIns="45700">
+          <a:bodyPr spcFirstLastPara="1" wrap="square" lIns="91425" tIns="45700" rIns="91425" bIns="45700" anchor="t" anchorCtr="0">
             <a:normAutofit/>
           </a:bodyPr>
           <a:lstStyle>
@@ -3886,15 +3990,19 @@
               </a:defRPr>
             </a:lvl9pPr>
           </a:lstStyle>
-          <a:p/>
+          <a:p>
+            <a:endParaRPr/>
+          </a:p>
         </p:txBody>
       </p:sp>
       <p:sp>
         <p:nvSpPr>
           <p:cNvPr id="25" name="Google Shape;25;p7"/>
-          <p:cNvSpPr txBox="1"/>
+          <p:cNvSpPr txBox="1">
+            <a:spLocks noGrp="1"/>
+          </p:cNvSpPr>
           <p:nvPr>
-            <p:ph idx="10" type="dt"/>
+            <p:ph type="dt" idx="10"/>
           </p:nvPr>
         </p:nvSpPr>
         <p:spPr>
@@ -3911,7 +4019,7 @@
           </a:ln>
         </p:spPr>
         <p:txBody>
-          <a:bodyPr anchorCtr="0" anchor="ctr" bIns="45700" lIns="91425" spcFirstLastPara="1" rIns="91425" wrap="square" tIns="45700">
+          <a:bodyPr spcFirstLastPara="1" wrap="square" lIns="91425" tIns="45700" rIns="91425" bIns="45700" anchor="ctr" anchorCtr="0">
             <a:noAutofit/>
           </a:bodyPr>
           <a:lstStyle>
@@ -4015,15 +4123,19 @@
               <a:defRPr/>
             </a:lvl9pPr>
           </a:lstStyle>
-          <a:p/>
+          <a:p>
+            <a:endParaRPr/>
+          </a:p>
         </p:txBody>
       </p:sp>
       <p:sp>
         <p:nvSpPr>
           <p:cNvPr id="26" name="Google Shape;26;p7"/>
-          <p:cNvSpPr txBox="1"/>
+          <p:cNvSpPr txBox="1">
+            <a:spLocks noGrp="1"/>
+          </p:cNvSpPr>
           <p:nvPr>
-            <p:ph idx="11" type="ftr"/>
+            <p:ph type="ftr" idx="11"/>
           </p:nvPr>
         </p:nvSpPr>
         <p:spPr>
@@ -4040,7 +4152,7 @@
           </a:ln>
         </p:spPr>
         <p:txBody>
-          <a:bodyPr anchorCtr="0" anchor="ctr" bIns="45700" lIns="91425" spcFirstLastPara="1" rIns="91425" wrap="square" tIns="45700">
+          <a:bodyPr spcFirstLastPara="1" wrap="square" lIns="91425" tIns="45700" rIns="91425" bIns="45700" anchor="ctr" anchorCtr="0">
             <a:noAutofit/>
           </a:bodyPr>
           <a:lstStyle>
@@ -4144,15 +4256,19 @@
               <a:defRPr/>
             </a:lvl9pPr>
           </a:lstStyle>
-          <a:p/>
+          <a:p>
+            <a:endParaRPr/>
+          </a:p>
         </p:txBody>
       </p:sp>
       <p:sp>
         <p:nvSpPr>
           <p:cNvPr id="27" name="Google Shape;27;p7"/>
-          <p:cNvSpPr txBox="1"/>
+          <p:cNvSpPr txBox="1">
+            <a:spLocks noGrp="1"/>
+          </p:cNvSpPr>
           <p:nvPr>
-            <p:ph idx="12" type="sldNum"/>
+            <p:ph type="sldNum" idx="12"/>
           </p:nvPr>
         </p:nvSpPr>
         <p:spPr>
@@ -4169,67 +4285,67 @@
           </a:ln>
         </p:spPr>
         <p:txBody>
-          <a:bodyPr anchorCtr="0" anchor="ctr" bIns="45700" lIns="91425" spcFirstLastPara="1" rIns="91425" wrap="square" tIns="45700">
+          <a:bodyPr spcFirstLastPara="1" wrap="square" lIns="91425" tIns="45700" rIns="91425" bIns="45700" anchor="ctr" anchorCtr="0">
             <a:noAutofit/>
           </a:bodyPr>
           <a:lstStyle>
-            <a:lvl1pPr indent="0" lvl="0" marL="0" algn="r">
+            <a:lvl1pPr marL="0" lvl="0" indent="0" algn="r">
               <a:spcBef>
                 <a:spcPts val="0"/>
               </a:spcBef>
               <a:buNone/>
               <a:defRPr/>
             </a:lvl1pPr>
-            <a:lvl2pPr indent="0" lvl="1" marL="0" algn="r">
+            <a:lvl2pPr marL="0" lvl="1" indent="0" algn="r">
               <a:spcBef>
                 <a:spcPts val="0"/>
               </a:spcBef>
               <a:buNone/>
               <a:defRPr/>
             </a:lvl2pPr>
-            <a:lvl3pPr indent="0" lvl="2" marL="0" algn="r">
+            <a:lvl3pPr marL="0" lvl="2" indent="0" algn="r">
               <a:spcBef>
                 <a:spcPts val="0"/>
               </a:spcBef>
               <a:buNone/>
               <a:defRPr/>
             </a:lvl3pPr>
-            <a:lvl4pPr indent="0" lvl="3" marL="0" algn="r">
+            <a:lvl4pPr marL="0" lvl="3" indent="0" algn="r">
               <a:spcBef>
                 <a:spcPts val="0"/>
               </a:spcBef>
               <a:buNone/>
               <a:defRPr/>
             </a:lvl4pPr>
-            <a:lvl5pPr indent="0" lvl="4" marL="0" algn="r">
+            <a:lvl5pPr marL="0" lvl="4" indent="0" algn="r">
               <a:spcBef>
                 <a:spcPts val="0"/>
               </a:spcBef>
               <a:buNone/>
               <a:defRPr/>
             </a:lvl5pPr>
-            <a:lvl6pPr indent="0" lvl="5" marL="0" algn="r">
+            <a:lvl6pPr marL="0" lvl="5" indent="0" algn="r">
               <a:spcBef>
                 <a:spcPts val="0"/>
               </a:spcBef>
               <a:buNone/>
               <a:defRPr/>
             </a:lvl6pPr>
-            <a:lvl7pPr indent="0" lvl="6" marL="0" algn="r">
+            <a:lvl7pPr marL="0" lvl="6" indent="0" algn="r">
               <a:spcBef>
                 <a:spcPts val="0"/>
               </a:spcBef>
               <a:buNone/>
               <a:defRPr/>
             </a:lvl7pPr>
-            <a:lvl8pPr indent="0" lvl="7" marL="0" algn="r">
+            <a:lvl8pPr marL="0" lvl="7" indent="0" algn="r">
               <a:spcBef>
                 <a:spcPts val="0"/>
               </a:spcBef>
               <a:buNone/>
               <a:defRPr/>
             </a:lvl8pPr>
-            <a:lvl9pPr indent="0" lvl="8" marL="0" algn="r">
+            <a:lvl9pPr marL="0" lvl="8" indent="0" algn="r">
               <a:spcBef>
                 <a:spcPts val="0"/>
               </a:spcBef>
@@ -4238,7 +4354,7 @@
             </a:lvl9pPr>
           </a:lstStyle>
           <a:p>
-            <a:pPr indent="0" lvl="0" marL="0" rtl="0" algn="r">
+            <a:pPr marL="0" lvl="0" indent="0" algn="r" rtl="0">
               <a:spcBef>
                 <a:spcPts val="0"/>
               </a:spcBef>
@@ -4264,11 +4380,11 @@
 </file>
 
 <file path=ppt/slideLayouts/slideLayout4.xml><?xml version="1.0" encoding="utf-8"?>
-<p:sldLayout xmlns:a="http://schemas.openxmlformats.org/drawingml/2006/main" xmlns:r="http://schemas.openxmlformats.org/officeDocument/2006/relationships" xmlns:mc="http://schemas.openxmlformats.org/markup-compatibility/2006" xmlns:mv="urn:schemas-microsoft-com:mac:vml" xmlns:p="http://schemas.openxmlformats.org/presentationml/2006/main" xmlns:c="http://schemas.openxmlformats.org/drawingml/2006/chart" xmlns:dgm="http://schemas.openxmlformats.org/drawingml/2006/diagram" xmlns:o="urn:schemas-microsoft-com:office:office" xmlns:v="urn:schemas-microsoft-com:vml" xmlns:pvml="urn:schemas-microsoft-com:office:powerpoint" xmlns:com="http://schemas.openxmlformats.org/drawingml/2006/compatibility" xmlns:p14="http://schemas.microsoft.com/office/powerpoint/2010/main" xmlns:p15="http://schemas.microsoft.com/office/powerpoint/2012/main" xmlns:ahyp="http://schemas.microsoft.com/office/drawing/2018/hyperlinkcolor" matchingName="Section Header" type="secHead">
+<p:sldLayout xmlns:a="http://schemas.openxmlformats.org/drawingml/2006/main" xmlns:r="http://schemas.openxmlformats.org/officeDocument/2006/relationships" xmlns:p="http://schemas.openxmlformats.org/presentationml/2006/main" matchingName="Section Header" type="secHead">
   <p:cSld name="SECTION_HEADER">
     <p:spTree>
       <p:nvGrpSpPr>
-        <p:cNvPr id="28" name="Shape 28"/>
+        <p:cNvPr id="1" name="Shape 28"/>
         <p:cNvGrpSpPr/>
         <p:nvPr/>
       </p:nvGrpSpPr>
@@ -4283,7 +4399,9 @@
       <p:sp>
         <p:nvSpPr>
           <p:cNvPr id="29" name="Google Shape;29;p8"/>
-          <p:cNvSpPr txBox="1"/>
+          <p:cNvSpPr txBox="1">
+            <a:spLocks noGrp="1"/>
+          </p:cNvSpPr>
           <p:nvPr>
             <p:ph type="title"/>
           </p:nvPr>
@@ -4302,7 +4420,7 @@
           </a:ln>
         </p:spPr>
         <p:txBody>
-          <a:bodyPr anchorCtr="0" anchor="t" bIns="45700" lIns="91425" spcFirstLastPara="1" rIns="91425" wrap="square" tIns="45700">
+          <a:bodyPr spcFirstLastPara="1" wrap="square" lIns="91425" tIns="45700" rIns="91425" bIns="45700" anchor="t" anchorCtr="0">
             <a:normAutofit/>
           </a:bodyPr>
           <a:lstStyle>
@@ -4319,7 +4437,7 @@
               <a:buSzPts val="4000"/>
               <a:buFont typeface="Calibri"/>
               <a:buNone/>
-              <a:defRPr b="1" sz="4000" cap="none"/>
+              <a:defRPr sz="4000" b="1" cap="none"/>
             </a:lvl1pPr>
             <a:lvl2pPr lvl="1">
               <a:spcBef>
@@ -4410,15 +4528,19 @@
               <a:defRPr/>
             </a:lvl9pPr>
           </a:lstStyle>
-          <a:p/>
+          <a:p>
+            <a:endParaRPr/>
+          </a:p>
         </p:txBody>
       </p:sp>
       <p:sp>
         <p:nvSpPr>
           <p:cNvPr id="30" name="Google Shape;30;p8"/>
-          <p:cNvSpPr txBox="1"/>
+          <p:cNvSpPr txBox="1">
+            <a:spLocks noGrp="1"/>
+          </p:cNvSpPr>
           <p:nvPr>
-            <p:ph idx="1" type="body"/>
+            <p:ph type="body" idx="1"/>
           </p:nvPr>
         </p:nvSpPr>
         <p:spPr>
@@ -4435,11 +4557,11 @@
           </a:ln>
         </p:spPr>
         <p:txBody>
-          <a:bodyPr anchorCtr="0" anchor="b" bIns="45700" lIns="91425" spcFirstLastPara="1" rIns="91425" wrap="square" tIns="45700">
+          <a:bodyPr spcFirstLastPara="1" wrap="square" lIns="91425" tIns="45700" rIns="91425" bIns="45700" anchor="b" anchorCtr="0">
             <a:normAutofit/>
           </a:bodyPr>
           <a:lstStyle>
-            <a:lvl1pPr indent="-228600" lvl="0" marL="457200" algn="l">
+            <a:lvl1pPr marL="457200" lvl="0" indent="-228600" algn="l">
               <a:spcBef>
                 <a:spcPts val="400"/>
               </a:spcBef>
@@ -4457,7 +4579,7 @@
                 </a:solidFill>
               </a:defRPr>
             </a:lvl1pPr>
-            <a:lvl2pPr indent="-228600" lvl="1" marL="914400" algn="l">
+            <a:lvl2pPr marL="914400" lvl="1" indent="-228600" algn="l">
               <a:spcBef>
                 <a:spcPts val="360"/>
               </a:spcBef>
@@ -4475,7 +4597,7 @@
                 </a:solidFill>
               </a:defRPr>
             </a:lvl2pPr>
-            <a:lvl3pPr indent="-228600" lvl="2" marL="1371600" algn="l">
+            <a:lvl3pPr marL="1371600" lvl="2" indent="-228600" algn="l">
               <a:spcBef>
                 <a:spcPts val="320"/>
               </a:spcBef>
@@ -4493,7 +4615,7 @@
                 </a:solidFill>
               </a:defRPr>
             </a:lvl3pPr>
-            <a:lvl4pPr indent="-228600" lvl="3" marL="1828800" algn="l">
+            <a:lvl4pPr marL="1828800" lvl="3" indent="-228600" algn="l">
               <a:spcBef>
                 <a:spcPts val="280"/>
               </a:spcBef>
@@ -4511,7 +4633,7 @@
                 </a:solidFill>
               </a:defRPr>
             </a:lvl4pPr>
-            <a:lvl5pPr indent="-228600" lvl="4" marL="2286000" algn="l">
+            <a:lvl5pPr marL="2286000" lvl="4" indent="-228600" algn="l">
               <a:spcBef>
                 <a:spcPts val="280"/>
               </a:spcBef>
@@ -4529,7 +4651,7 @@
                 </a:solidFill>
               </a:defRPr>
             </a:lvl5pPr>
-            <a:lvl6pPr indent="-228600" lvl="5" marL="2743200" algn="l">
+            <a:lvl6pPr marL="2743200" lvl="5" indent="-228600" algn="l">
               <a:spcBef>
                 <a:spcPts val="280"/>
               </a:spcBef>
@@ -4547,7 +4669,7 @@
                 </a:solidFill>
               </a:defRPr>
             </a:lvl6pPr>
-            <a:lvl7pPr indent="-228600" lvl="6" marL="3200400" algn="l">
+            <a:lvl7pPr marL="3200400" lvl="6" indent="-228600" algn="l">
               <a:spcBef>
                 <a:spcPts val="280"/>
               </a:spcBef>
@@ -4565,7 +4687,7 @@
                 </a:solidFill>
               </a:defRPr>
             </a:lvl7pPr>
-            <a:lvl8pPr indent="-228600" lvl="7" marL="3657600" algn="l">
+            <a:lvl8pPr marL="3657600" lvl="7" indent="-228600" algn="l">
               <a:spcBef>
                 <a:spcPts val="280"/>
               </a:spcBef>
@@ -4583,7 +4705,7 @@
                 </a:solidFill>
               </a:defRPr>
             </a:lvl8pPr>
-            <a:lvl9pPr indent="-228600" lvl="8" marL="4114800" algn="l">
+            <a:lvl9pPr marL="4114800" lvl="8" indent="-228600" algn="l">
               <a:spcBef>
                 <a:spcPts val="280"/>
               </a:spcBef>
@@ -4602,15 +4724,19 @@
               </a:defRPr>
             </a:lvl9pPr>
           </a:lstStyle>
-          <a:p/>
+          <a:p>
+            <a:endParaRPr/>
+          </a:p>
         </p:txBody>
       </p:sp>
       <p:sp>
         <p:nvSpPr>
           <p:cNvPr id="31" name="Google Shape;31;p8"/>
-          <p:cNvSpPr txBox="1"/>
+          <p:cNvSpPr txBox="1">
+            <a:spLocks noGrp="1"/>
+          </p:cNvSpPr>
           <p:nvPr>
-            <p:ph idx="10" type="dt"/>
+            <p:ph type="dt" idx="10"/>
           </p:nvPr>
         </p:nvSpPr>
         <p:spPr>
@@ -4627,7 +4753,7 @@
           </a:ln>
         </p:spPr>
         <p:txBody>
-          <a:bodyPr anchorCtr="0" anchor="ctr" bIns="45700" lIns="91425" spcFirstLastPara="1" rIns="91425" wrap="square" tIns="45700">
+          <a:bodyPr spcFirstLastPara="1" wrap="square" lIns="91425" tIns="45700" rIns="91425" bIns="45700" anchor="ctr" anchorCtr="0">
             <a:noAutofit/>
           </a:bodyPr>
           <a:lstStyle>
@@ -4731,15 +4857,19 @@
               <a:defRPr/>
             </a:lvl9pPr>
           </a:lstStyle>
-          <a:p/>
+          <a:p>
+            <a:endParaRPr/>
+          </a:p>
         </p:txBody>
       </p:sp>
       <p:sp>
         <p:nvSpPr>
           <p:cNvPr id="32" name="Google Shape;32;p8"/>
-          <p:cNvSpPr txBox="1"/>
+          <p:cNvSpPr txBox="1">
+            <a:spLocks noGrp="1"/>
+          </p:cNvSpPr>
           <p:nvPr>
-            <p:ph idx="11" type="ftr"/>
+            <p:ph type="ftr" idx="11"/>
           </p:nvPr>
         </p:nvSpPr>
         <p:spPr>
@@ -4756,7 +4886,7 @@
           </a:ln>
         </p:spPr>
         <p:txBody>
-          <a:bodyPr anchorCtr="0" anchor="ctr" bIns="45700" lIns="91425" spcFirstLastPara="1" rIns="91425" wrap="square" tIns="45700">
+          <a:bodyPr spcFirstLastPara="1" wrap="square" lIns="91425" tIns="45700" rIns="91425" bIns="45700" anchor="ctr" anchorCtr="0">
             <a:noAutofit/>
           </a:bodyPr>
           <a:lstStyle>
@@ -4860,15 +4990,19 @@
               <a:defRPr/>
             </a:lvl9pPr>
           </a:lstStyle>
-          <a:p/>
+          <a:p>
+            <a:endParaRPr/>
+          </a:p>
         </p:txBody>
       </p:sp>
       <p:sp>
         <p:nvSpPr>
           <p:cNvPr id="33" name="Google Shape;33;p8"/>
-          <p:cNvSpPr txBox="1"/>
+          <p:cNvSpPr txBox="1">
+            <a:spLocks noGrp="1"/>
+          </p:cNvSpPr>
           <p:nvPr>
-            <p:ph idx="12" type="sldNum"/>
+            <p:ph type="sldNum" idx="12"/>
           </p:nvPr>
         </p:nvSpPr>
         <p:spPr>
@@ -4885,67 +5019,67 @@
           </a:ln>
         </p:spPr>
         <p:txBody>
-          <a:bodyPr anchorCtr="0" anchor="ctr" bIns="45700" lIns="91425" spcFirstLastPara="1" rIns="91425" wrap="square" tIns="45700">
+          <a:bodyPr spcFirstLastPara="1" wrap="square" lIns="91425" tIns="45700" rIns="91425" bIns="45700" anchor="ctr" anchorCtr="0">
             <a:noAutofit/>
           </a:bodyPr>
           <a:lstStyle>
-            <a:lvl1pPr indent="0" lvl="0" marL="0" algn="r">
+            <a:lvl1pPr marL="0" lvl="0" indent="0" algn="r">
               <a:spcBef>
                 <a:spcPts val="0"/>
               </a:spcBef>
               <a:buNone/>
               <a:defRPr/>
             </a:lvl1pPr>
-            <a:lvl2pPr indent="0" lvl="1" marL="0" algn="r">
+            <a:lvl2pPr marL="0" lvl="1" indent="0" algn="r">
               <a:spcBef>
                 <a:spcPts val="0"/>
               </a:spcBef>
               <a:buNone/>
               <a:defRPr/>
             </a:lvl2pPr>
-            <a:lvl3pPr indent="0" lvl="2" marL="0" algn="r">
+            <a:lvl3pPr marL="0" lvl="2" indent="0" algn="r">
               <a:spcBef>
                 <a:spcPts val="0"/>
               </a:spcBef>
               <a:buNone/>
               <a:defRPr/>
             </a:lvl3pPr>
-            <a:lvl4pPr indent="0" lvl="3" marL="0" algn="r">
+            <a:lvl4pPr marL="0" lvl="3" indent="0" algn="r">
               <a:spcBef>
                 <a:spcPts val="0"/>
               </a:spcBef>
               <a:buNone/>
               <a:defRPr/>
             </a:lvl4pPr>
-            <a:lvl5pPr indent="0" lvl="4" marL="0" algn="r">
+            <a:lvl5pPr marL="0" lvl="4" indent="0" algn="r">
               <a:spcBef>
                 <a:spcPts val="0"/>
               </a:spcBef>
               <a:buNone/>
               <a:defRPr/>
             </a:lvl5pPr>
-            <a:lvl6pPr indent="0" lvl="5" marL="0" algn="r">
+            <a:lvl6pPr marL="0" lvl="5" indent="0" algn="r">
               <a:spcBef>
                 <a:spcPts val="0"/>
               </a:spcBef>
               <a:buNone/>
               <a:defRPr/>
             </a:lvl6pPr>
-            <a:lvl7pPr indent="0" lvl="6" marL="0" algn="r">
+            <a:lvl7pPr marL="0" lvl="6" indent="0" algn="r">
               <a:spcBef>
                 <a:spcPts val="0"/>
               </a:spcBef>
               <a:buNone/>
               <a:defRPr/>
             </a:lvl7pPr>
-            <a:lvl8pPr indent="0" lvl="7" marL="0" algn="r">
+            <a:lvl8pPr marL="0" lvl="7" indent="0" algn="r">
               <a:spcBef>
                 <a:spcPts val="0"/>
               </a:spcBef>
               <a:buNone/>
               <a:defRPr/>
             </a:lvl8pPr>
-            <a:lvl9pPr indent="0" lvl="8" marL="0" algn="r">
+            <a:lvl9pPr marL="0" lvl="8" indent="0" algn="r">
               <a:spcBef>
                 <a:spcPts val="0"/>
               </a:spcBef>
@@ -4954,7 +5088,7 @@
             </a:lvl9pPr>
           </a:lstStyle>
           <a:p>
-            <a:pPr indent="0" lvl="0" marL="0" rtl="0" algn="r">
+            <a:pPr marL="0" lvl="0" indent="0" algn="r" rtl="0">
               <a:spcBef>
                 <a:spcPts val="0"/>
               </a:spcBef>
@@ -4980,11 +5114,11 @@
 </file>
 
 <file path=ppt/slideLayouts/slideLayout5.xml><?xml version="1.0" encoding="utf-8"?>
-<p:sldLayout xmlns:a="http://schemas.openxmlformats.org/drawingml/2006/main" xmlns:r="http://schemas.openxmlformats.org/officeDocument/2006/relationships" xmlns:mc="http://schemas.openxmlformats.org/markup-compatibility/2006" xmlns:mv="urn:schemas-microsoft-com:mac:vml" xmlns:p="http://schemas.openxmlformats.org/presentationml/2006/main" xmlns:c="http://schemas.openxmlformats.org/drawingml/2006/chart" xmlns:dgm="http://schemas.openxmlformats.org/drawingml/2006/diagram" xmlns:o="urn:schemas-microsoft-com:office:office" xmlns:v="urn:schemas-microsoft-com:vml" xmlns:pvml="urn:schemas-microsoft-com:office:powerpoint" xmlns:com="http://schemas.openxmlformats.org/drawingml/2006/compatibility" xmlns:p14="http://schemas.microsoft.com/office/powerpoint/2010/main" xmlns:p15="http://schemas.microsoft.com/office/powerpoint/2012/main" xmlns:ahyp="http://schemas.microsoft.com/office/drawing/2018/hyperlinkcolor" matchingName="Two Content" type="twoObj">
+<p:sldLayout xmlns:a="http://schemas.openxmlformats.org/drawingml/2006/main" xmlns:r="http://schemas.openxmlformats.org/officeDocument/2006/relationships" xmlns:p="http://schemas.openxmlformats.org/presentationml/2006/main" matchingName="Two Content" type="twoObj">
   <p:cSld name="TWO_OBJECTS">
     <p:spTree>
       <p:nvGrpSpPr>
-        <p:cNvPr id="34" name="Shape 34"/>
+        <p:cNvPr id="1" name="Shape 34"/>
         <p:cNvGrpSpPr/>
         <p:nvPr/>
       </p:nvGrpSpPr>
@@ -4999,7 +5133,9 @@
       <p:sp>
         <p:nvSpPr>
           <p:cNvPr id="35" name="Google Shape;35;p9"/>
-          <p:cNvSpPr txBox="1"/>
+          <p:cNvSpPr txBox="1">
+            <a:spLocks noGrp="1"/>
+          </p:cNvSpPr>
           <p:nvPr>
             <p:ph type="title"/>
           </p:nvPr>
@@ -5018,7 +5154,7 @@
           </a:ln>
         </p:spPr>
         <p:txBody>
-          <a:bodyPr anchorCtr="0" anchor="ctr" bIns="45700" lIns="91425" spcFirstLastPara="1" rIns="91425" wrap="square" tIns="45700">
+          <a:bodyPr spcFirstLastPara="1" wrap="square" lIns="91425" tIns="45700" rIns="91425" bIns="45700" anchor="ctr" anchorCtr="0">
             <a:normAutofit/>
           </a:bodyPr>
           <a:lstStyle>
@@ -5125,15 +5261,19 @@
               <a:defRPr/>
             </a:lvl9pPr>
           </a:lstStyle>
-          <a:p/>
+          <a:p>
+            <a:endParaRPr/>
+          </a:p>
         </p:txBody>
       </p:sp>
       <p:sp>
         <p:nvSpPr>
           <p:cNvPr id="36" name="Google Shape;36;p9"/>
-          <p:cNvSpPr txBox="1"/>
+          <p:cNvSpPr txBox="1">
+            <a:spLocks noGrp="1"/>
+          </p:cNvSpPr>
           <p:nvPr>
-            <p:ph idx="1" type="body"/>
+            <p:ph type="body" idx="1"/>
           </p:nvPr>
         </p:nvSpPr>
         <p:spPr>
@@ -5150,11 +5290,11 @@
           </a:ln>
         </p:spPr>
         <p:txBody>
-          <a:bodyPr anchorCtr="0" anchor="t" bIns="45700" lIns="91425" spcFirstLastPara="1" rIns="91425" wrap="square" tIns="45700">
+          <a:bodyPr spcFirstLastPara="1" wrap="square" lIns="91425" tIns="45700" rIns="91425" bIns="45700" anchor="t" anchorCtr="0">
             <a:normAutofit/>
           </a:bodyPr>
           <a:lstStyle>
-            <a:lvl1pPr indent="-406400" lvl="0" marL="457200" algn="l">
+            <a:lvl1pPr marL="457200" lvl="0" indent="-406400" algn="l">
               <a:spcBef>
                 <a:spcPts val="560"/>
               </a:spcBef>
@@ -5168,7 +5308,7 @@
               <a:buChar char="•"/>
               <a:defRPr sz="2800"/>
             </a:lvl1pPr>
-            <a:lvl2pPr indent="-381000" lvl="1" marL="914400" algn="l">
+            <a:lvl2pPr marL="914400" lvl="1" indent="-381000" algn="l">
               <a:spcBef>
                 <a:spcPts val="480"/>
               </a:spcBef>
@@ -5182,7 +5322,7 @@
               <a:buChar char="–"/>
               <a:defRPr sz="2400"/>
             </a:lvl2pPr>
-            <a:lvl3pPr indent="-355600" lvl="2" marL="1371600" algn="l">
+            <a:lvl3pPr marL="1371600" lvl="2" indent="-355600" algn="l">
               <a:spcBef>
                 <a:spcPts val="400"/>
               </a:spcBef>
@@ -5196,7 +5336,7 @@
               <a:buChar char="•"/>
               <a:defRPr sz="2000"/>
             </a:lvl3pPr>
-            <a:lvl4pPr indent="-342900" lvl="3" marL="1828800" algn="l">
+            <a:lvl4pPr marL="1828800" lvl="3" indent="-342900" algn="l">
               <a:spcBef>
                 <a:spcPts val="360"/>
               </a:spcBef>
@@ -5210,7 +5350,7 @@
               <a:buChar char="–"/>
               <a:defRPr sz="1800"/>
             </a:lvl4pPr>
-            <a:lvl5pPr indent="-342900" lvl="4" marL="2286000" algn="l">
+            <a:lvl5pPr marL="2286000" lvl="4" indent="-342900" algn="l">
               <a:spcBef>
                 <a:spcPts val="360"/>
               </a:spcBef>
@@ -5224,7 +5364,7 @@
               <a:buChar char="»"/>
               <a:defRPr sz="1800"/>
             </a:lvl5pPr>
-            <a:lvl6pPr indent="-342900" lvl="5" marL="2743200" algn="l">
+            <a:lvl6pPr marL="2743200" lvl="5" indent="-342900" algn="l">
               <a:spcBef>
                 <a:spcPts val="360"/>
               </a:spcBef>
@@ -5238,7 +5378,7 @@
               <a:buChar char="•"/>
               <a:defRPr sz="1800"/>
             </a:lvl6pPr>
-            <a:lvl7pPr indent="-342900" lvl="6" marL="3200400" algn="l">
+            <a:lvl7pPr marL="3200400" lvl="6" indent="-342900" algn="l">
               <a:spcBef>
                 <a:spcPts val="360"/>
               </a:spcBef>
@@ -5252,7 +5392,7 @@
               <a:buChar char="•"/>
               <a:defRPr sz="1800"/>
             </a:lvl7pPr>
-            <a:lvl8pPr indent="-342900" lvl="7" marL="3657600" algn="l">
+            <a:lvl8pPr marL="3657600" lvl="7" indent="-342900" algn="l">
               <a:spcBef>
                 <a:spcPts val="360"/>
               </a:spcBef>
@@ -5266,7 +5406,7 @@
               <a:buChar char="•"/>
               <a:defRPr sz="1800"/>
             </a:lvl8pPr>
-            <a:lvl9pPr indent="-342900" lvl="8" marL="4114800" algn="l">
+            <a:lvl9pPr marL="4114800" lvl="8" indent="-342900" algn="l">
               <a:spcBef>
                 <a:spcPts val="360"/>
               </a:spcBef>
@@ -5281,15 +5421,19 @@
               <a:defRPr sz="1800"/>
             </a:lvl9pPr>
           </a:lstStyle>
-          <a:p/>
+          <a:p>
+            <a:endParaRPr/>
+          </a:p>
         </p:txBody>
       </p:sp>
       <p:sp>
         <p:nvSpPr>
           <p:cNvPr id="37" name="Google Shape;37;p9"/>
-          <p:cNvSpPr txBox="1"/>
+          <p:cNvSpPr txBox="1">
+            <a:spLocks noGrp="1"/>
+          </p:cNvSpPr>
           <p:nvPr>
-            <p:ph idx="2" type="body"/>
+            <p:ph type="body" idx="2"/>
           </p:nvPr>
         </p:nvSpPr>
         <p:spPr>
@@ -5306,11 +5450,11 @@
           </a:ln>
         </p:spPr>
         <p:txBody>
-          <a:bodyPr anchorCtr="0" anchor="t" bIns="45700" lIns="91425" spcFirstLastPara="1" rIns="91425" wrap="square" tIns="45700">
+          <a:bodyPr spcFirstLastPara="1" wrap="square" lIns="91425" tIns="45700" rIns="91425" bIns="45700" anchor="t" anchorCtr="0">
             <a:normAutofit/>
           </a:bodyPr>
           <a:lstStyle>
-            <a:lvl1pPr indent="-406400" lvl="0" marL="457200" algn="l">
+            <a:lvl1pPr marL="457200" lvl="0" indent="-406400" algn="l">
               <a:spcBef>
                 <a:spcPts val="560"/>
               </a:spcBef>
@@ -5324,7 +5468,7 @@
               <a:buChar char="•"/>
               <a:defRPr sz="2800"/>
             </a:lvl1pPr>
-            <a:lvl2pPr indent="-381000" lvl="1" marL="914400" algn="l">
+            <a:lvl2pPr marL="914400" lvl="1" indent="-381000" algn="l">
               <a:spcBef>
                 <a:spcPts val="480"/>
               </a:spcBef>
@@ -5338,7 +5482,7 @@
               <a:buChar char="–"/>
               <a:defRPr sz="2400"/>
             </a:lvl2pPr>
-            <a:lvl3pPr indent="-355600" lvl="2" marL="1371600" algn="l">
+            <a:lvl3pPr marL="1371600" lvl="2" indent="-355600" algn="l">
               <a:spcBef>
                 <a:spcPts val="400"/>
               </a:spcBef>
@@ -5352,7 +5496,7 @@
               <a:buChar char="•"/>
               <a:defRPr sz="2000"/>
             </a:lvl3pPr>
-            <a:lvl4pPr indent="-342900" lvl="3" marL="1828800" algn="l">
+            <a:lvl4pPr marL="1828800" lvl="3" indent="-342900" algn="l">
               <a:spcBef>
                 <a:spcPts val="360"/>
               </a:spcBef>
@@ -5366,7 +5510,7 @@
               <a:buChar char="–"/>
               <a:defRPr sz="1800"/>
             </a:lvl4pPr>
-            <a:lvl5pPr indent="-342900" lvl="4" marL="2286000" algn="l">
+            <a:lvl5pPr marL="2286000" lvl="4" indent="-342900" algn="l">
               <a:spcBef>
                 <a:spcPts val="360"/>
               </a:spcBef>
@@ -5380,7 +5524,7 @@
               <a:buChar char="»"/>
               <a:defRPr sz="1800"/>
             </a:lvl5pPr>
-            <a:lvl6pPr indent="-342900" lvl="5" marL="2743200" algn="l">
+            <a:lvl6pPr marL="2743200" lvl="5" indent="-342900" algn="l">
               <a:spcBef>
                 <a:spcPts val="360"/>
               </a:spcBef>
@@ -5394,7 +5538,7 @@
               <a:buChar char="•"/>
               <a:defRPr sz="1800"/>
             </a:lvl6pPr>
-            <a:lvl7pPr indent="-342900" lvl="6" marL="3200400" algn="l">
+            <a:lvl7pPr marL="3200400" lvl="6" indent="-342900" algn="l">
               <a:spcBef>
                 <a:spcPts val="360"/>
               </a:spcBef>
@@ -5408,7 +5552,7 @@
               <a:buChar char="•"/>
               <a:defRPr sz="1800"/>
             </a:lvl7pPr>
-            <a:lvl8pPr indent="-342900" lvl="7" marL="3657600" algn="l">
+            <a:lvl8pPr marL="3657600" lvl="7" indent="-342900" algn="l">
               <a:spcBef>
                 <a:spcPts val="360"/>
               </a:spcBef>
@@ -5422,7 +5566,7 @@
               <a:buChar char="•"/>
               <a:defRPr sz="1800"/>
             </a:lvl8pPr>
-            <a:lvl9pPr indent="-342900" lvl="8" marL="4114800" algn="l">
+            <a:lvl9pPr marL="4114800" lvl="8" indent="-342900" algn="l">
               <a:spcBef>
                 <a:spcPts val="360"/>
               </a:spcBef>
@@ -5437,15 +5581,19 @@
               <a:defRPr sz="1800"/>
             </a:lvl9pPr>
           </a:lstStyle>
-          <a:p/>
+          <a:p>
+            <a:endParaRPr/>
+          </a:p>
         </p:txBody>
       </p:sp>
       <p:sp>
         <p:nvSpPr>
           <p:cNvPr id="38" name="Google Shape;38;p9"/>
-          <p:cNvSpPr txBox="1"/>
+          <p:cNvSpPr txBox="1">
+            <a:spLocks noGrp="1"/>
+          </p:cNvSpPr>
           <p:nvPr>
-            <p:ph idx="10" type="dt"/>
+            <p:ph type="dt" idx="10"/>
           </p:nvPr>
         </p:nvSpPr>
         <p:spPr>
@@ -5462,7 +5610,7 @@
           </a:ln>
         </p:spPr>
         <p:txBody>
-          <a:bodyPr anchorCtr="0" anchor="ctr" bIns="45700" lIns="91425" spcFirstLastPara="1" rIns="91425" wrap="square" tIns="45700">
+          <a:bodyPr spcFirstLastPara="1" wrap="square" lIns="91425" tIns="45700" rIns="91425" bIns="45700" anchor="ctr" anchorCtr="0">
             <a:noAutofit/>
           </a:bodyPr>
           <a:lstStyle>
@@ -5566,15 +5714,19 @@
               <a:defRPr/>
             </a:lvl9pPr>
           </a:lstStyle>
-          <a:p/>
+          <a:p>
+            <a:endParaRPr/>
+          </a:p>
         </p:txBody>
       </p:sp>
       <p:sp>
         <p:nvSpPr>
           <p:cNvPr id="39" name="Google Shape;39;p9"/>
-          <p:cNvSpPr txBox="1"/>
+          <p:cNvSpPr txBox="1">
+            <a:spLocks noGrp="1"/>
+          </p:cNvSpPr>
           <p:nvPr>
-            <p:ph idx="11" type="ftr"/>
+            <p:ph type="ftr" idx="11"/>
           </p:nvPr>
         </p:nvSpPr>
         <p:spPr>
@@ -5591,7 +5743,7 @@
           </a:ln>
         </p:spPr>
         <p:txBody>
-          <a:bodyPr anchorCtr="0" anchor="ctr" bIns="45700" lIns="91425" spcFirstLastPara="1" rIns="91425" wrap="square" tIns="45700">
+          <a:bodyPr spcFirstLastPara="1" wrap="square" lIns="91425" tIns="45700" rIns="91425" bIns="45700" anchor="ctr" anchorCtr="0">
             <a:noAutofit/>
           </a:bodyPr>
           <a:lstStyle>
@@ -5695,15 +5847,19 @@
               <a:defRPr/>
             </a:lvl9pPr>
           </a:lstStyle>
-          <a:p/>
+          <a:p>
+            <a:endParaRPr/>
+          </a:p>
         </p:txBody>
       </p:sp>
       <p:sp>
         <p:nvSpPr>
           <p:cNvPr id="40" name="Google Shape;40;p9"/>
-          <p:cNvSpPr txBox="1"/>
+          <p:cNvSpPr txBox="1">
+            <a:spLocks noGrp="1"/>
+          </p:cNvSpPr>
           <p:nvPr>
-            <p:ph idx="12" type="sldNum"/>
+            <p:ph type="sldNum" idx="12"/>
           </p:nvPr>
         </p:nvSpPr>
         <p:spPr>
@@ -5720,67 +5876,67 @@
           </a:ln>
         </p:spPr>
         <p:txBody>
-          <a:bodyPr anchorCtr="0" anchor="ctr" bIns="45700" lIns="91425" spcFirstLastPara="1" rIns="91425" wrap="square" tIns="45700">
+          <a:bodyPr spcFirstLastPara="1" wrap="square" lIns="91425" tIns="45700" rIns="91425" bIns="45700" anchor="ctr" anchorCtr="0">
             <a:noAutofit/>
           </a:bodyPr>
           <a:lstStyle>
-            <a:lvl1pPr indent="0" lvl="0" marL="0" algn="r">
+            <a:lvl1pPr marL="0" lvl="0" indent="0" algn="r">
               <a:spcBef>
                 <a:spcPts val="0"/>
               </a:spcBef>
               <a:buNone/>
               <a:defRPr/>
             </a:lvl1pPr>
-            <a:lvl2pPr indent="0" lvl="1" marL="0" algn="r">
+            <a:lvl2pPr marL="0" lvl="1" indent="0" algn="r">
               <a:spcBef>
                 <a:spcPts val="0"/>
               </a:spcBef>
               <a:buNone/>
               <a:defRPr/>
             </a:lvl2pPr>
-            <a:lvl3pPr indent="0" lvl="2" marL="0" algn="r">
+            <a:lvl3pPr marL="0" lvl="2" indent="0" algn="r">
               <a:spcBef>
                 <a:spcPts val="0"/>
               </a:spcBef>
               <a:buNone/>
               <a:defRPr/>
             </a:lvl3pPr>
-            <a:lvl4pPr indent="0" lvl="3" marL="0" algn="r">
+            <a:lvl4pPr marL="0" lvl="3" indent="0" algn="r">
               <a:spcBef>
                 <a:spcPts val="0"/>
               </a:spcBef>
               <a:buNone/>
               <a:defRPr/>
             </a:lvl4pPr>
-            <a:lvl5pPr indent="0" lvl="4" marL="0" algn="r">
+            <a:lvl5pPr marL="0" lvl="4" indent="0" algn="r">
               <a:spcBef>
                 <a:spcPts val="0"/>
               </a:spcBef>
               <a:buNone/>
               <a:defRPr/>
             </a:lvl5pPr>
-            <a:lvl6pPr indent="0" lvl="5" marL="0" algn="r">
+            <a:lvl6pPr marL="0" lvl="5" indent="0" algn="r">
               <a:spcBef>
                 <a:spcPts val="0"/>
               </a:spcBef>
               <a:buNone/>
               <a:defRPr/>
             </a:lvl6pPr>
-            <a:lvl7pPr indent="0" lvl="6" marL="0" algn="r">
+            <a:lvl7pPr marL="0" lvl="6" indent="0" algn="r">
               <a:spcBef>
                 <a:spcPts val="0"/>
               </a:spcBef>
               <a:buNone/>
               <a:defRPr/>
             </a:lvl7pPr>
-            <a:lvl8pPr indent="0" lvl="7" marL="0" algn="r">
+            <a:lvl8pPr marL="0" lvl="7" indent="0" algn="r">
               <a:spcBef>
                 <a:spcPts val="0"/>
               </a:spcBef>
               <a:buNone/>
               <a:defRPr/>
             </a:lvl8pPr>
-            <a:lvl9pPr indent="0" lvl="8" marL="0" algn="r">
+            <a:lvl9pPr marL="0" lvl="8" indent="0" algn="r">
               <a:spcBef>
                 <a:spcPts val="0"/>
               </a:spcBef>
@@ -5789,7 +5945,7 @@
             </a:lvl9pPr>
           </a:lstStyle>
           <a:p>
-            <a:pPr indent="0" lvl="0" marL="0" rtl="0" algn="r">
+            <a:pPr marL="0" lvl="0" indent="0" algn="r" rtl="0">
               <a:spcBef>
                 <a:spcPts val="0"/>
               </a:spcBef>
@@ -5815,11 +5971,11 @@
 </file>
 
 <file path=ppt/slideLayouts/slideLayout6.xml><?xml version="1.0" encoding="utf-8"?>
-<p:sldLayout xmlns:a="http://schemas.openxmlformats.org/drawingml/2006/main" xmlns:r="http://schemas.openxmlformats.org/officeDocument/2006/relationships" xmlns:mc="http://schemas.openxmlformats.org/markup-compatibility/2006" xmlns:mv="urn:schemas-microsoft-com:mac:vml" xmlns:p="http://schemas.openxmlformats.org/presentationml/2006/main" xmlns:c="http://schemas.openxmlformats.org/drawingml/2006/chart" xmlns:dgm="http://schemas.openxmlformats.org/drawingml/2006/diagram" xmlns:o="urn:schemas-microsoft-com:office:office" xmlns:v="urn:schemas-microsoft-com:vml" xmlns:pvml="urn:schemas-microsoft-com:office:powerpoint" xmlns:com="http://schemas.openxmlformats.org/drawingml/2006/compatibility" xmlns:p14="http://schemas.microsoft.com/office/powerpoint/2010/main" xmlns:p15="http://schemas.microsoft.com/office/powerpoint/2012/main" xmlns:ahyp="http://schemas.microsoft.com/office/drawing/2018/hyperlinkcolor" matchingName="Comparison" type="twoTxTwoObj">
+<p:sldLayout xmlns:a="http://schemas.openxmlformats.org/drawingml/2006/main" xmlns:r="http://schemas.openxmlformats.org/officeDocument/2006/relationships" xmlns:p="http://schemas.openxmlformats.org/presentationml/2006/main" matchingName="Comparison" type="twoTxTwoObj">
   <p:cSld name="TWO_OBJECTS_WITH_TEXT">
     <p:spTree>
       <p:nvGrpSpPr>
-        <p:cNvPr id="41" name="Shape 41"/>
+        <p:cNvPr id="1" name="Shape 41"/>
         <p:cNvGrpSpPr/>
         <p:nvPr/>
       </p:nvGrpSpPr>
@@ -5834,7 +5990,9 @@
       <p:sp>
         <p:nvSpPr>
           <p:cNvPr id="42" name="Google Shape;42;p10"/>
-          <p:cNvSpPr txBox="1"/>
+          <p:cNvSpPr txBox="1">
+            <a:spLocks noGrp="1"/>
+          </p:cNvSpPr>
           <p:nvPr>
             <p:ph type="title"/>
           </p:nvPr>
@@ -5853,7 +6011,7 @@
           </a:ln>
         </p:spPr>
         <p:txBody>
-          <a:bodyPr anchorCtr="0" anchor="ctr" bIns="45700" lIns="91425" spcFirstLastPara="1" rIns="91425" wrap="square" tIns="45700">
+          <a:bodyPr spcFirstLastPara="1" wrap="square" lIns="91425" tIns="45700" rIns="91425" bIns="45700" anchor="ctr" anchorCtr="0">
             <a:normAutofit/>
           </a:bodyPr>
           <a:lstStyle>
@@ -5961,15 +6119,19 @@
               <a:defRPr/>
             </a:lvl9pPr>
           </a:lstStyle>
-          <a:p/>
+          <a:p>
+            <a:endParaRPr/>
+          </a:p>
         </p:txBody>
       </p:sp>
       <p:sp>
         <p:nvSpPr>
           <p:cNvPr id="43" name="Google Shape;43;p10"/>
-          <p:cNvSpPr txBox="1"/>
+          <p:cNvSpPr txBox="1">
+            <a:spLocks noGrp="1"/>
+          </p:cNvSpPr>
           <p:nvPr>
-            <p:ph idx="1" type="body"/>
+            <p:ph type="body" idx="1"/>
           </p:nvPr>
         </p:nvSpPr>
         <p:spPr>
@@ -5986,11 +6148,11 @@
           </a:ln>
         </p:spPr>
         <p:txBody>
-          <a:bodyPr anchorCtr="0" anchor="b" bIns="45700" lIns="91425" spcFirstLastPara="1" rIns="91425" wrap="square" tIns="45700">
+          <a:bodyPr spcFirstLastPara="1" wrap="square" lIns="91425" tIns="45700" rIns="91425" bIns="45700" anchor="b" anchorCtr="0">
             <a:normAutofit/>
           </a:bodyPr>
           <a:lstStyle>
-            <a:lvl1pPr indent="-228600" lvl="0" marL="457200" algn="l">
+            <a:lvl1pPr marL="457200" lvl="0" indent="-228600" algn="l">
               <a:spcBef>
                 <a:spcPts val="480"/>
               </a:spcBef>
@@ -6002,9 +6164,9 @@
               </a:buClr>
               <a:buSzPts val="2400"/>
               <a:buNone/>
-              <a:defRPr b="1" sz="2400"/>
+              <a:defRPr sz="2400" b="1"/>
             </a:lvl1pPr>
-            <a:lvl2pPr indent="-228600" lvl="1" marL="914400" algn="l">
+            <a:lvl2pPr marL="914400" lvl="1" indent="-228600" algn="l">
               <a:spcBef>
                 <a:spcPts val="400"/>
               </a:spcBef>
@@ -6016,9 +6178,9 @@
               </a:buClr>
               <a:buSzPts val="2000"/>
               <a:buNone/>
-              <a:defRPr b="1" sz="2000"/>
+              <a:defRPr sz="2000" b="1"/>
             </a:lvl2pPr>
-            <a:lvl3pPr indent="-228600" lvl="2" marL="1371600" algn="l">
+            <a:lvl3pPr marL="1371600" lvl="2" indent="-228600" algn="l">
               <a:spcBef>
                 <a:spcPts val="360"/>
               </a:spcBef>
@@ -6030,9 +6192,9 @@
               </a:buClr>
               <a:buSzPts val="1800"/>
               <a:buNone/>
-              <a:defRPr b="1" sz="1800"/>
+              <a:defRPr sz="1800" b="1"/>
             </a:lvl3pPr>
-            <a:lvl4pPr indent="-228600" lvl="3" marL="1828800" algn="l">
+            <a:lvl4pPr marL="1828800" lvl="3" indent="-228600" algn="l">
               <a:spcBef>
                 <a:spcPts val="320"/>
               </a:spcBef>
@@ -6044,9 +6206,9 @@
               </a:buClr>
               <a:buSzPts val="1600"/>
               <a:buNone/>
-              <a:defRPr b="1" sz="1600"/>
+              <a:defRPr sz="1600" b="1"/>
             </a:lvl4pPr>
-            <a:lvl5pPr indent="-228600" lvl="4" marL="2286000" algn="l">
+            <a:lvl5pPr marL="2286000" lvl="4" indent="-228600" algn="l">
               <a:spcBef>
                 <a:spcPts val="320"/>
               </a:spcBef>
@@ -6058,9 +6220,9 @@
               </a:buClr>
               <a:buSzPts val="1600"/>
               <a:buNone/>
-              <a:defRPr b="1" sz="1600"/>
+              <a:defRPr sz="1600" b="1"/>
             </a:lvl5pPr>
-            <a:lvl6pPr indent="-228600" lvl="5" marL="2743200" algn="l">
+            <a:lvl6pPr marL="2743200" lvl="5" indent="-228600" algn="l">
               <a:spcBef>
                 <a:spcPts val="320"/>
               </a:spcBef>
@@ -6072,9 +6234,9 @@
               </a:buClr>
               <a:buSzPts val="1600"/>
               <a:buNone/>
-              <a:defRPr b="1" sz="1600"/>
+              <a:defRPr sz="1600" b="1"/>
             </a:lvl6pPr>
-            <a:lvl7pPr indent="-228600" lvl="6" marL="3200400" algn="l">
+            <a:lvl7pPr marL="3200400" lvl="6" indent="-228600" algn="l">
               <a:spcBef>
                 <a:spcPts val="320"/>
               </a:spcBef>
@@ -6086,9 +6248,9 @@
               </a:buClr>
               <a:buSzPts val="1600"/>
               <a:buNone/>
-              <a:defRPr b="1" sz="1600"/>
+              <a:defRPr sz="1600" b="1"/>
             </a:lvl7pPr>
-            <a:lvl8pPr indent="-228600" lvl="7" marL="3657600" algn="l">
+            <a:lvl8pPr marL="3657600" lvl="7" indent="-228600" algn="l">
               <a:spcBef>
                 <a:spcPts val="320"/>
               </a:spcBef>
@@ -6100,9 +6262,9 @@
               </a:buClr>
               <a:buSzPts val="1600"/>
               <a:buNone/>
-              <a:defRPr b="1" sz="1600"/>
+              <a:defRPr sz="1600" b="1"/>
             </a:lvl8pPr>
-            <a:lvl9pPr indent="-228600" lvl="8" marL="4114800" algn="l">
+            <a:lvl9pPr marL="4114800" lvl="8" indent="-228600" algn="l">
               <a:spcBef>
                 <a:spcPts val="320"/>
               </a:spcBef>
@@ -6114,18 +6276,22 @@
               </a:buClr>
               <a:buSzPts val="1600"/>
               <a:buNone/>
-              <a:defRPr b="1" sz="1600"/>
+              <a:defRPr sz="1600" b="1"/>
             </a:lvl9pPr>
           </a:lstStyle>
-          <a:p/>
+          <a:p>
+            <a:endParaRPr/>
+          </a:p>
         </p:txBody>
       </p:sp>
       <p:sp>
         <p:nvSpPr>
           <p:cNvPr id="44" name="Google Shape;44;p10"/>
-          <p:cNvSpPr txBox="1"/>
+          <p:cNvSpPr txBox="1">
+            <a:spLocks noGrp="1"/>
+          </p:cNvSpPr>
           <p:nvPr>
-            <p:ph idx="2" type="body"/>
+            <p:ph type="body" idx="2"/>
           </p:nvPr>
         </p:nvSpPr>
         <p:spPr>
@@ -6142,11 +6308,11 @@
           </a:ln>
         </p:spPr>
         <p:txBody>
-          <a:bodyPr anchorCtr="0" anchor="t" bIns="45700" lIns="91425" spcFirstLastPara="1" rIns="91425" wrap="square" tIns="45700">
+          <a:bodyPr spcFirstLastPara="1" wrap="square" lIns="91425" tIns="45700" rIns="91425" bIns="45700" anchor="t" anchorCtr="0">
             <a:normAutofit/>
           </a:bodyPr>
           <a:lstStyle>
-            <a:lvl1pPr indent="-381000" lvl="0" marL="457200" algn="l">
+            <a:lvl1pPr marL="457200" lvl="0" indent="-381000" algn="l">
               <a:spcBef>
                 <a:spcPts val="480"/>
               </a:spcBef>
@@ -6160,7 +6326,7 @@
               <a:buChar char="•"/>
               <a:defRPr sz="2400"/>
             </a:lvl1pPr>
-            <a:lvl2pPr indent="-355600" lvl="1" marL="914400" algn="l">
+            <a:lvl2pPr marL="914400" lvl="1" indent="-355600" algn="l">
               <a:spcBef>
                 <a:spcPts val="400"/>
               </a:spcBef>
@@ -6174,7 +6340,7 @@
               <a:buChar char="–"/>
               <a:defRPr sz="2000"/>
             </a:lvl2pPr>
-            <a:lvl3pPr indent="-342900" lvl="2" marL="1371600" algn="l">
+            <a:lvl3pPr marL="1371600" lvl="2" indent="-342900" algn="l">
               <a:spcBef>
                 <a:spcPts val="360"/>
               </a:spcBef>
@@ -6188,7 +6354,7 @@
               <a:buChar char="•"/>
               <a:defRPr sz="1800"/>
             </a:lvl3pPr>
-            <a:lvl4pPr indent="-330200" lvl="3" marL="1828800" algn="l">
+            <a:lvl4pPr marL="1828800" lvl="3" indent="-330200" algn="l">
               <a:spcBef>
                 <a:spcPts val="320"/>
               </a:spcBef>
@@ -6202,7 +6368,7 @@
               <a:buChar char="–"/>
               <a:defRPr sz="1600"/>
             </a:lvl4pPr>
-            <a:lvl5pPr indent="-330200" lvl="4" marL="2286000" algn="l">
+            <a:lvl5pPr marL="2286000" lvl="4" indent="-330200" algn="l">
               <a:spcBef>
                 <a:spcPts val="320"/>
               </a:spcBef>
@@ -6216,7 +6382,7 @@
               <a:buChar char="»"/>
               <a:defRPr sz="1600"/>
             </a:lvl5pPr>
-            <a:lvl6pPr indent="-330200" lvl="5" marL="2743200" algn="l">
+            <a:lvl6pPr marL="2743200" lvl="5" indent="-330200" algn="l">
               <a:spcBef>
                 <a:spcPts val="320"/>
               </a:spcBef>
@@ -6230,7 +6396,7 @@
               <a:buChar char="•"/>
               <a:defRPr sz="1600"/>
             </a:lvl6pPr>
-            <a:lvl7pPr indent="-330200" lvl="6" marL="3200400" algn="l">
+            <a:lvl7pPr marL="3200400" lvl="6" indent="-330200" algn="l">
               <a:spcBef>
                 <a:spcPts val="320"/>
               </a:spcBef>
@@ -6244,7 +6410,7 @@
               <a:buChar char="•"/>
               <a:defRPr sz="1600"/>
             </a:lvl7pPr>
-            <a:lvl8pPr indent="-330200" lvl="7" marL="3657600" algn="l">
+            <a:lvl8pPr marL="3657600" lvl="7" indent="-330200" algn="l">
               <a:spcBef>
                 <a:spcPts val="320"/>
               </a:spcBef>
@@ -6258,7 +6424,7 @@
               <a:buChar char="•"/>
               <a:defRPr sz="1600"/>
             </a:lvl8pPr>
-            <a:lvl9pPr indent="-330200" lvl="8" marL="4114800" algn="l">
+            <a:lvl9pPr marL="4114800" lvl="8" indent="-330200" algn="l">
               <a:spcBef>
                 <a:spcPts val="320"/>
               </a:spcBef>
@@ -6273,15 +6439,19 @@
               <a:defRPr sz="1600"/>
             </a:lvl9pPr>
           </a:lstStyle>
-          <a:p/>
+          <a:p>
+            <a:endParaRPr/>
+          </a:p>
         </p:txBody>
       </p:sp>
       <p:sp>
         <p:nvSpPr>
           <p:cNvPr id="45" name="Google Shape;45;p10"/>
-          <p:cNvSpPr txBox="1"/>
+          <p:cNvSpPr txBox="1">
+            <a:spLocks noGrp="1"/>
+          </p:cNvSpPr>
           <p:nvPr>
-            <p:ph idx="3" type="body"/>
+            <p:ph type="body" idx="3"/>
           </p:nvPr>
         </p:nvSpPr>
         <p:spPr>
@@ -6298,11 +6468,11 @@
           </a:ln>
         </p:spPr>
         <p:txBody>
-          <a:bodyPr anchorCtr="0" anchor="b" bIns="45700" lIns="91425" spcFirstLastPara="1" rIns="91425" wrap="square" tIns="45700">
+          <a:bodyPr spcFirstLastPara="1" wrap="square" lIns="91425" tIns="45700" rIns="91425" bIns="45700" anchor="b" anchorCtr="0">
             <a:normAutofit/>
           </a:bodyPr>
           <a:lstStyle>
-            <a:lvl1pPr indent="-228600" lvl="0" marL="457200" algn="l">
+            <a:lvl1pPr marL="457200" lvl="0" indent="-228600" algn="l">
               <a:spcBef>
                 <a:spcPts val="480"/>
               </a:spcBef>
@@ -6314,9 +6484,9 @@
               </a:buClr>
               <a:buSzPts val="2400"/>
               <a:buNone/>
-              <a:defRPr b="1" sz="2400"/>
+              <a:defRPr sz="2400" b="1"/>
             </a:lvl1pPr>
-            <a:lvl2pPr indent="-228600" lvl="1" marL="914400" algn="l">
+            <a:lvl2pPr marL="914400" lvl="1" indent="-228600" algn="l">
               <a:spcBef>
                 <a:spcPts val="400"/>
               </a:spcBef>
@@ -6328,9 +6498,9 @@
               </a:buClr>
               <a:buSzPts val="2000"/>
               <a:buNone/>
-              <a:defRPr b="1" sz="2000"/>
+              <a:defRPr sz="2000" b="1"/>
             </a:lvl2pPr>
-            <a:lvl3pPr indent="-228600" lvl="2" marL="1371600" algn="l">
+            <a:lvl3pPr marL="1371600" lvl="2" indent="-228600" algn="l">
               <a:spcBef>
                 <a:spcPts val="360"/>
               </a:spcBef>
@@ -6342,9 +6512,9 @@
               </a:buClr>
               <a:buSzPts val="1800"/>
               <a:buNone/>
-              <a:defRPr b="1" sz="1800"/>
+              <a:defRPr sz="1800" b="1"/>
             </a:lvl3pPr>
-            <a:lvl4pPr indent="-228600" lvl="3" marL="1828800" algn="l">
+            <a:lvl4pPr marL="1828800" lvl="3" indent="-228600" algn="l">
               <a:spcBef>
                 <a:spcPts val="320"/>
               </a:spcBef>
@@ -6356,9 +6526,9 @@
               </a:buClr>
               <a:buSzPts val="1600"/>
               <a:buNone/>
-              <a:defRPr b="1" sz="1600"/>
+              <a:defRPr sz="1600" b="1"/>
             </a:lvl4pPr>
-            <a:lvl5pPr indent="-228600" lvl="4" marL="2286000" algn="l">
+            <a:lvl5pPr marL="2286000" lvl="4" indent="-228600" algn="l">
               <a:spcBef>
                 <a:spcPts val="320"/>
               </a:spcBef>
@@ -6370,9 +6540,9 @@
               </a:buClr>
               <a:buSzPts val="1600"/>
               <a:buNone/>
-              <a:defRPr b="1" sz="1600"/>
+              <a:defRPr sz="1600" b="1"/>
             </a:lvl5pPr>
-            <a:lvl6pPr indent="-228600" lvl="5" marL="2743200" algn="l">
+            <a:lvl6pPr marL="2743200" lvl="5" indent="-228600" algn="l">
               <a:spcBef>
                 <a:spcPts val="320"/>
               </a:spcBef>
@@ -6384,9 +6554,9 @@
               </a:buClr>
               <a:buSzPts val="1600"/>
               <a:buNone/>
-              <a:defRPr b="1" sz="1600"/>
+              <a:defRPr sz="1600" b="1"/>
             </a:lvl6pPr>
-            <a:lvl7pPr indent="-228600" lvl="6" marL="3200400" algn="l">
+            <a:lvl7pPr marL="3200400" lvl="6" indent="-228600" algn="l">
               <a:spcBef>
                 <a:spcPts val="320"/>
               </a:spcBef>
@@ -6398,9 +6568,9 @@
               </a:buClr>
               <a:buSzPts val="1600"/>
               <a:buNone/>
-              <a:defRPr b="1" sz="1600"/>
+              <a:defRPr sz="1600" b="1"/>
             </a:lvl7pPr>
-            <a:lvl8pPr indent="-228600" lvl="7" marL="3657600" algn="l">
+            <a:lvl8pPr marL="3657600" lvl="7" indent="-228600" algn="l">
               <a:spcBef>
                 <a:spcPts val="320"/>
               </a:spcBef>
@@ -6412,9 +6582,9 @@
               </a:buClr>
               <a:buSzPts val="1600"/>
               <a:buNone/>
-              <a:defRPr b="1" sz="1600"/>
+              <a:defRPr sz="1600" b="1"/>
             </a:lvl8pPr>
-            <a:lvl9pPr indent="-228600" lvl="8" marL="4114800" algn="l">
+            <a:lvl9pPr marL="4114800" lvl="8" indent="-228600" algn="l">
               <a:spcBef>
                 <a:spcPts val="320"/>
               </a:spcBef>
@@ -6426,18 +6596,22 @@
               </a:buClr>
               <a:buSzPts val="1600"/>
               <a:buNone/>
-              <a:defRPr b="1" sz="1600"/>
+              <a:defRPr sz="1600" b="1"/>
             </a:lvl9pPr>
           </a:lstStyle>
-          <a:p/>
+          <a:p>
+            <a:endParaRPr/>
+          </a:p>
         </p:txBody>
       </p:sp>
       <p:sp>
         <p:nvSpPr>
           <p:cNvPr id="46" name="Google Shape;46;p10"/>
-          <p:cNvSpPr txBox="1"/>
+          <p:cNvSpPr txBox="1">
+            <a:spLocks noGrp="1"/>
+          </p:cNvSpPr>
           <p:nvPr>
-            <p:ph idx="4" type="body"/>
+            <p:ph type="body" idx="4"/>
           </p:nvPr>
         </p:nvSpPr>
         <p:spPr>
@@ -6454,11 +6628,11 @@
           </a:ln>
         </p:spPr>
         <p:txBody>
-          <a:bodyPr anchorCtr="0" anchor="t" bIns="45700" lIns="91425" spcFirstLastPara="1" rIns="91425" wrap="square" tIns="45700">
+          <a:bodyPr spcFirstLastPara="1" wrap="square" lIns="91425" tIns="45700" rIns="91425" bIns="45700" anchor="t" anchorCtr="0">
             <a:normAutofit/>
           </a:bodyPr>
           <a:lstStyle>
-            <a:lvl1pPr indent="-381000" lvl="0" marL="457200" algn="l">
+            <a:lvl1pPr marL="457200" lvl="0" indent="-381000" algn="l">
               <a:spcBef>
                 <a:spcPts val="480"/>
               </a:spcBef>
@@ -6472,7 +6646,7 @@
               <a:buChar char="•"/>
               <a:defRPr sz="2400"/>
             </a:lvl1pPr>
-            <a:lvl2pPr indent="-355600" lvl="1" marL="914400" algn="l">
+            <a:lvl2pPr marL="914400" lvl="1" indent="-355600" algn="l">
               <a:spcBef>
                 <a:spcPts val="400"/>
               </a:spcBef>
@@ -6486,7 +6660,7 @@
               <a:buChar char="–"/>
               <a:defRPr sz="2000"/>
             </a:lvl2pPr>
-            <a:lvl3pPr indent="-342900" lvl="2" marL="1371600" algn="l">
+            <a:lvl3pPr marL="1371600" lvl="2" indent="-342900" algn="l">
               <a:spcBef>
                 <a:spcPts val="360"/>
               </a:spcBef>
@@ -6500,7 +6674,7 @@
               <a:buChar char="•"/>
               <a:defRPr sz="1800"/>
             </a:lvl3pPr>
-            <a:lvl4pPr indent="-330200" lvl="3" marL="1828800" algn="l">
+            <a:lvl4pPr marL="1828800" lvl="3" indent="-330200" algn="l">
               <a:spcBef>
                 <a:spcPts val="320"/>
               </a:spcBef>
@@ -6514,7 +6688,7 @@
               <a:buChar char="–"/>
               <a:defRPr sz="1600"/>
             </a:lvl4pPr>
-            <a:lvl5pPr indent="-330200" lvl="4" marL="2286000" algn="l">
+            <a:lvl5pPr marL="2286000" lvl="4" indent="-330200" algn="l">
               <a:spcBef>
                 <a:spcPts val="320"/>
               </a:spcBef>
@@ -6528,7 +6702,7 @@
               <a:buChar char="»"/>
               <a:defRPr sz="1600"/>
             </a:lvl5pPr>
-            <a:lvl6pPr indent="-330200" lvl="5" marL="2743200" algn="l">
+            <a:lvl6pPr marL="2743200" lvl="5" indent="-330200" algn="l">
               <a:spcBef>
                 <a:spcPts val="320"/>
               </a:spcBef>
@@ -6542,7 +6716,7 @@
               <a:buChar char="•"/>
               <a:defRPr sz="1600"/>
             </a:lvl6pPr>
-            <a:lvl7pPr indent="-330200" lvl="6" marL="3200400" algn="l">
+            <a:lvl7pPr marL="3200400" lvl="6" indent="-330200" algn="l">
               <a:spcBef>
                 <a:spcPts val="320"/>
               </a:spcBef>
@@ -6556,7 +6730,7 @@
               <a:buChar char="•"/>
               <a:defRPr sz="1600"/>
             </a:lvl7pPr>
-            <a:lvl8pPr indent="-330200" lvl="7" marL="3657600" algn="l">
+            <a:lvl8pPr marL="3657600" lvl="7" indent="-330200" algn="l">
               <a:spcBef>
                 <a:spcPts val="320"/>
               </a:spcBef>
@@ -6570,7 +6744,7 @@
               <a:buChar char="•"/>
               <a:defRPr sz="1600"/>
             </a:lvl8pPr>
-            <a:lvl9pPr indent="-330200" lvl="8" marL="4114800" algn="l">
+            <a:lvl9pPr marL="4114800" lvl="8" indent="-330200" algn="l">
               <a:spcBef>
                 <a:spcPts val="320"/>
               </a:spcBef>
@@ -6585,15 +6759,19 @@
               <a:defRPr sz="1600"/>
             </a:lvl9pPr>
           </a:lstStyle>
-          <a:p/>
+          <a:p>
+            <a:endParaRPr/>
+          </a:p>
         </p:txBody>
       </p:sp>
       <p:sp>
         <p:nvSpPr>
           <p:cNvPr id="47" name="Google Shape;47;p10"/>
-          <p:cNvSpPr txBox="1"/>
+          <p:cNvSpPr txBox="1">
+            <a:spLocks noGrp="1"/>
+          </p:cNvSpPr>
           <p:nvPr>
-            <p:ph idx="10" type="dt"/>
+            <p:ph type="dt" idx="10"/>
           </p:nvPr>
         </p:nvSpPr>
         <p:spPr>
@@ -6610,7 +6788,7 @@
           </a:ln>
         </p:spPr>
         <p:txBody>
-          <a:bodyPr anchorCtr="0" anchor="ctr" bIns="45700" lIns="91425" spcFirstLastPara="1" rIns="91425" wrap="square" tIns="45700">
+          <a:bodyPr spcFirstLastPara="1" wrap="square" lIns="91425" tIns="45700" rIns="91425" bIns="45700" anchor="ctr" anchorCtr="0">
             <a:noAutofit/>
           </a:bodyPr>
           <a:lstStyle>
@@ -6714,15 +6892,19 @@
               <a:defRPr/>
             </a:lvl9pPr>
           </a:lstStyle>
-          <a:p/>
+          <a:p>
+            <a:endParaRPr/>
+          </a:p>
         </p:txBody>
       </p:sp>
       <p:sp>
         <p:nvSpPr>
           <p:cNvPr id="48" name="Google Shape;48;p10"/>
-          <p:cNvSpPr txBox="1"/>
+          <p:cNvSpPr txBox="1">
+            <a:spLocks noGrp="1"/>
+          </p:cNvSpPr>
           <p:nvPr>
-            <p:ph idx="11" type="ftr"/>
+            <p:ph type="ftr" idx="11"/>
           </p:nvPr>
         </p:nvSpPr>
         <p:spPr>
@@ -6739,7 +6921,7 @@
           </a:ln>
         </p:spPr>
         <p:txBody>
-          <a:bodyPr anchorCtr="0" anchor="ctr" bIns="45700" lIns="91425" spcFirstLastPara="1" rIns="91425" wrap="square" tIns="45700">
+          <a:bodyPr spcFirstLastPara="1" wrap="square" lIns="91425" tIns="45700" rIns="91425" bIns="45700" anchor="ctr" anchorCtr="0">
             <a:noAutofit/>
           </a:bodyPr>
           <a:lstStyle>
@@ -6843,15 +7025,19 @@
               <a:defRPr/>
             </a:lvl9pPr>
           </a:lstStyle>
-          <a:p/>
+          <a:p>
+            <a:endParaRPr/>
+          </a:p>
         </p:txBody>
       </p:sp>
       <p:sp>
         <p:nvSpPr>
           <p:cNvPr id="49" name="Google Shape;49;p10"/>
-          <p:cNvSpPr txBox="1"/>
+          <p:cNvSpPr txBox="1">
+            <a:spLocks noGrp="1"/>
+          </p:cNvSpPr>
           <p:nvPr>
-            <p:ph idx="12" type="sldNum"/>
+            <p:ph type="sldNum" idx="12"/>
           </p:nvPr>
         </p:nvSpPr>
         <p:spPr>
@@ -6868,67 +7054,67 @@
           </a:ln>
         </p:spPr>
         <p:txBody>
-          <a:bodyPr anchorCtr="0" anchor="ctr" bIns="45700" lIns="91425" spcFirstLastPara="1" rIns="91425" wrap="square" tIns="45700">
+          <a:bodyPr spcFirstLastPara="1" wrap="square" lIns="91425" tIns="45700" rIns="91425" bIns="45700" anchor="ctr" anchorCtr="0">
             <a:noAutofit/>
           </a:bodyPr>
           <a:lstStyle>
-            <a:lvl1pPr indent="0" lvl="0" marL="0" algn="r">
+            <a:lvl1pPr marL="0" lvl="0" indent="0" algn="r">
               <a:spcBef>
                 <a:spcPts val="0"/>
               </a:spcBef>
               <a:buNone/>
               <a:defRPr/>
             </a:lvl1pPr>
-            <a:lvl2pPr indent="0" lvl="1" marL="0" algn="r">
+            <a:lvl2pPr marL="0" lvl="1" indent="0" algn="r">
               <a:spcBef>
                 <a:spcPts val="0"/>
               </a:spcBef>
               <a:buNone/>
               <a:defRPr/>
             </a:lvl2pPr>
-            <a:lvl3pPr indent="0" lvl="2" marL="0" algn="r">
+            <a:lvl3pPr marL="0" lvl="2" indent="0" algn="r">
               <a:spcBef>
                 <a:spcPts val="0"/>
               </a:spcBef>
               <a:buNone/>
               <a:defRPr/>
             </a:lvl3pPr>
-            <a:lvl4pPr indent="0" lvl="3" marL="0" algn="r">
+            <a:lvl4pPr marL="0" lvl="3" indent="0" algn="r">
               <a:spcBef>
                 <a:spcPts val="0"/>
               </a:spcBef>
               <a:buNone/>
               <a:defRPr/>
             </a:lvl4pPr>
-            <a:lvl5pPr indent="0" lvl="4" marL="0" algn="r">
+            <a:lvl5pPr marL="0" lvl="4" indent="0" algn="r">
               <a:spcBef>
                 <a:spcPts val="0"/>
               </a:spcBef>
               <a:buNone/>
               <a:defRPr/>
             </a:lvl5pPr>
-            <a:lvl6pPr indent="0" lvl="5" marL="0" algn="r">
+            <a:lvl6pPr marL="0" lvl="5" indent="0" algn="r">
               <a:spcBef>
                 <a:spcPts val="0"/>
               </a:spcBef>
               <a:buNone/>
               <a:defRPr/>
             </a:lvl6pPr>
-            <a:lvl7pPr indent="0" lvl="6" marL="0" algn="r">
+            <a:lvl7pPr marL="0" lvl="6" indent="0" algn="r">
               <a:spcBef>
                 <a:spcPts val="0"/>
               </a:spcBef>
               <a:buNone/>
               <a:defRPr/>
             </a:lvl7pPr>
-            <a:lvl8pPr indent="0" lvl="7" marL="0" algn="r">
+            <a:lvl8pPr marL="0" lvl="7" indent="0" algn="r">
               <a:spcBef>
                 <a:spcPts val="0"/>
               </a:spcBef>
               <a:buNone/>
               <a:defRPr/>
             </a:lvl8pPr>
-            <a:lvl9pPr indent="0" lvl="8" marL="0" algn="r">
+            <a:lvl9pPr marL="0" lvl="8" indent="0" algn="r">
               <a:spcBef>
                 <a:spcPts val="0"/>
               </a:spcBef>
@@ -6937,7 +7123,7 @@
             </a:lvl9pPr>
           </a:lstStyle>
           <a:p>
-            <a:pPr indent="0" lvl="0" marL="0" rtl="0" algn="r">
+            <a:pPr marL="0" lvl="0" indent="0" algn="r" rtl="0">
               <a:spcBef>
                 <a:spcPts val="0"/>
               </a:spcBef>
@@ -6963,11 +7149,11 @@
 </file>
 
 <file path=ppt/slideLayouts/slideLayout7.xml><?xml version="1.0" encoding="utf-8"?>
-<p:sldLayout xmlns:a="http://schemas.openxmlformats.org/drawingml/2006/main" xmlns:r="http://schemas.openxmlformats.org/officeDocument/2006/relationships" xmlns:mc="http://schemas.openxmlformats.org/markup-compatibility/2006" xmlns:mv="urn:schemas-microsoft-com:mac:vml" xmlns:p="http://schemas.openxmlformats.org/presentationml/2006/main" xmlns:c="http://schemas.openxmlformats.org/drawingml/2006/chart" xmlns:dgm="http://schemas.openxmlformats.org/drawingml/2006/diagram" xmlns:o="urn:schemas-microsoft-com:office:office" xmlns:v="urn:schemas-microsoft-com:vml" xmlns:pvml="urn:schemas-microsoft-com:office:powerpoint" xmlns:com="http://schemas.openxmlformats.org/drawingml/2006/compatibility" xmlns:p14="http://schemas.microsoft.com/office/powerpoint/2010/main" xmlns:p15="http://schemas.microsoft.com/office/powerpoint/2012/main" xmlns:ahyp="http://schemas.microsoft.com/office/drawing/2018/hyperlinkcolor" matchingName="Blank" type="blank">
+<p:sldLayout xmlns:a="http://schemas.openxmlformats.org/drawingml/2006/main" xmlns:r="http://schemas.openxmlformats.org/officeDocument/2006/relationships" xmlns:p="http://schemas.openxmlformats.org/presentationml/2006/main" matchingName="Blank" type="blank">
   <p:cSld name="BLANK">
     <p:spTree>
       <p:nvGrpSpPr>
-        <p:cNvPr id="50" name="Shape 50"/>
+        <p:cNvPr id="1" name="Shape 50"/>
         <p:cNvGrpSpPr/>
         <p:nvPr/>
       </p:nvGrpSpPr>
@@ -6982,9 +7168,11 @@
       <p:sp>
         <p:nvSpPr>
           <p:cNvPr id="51" name="Google Shape;51;p11"/>
-          <p:cNvSpPr txBox="1"/>
+          <p:cNvSpPr txBox="1">
+            <a:spLocks noGrp="1"/>
+          </p:cNvSpPr>
           <p:nvPr>
-            <p:ph idx="10" type="dt"/>
+            <p:ph type="dt" idx="10"/>
           </p:nvPr>
         </p:nvSpPr>
         <p:spPr>
@@ -7001,7 +7189,7 @@
           </a:ln>
         </p:spPr>
         <p:txBody>
-          <a:bodyPr anchorCtr="0" anchor="ctr" bIns="45700" lIns="91425" spcFirstLastPara="1" rIns="91425" wrap="square" tIns="45700">
+          <a:bodyPr spcFirstLastPara="1" wrap="square" lIns="91425" tIns="45700" rIns="91425" bIns="45700" anchor="ctr" anchorCtr="0">
             <a:noAutofit/>
           </a:bodyPr>
           <a:lstStyle>
@@ -7105,15 +7293,19 @@
               <a:defRPr/>
             </a:lvl9pPr>
           </a:lstStyle>
-          <a:p/>
+          <a:p>
+            <a:endParaRPr/>
+          </a:p>
         </p:txBody>
       </p:sp>
       <p:sp>
         <p:nvSpPr>
           <p:cNvPr id="52" name="Google Shape;52;p11"/>
-          <p:cNvSpPr txBox="1"/>
+          <p:cNvSpPr txBox="1">
+            <a:spLocks noGrp="1"/>
+          </p:cNvSpPr>
           <p:nvPr>
-            <p:ph idx="11" type="ftr"/>
+            <p:ph type="ftr" idx="11"/>
           </p:nvPr>
         </p:nvSpPr>
         <p:spPr>
@@ -7130,7 +7322,7 @@
           </a:ln>
         </p:spPr>
         <p:txBody>
-          <a:bodyPr anchorCtr="0" anchor="ctr" bIns="45700" lIns="91425" spcFirstLastPara="1" rIns="91425" wrap="square" tIns="45700">
+          <a:bodyPr spcFirstLastPara="1" wrap="square" lIns="91425" tIns="45700" rIns="91425" bIns="45700" anchor="ctr" anchorCtr="0">
             <a:noAutofit/>
           </a:bodyPr>
           <a:lstStyle>
@@ -7234,15 +7426,19 @@
               <a:defRPr/>
             </a:lvl9pPr>
           </a:lstStyle>
-          <a:p/>
+          <a:p>
+            <a:endParaRPr/>
+          </a:p>
         </p:txBody>
       </p:sp>
       <p:sp>
         <p:nvSpPr>
           <p:cNvPr id="53" name="Google Shape;53;p11"/>
-          <p:cNvSpPr txBox="1"/>
+          <p:cNvSpPr txBox="1">
+            <a:spLocks noGrp="1"/>
+          </p:cNvSpPr>
           <p:nvPr>
-            <p:ph idx="12" type="sldNum"/>
+            <p:ph type="sldNum" idx="12"/>
           </p:nvPr>
         </p:nvSpPr>
         <p:spPr>
@@ -7259,67 +7455,67 @@
           </a:ln>
         </p:spPr>
         <p:txBody>
-          <a:bodyPr anchorCtr="0" anchor="ctr" bIns="45700" lIns="91425" spcFirstLastPara="1" rIns="91425" wrap="square" tIns="45700">
+          <a:bodyPr spcFirstLastPara="1" wrap="square" lIns="91425" tIns="45700" rIns="91425" bIns="45700" anchor="ctr" anchorCtr="0">
             <a:noAutofit/>
           </a:bodyPr>
           <a:lstStyle>
-            <a:lvl1pPr indent="0" lvl="0" marL="0" algn="r">
+            <a:lvl1pPr marL="0" lvl="0" indent="0" algn="r">
               <a:spcBef>
                 <a:spcPts val="0"/>
               </a:spcBef>
               <a:buNone/>
               <a:defRPr/>
             </a:lvl1pPr>
-            <a:lvl2pPr indent="0" lvl="1" marL="0" algn="r">
+            <a:lvl2pPr marL="0" lvl="1" indent="0" algn="r">
               <a:spcBef>
                 <a:spcPts val="0"/>
               </a:spcBef>
               <a:buNone/>
               <a:defRPr/>
             </a:lvl2pPr>
-            <a:lvl3pPr indent="0" lvl="2" marL="0" algn="r">
+            <a:lvl3pPr marL="0" lvl="2" indent="0" algn="r">
               <a:spcBef>
                 <a:spcPts val="0"/>
               </a:spcBef>
               <a:buNone/>
               <a:defRPr/>
             </a:lvl3pPr>
-            <a:lvl4pPr indent="0" lvl="3" marL="0" algn="r">
+            <a:lvl4pPr marL="0" lvl="3" indent="0" algn="r">
               <a:spcBef>
                 <a:spcPts val="0"/>
               </a:spcBef>
               <a:buNone/>
               <a:defRPr/>
             </a:lvl4pPr>
-            <a:lvl5pPr indent="0" lvl="4" marL="0" algn="r">
+            <a:lvl5pPr marL="0" lvl="4" indent="0" algn="r">
               <a:spcBef>
                 <a:spcPts val="0"/>
               </a:spcBef>
               <a:buNone/>
               <a:defRPr/>
             </a:lvl5pPr>
-            <a:lvl6pPr indent="0" lvl="5" marL="0" algn="r">
+            <a:lvl6pPr marL="0" lvl="5" indent="0" algn="r">
               <a:spcBef>
                 <a:spcPts val="0"/>
               </a:spcBef>
               <a:buNone/>
               <a:defRPr/>
             </a:lvl6pPr>
-            <a:lvl7pPr indent="0" lvl="6" marL="0" algn="r">
+            <a:lvl7pPr marL="0" lvl="6" indent="0" algn="r">
               <a:spcBef>
                 <a:spcPts val="0"/>
               </a:spcBef>
               <a:buNone/>
               <a:defRPr/>
             </a:lvl7pPr>
-            <a:lvl8pPr indent="0" lvl="7" marL="0" algn="r">
+            <a:lvl8pPr marL="0" lvl="7" indent="0" algn="r">
               <a:spcBef>
                 <a:spcPts val="0"/>
               </a:spcBef>
               <a:buNone/>
               <a:defRPr/>
             </a:lvl8pPr>
-            <a:lvl9pPr indent="0" lvl="8" marL="0" algn="r">
+            <a:lvl9pPr marL="0" lvl="8" indent="0" algn="r">
               <a:spcBef>
                 <a:spcPts val="0"/>
               </a:spcBef>
@@ -7328,7 +7524,7 @@
             </a:lvl9pPr>
           </a:lstStyle>
           <a:p>
-            <a:pPr indent="0" lvl="0" marL="0" rtl="0" algn="r">
+            <a:pPr marL="0" lvl="0" indent="0" algn="r" rtl="0">
               <a:spcBef>
                 <a:spcPts val="0"/>
               </a:spcBef>
@@ -7354,11 +7550,11 @@
 </file>
 
 <file path=ppt/slideLayouts/slideLayout8.xml><?xml version="1.0" encoding="utf-8"?>
-<p:sldLayout xmlns:a="http://schemas.openxmlformats.org/drawingml/2006/main" xmlns:r="http://schemas.openxmlformats.org/officeDocument/2006/relationships" xmlns:mc="http://schemas.openxmlformats.org/markup-compatibility/2006" xmlns:mv="urn:schemas-microsoft-com:mac:vml" xmlns:p="http://schemas.openxmlformats.org/presentationml/2006/main" xmlns:c="http://schemas.openxmlformats.org/drawingml/2006/chart" xmlns:dgm="http://schemas.openxmlformats.org/drawingml/2006/diagram" xmlns:o="urn:schemas-microsoft-com:office:office" xmlns:v="urn:schemas-microsoft-com:vml" xmlns:pvml="urn:schemas-microsoft-com:office:powerpoint" xmlns:com="http://schemas.openxmlformats.org/drawingml/2006/compatibility" xmlns:p14="http://schemas.microsoft.com/office/powerpoint/2010/main" xmlns:p15="http://schemas.microsoft.com/office/powerpoint/2012/main" xmlns:ahyp="http://schemas.microsoft.com/office/drawing/2018/hyperlinkcolor" matchingName="Content with Caption" type="objTx">
+<p:sldLayout xmlns:a="http://schemas.openxmlformats.org/drawingml/2006/main" xmlns:r="http://schemas.openxmlformats.org/officeDocument/2006/relationships" xmlns:p="http://schemas.openxmlformats.org/presentationml/2006/main" matchingName="Content with Caption" type="objTx">
   <p:cSld name="OBJECT_WITH_CAPTION_TEXT">
     <p:spTree>
       <p:nvGrpSpPr>
-        <p:cNvPr id="54" name="Shape 54"/>
+        <p:cNvPr id="1" name="Shape 54"/>
         <p:cNvGrpSpPr/>
         <p:nvPr/>
       </p:nvGrpSpPr>
@@ -7373,7 +7569,9 @@
       <p:sp>
         <p:nvSpPr>
           <p:cNvPr id="55" name="Google Shape;55;p12"/>
-          <p:cNvSpPr txBox="1"/>
+          <p:cNvSpPr txBox="1">
+            <a:spLocks noGrp="1"/>
+          </p:cNvSpPr>
           <p:nvPr>
             <p:ph type="title"/>
           </p:nvPr>
@@ -7392,7 +7590,7 @@
           </a:ln>
         </p:spPr>
         <p:txBody>
-          <a:bodyPr anchorCtr="0" anchor="b" bIns="45700" lIns="91425" spcFirstLastPara="1" rIns="91425" wrap="square" tIns="45700">
+          <a:bodyPr spcFirstLastPara="1" wrap="square" lIns="91425" tIns="45700" rIns="91425" bIns="45700" anchor="b" anchorCtr="0">
             <a:normAutofit/>
           </a:bodyPr>
           <a:lstStyle>
@@ -7409,7 +7607,7 @@
               <a:buSzPts val="2000"/>
               <a:buFont typeface="Calibri"/>
               <a:buNone/>
-              <a:defRPr b="1" sz="2000"/>
+              <a:defRPr sz="2000" b="1"/>
             </a:lvl1pPr>
             <a:lvl2pPr lvl="1">
               <a:spcBef>
@@ -7500,15 +7698,19 @@
               <a:defRPr/>
             </a:lvl9pPr>
           </a:lstStyle>
-          <a:p/>
+          <a:p>
+            <a:endParaRPr/>
+          </a:p>
         </p:txBody>
       </p:sp>
       <p:sp>
         <p:nvSpPr>
           <p:cNvPr id="56" name="Google Shape;56;p12"/>
-          <p:cNvSpPr txBox="1"/>
+          <p:cNvSpPr txBox="1">
+            <a:spLocks noGrp="1"/>
+          </p:cNvSpPr>
           <p:nvPr>
-            <p:ph idx="1" type="body"/>
+            <p:ph type="body" idx="1"/>
           </p:nvPr>
         </p:nvSpPr>
         <p:spPr>
@@ -7525,11 +7727,11 @@
           </a:ln>
         </p:spPr>
         <p:txBody>
-          <a:bodyPr anchorCtr="0" anchor="t" bIns="45700" lIns="91425" spcFirstLastPara="1" rIns="91425" wrap="square" tIns="45700">
+          <a:bodyPr spcFirstLastPara="1" wrap="square" lIns="91425" tIns="45700" rIns="91425" bIns="45700" anchor="t" anchorCtr="0">
             <a:normAutofit/>
           </a:bodyPr>
           <a:lstStyle>
-            <a:lvl1pPr indent="-431800" lvl="0" marL="457200" algn="l">
+            <a:lvl1pPr marL="457200" lvl="0" indent="-431800" algn="l">
               <a:spcBef>
                 <a:spcPts val="640"/>
               </a:spcBef>
@@ -7543,7 +7745,7 @@
               <a:buChar char="•"/>
               <a:defRPr sz="3200"/>
             </a:lvl1pPr>
-            <a:lvl2pPr indent="-406400" lvl="1" marL="914400" algn="l">
+            <a:lvl2pPr marL="914400" lvl="1" indent="-406400" algn="l">
               <a:spcBef>
                 <a:spcPts val="560"/>
               </a:spcBef>
@@ -7557,7 +7759,7 @@
               <a:buChar char="–"/>
               <a:defRPr sz="2800"/>
             </a:lvl2pPr>
-            <a:lvl3pPr indent="-381000" lvl="2" marL="1371600" algn="l">
+            <a:lvl3pPr marL="1371600" lvl="2" indent="-381000" algn="l">
               <a:spcBef>
                 <a:spcPts val="480"/>
               </a:spcBef>
@@ -7571,7 +7773,7 @@
               <a:buChar char="•"/>
               <a:defRPr sz="2400"/>
             </a:lvl3pPr>
-            <a:lvl4pPr indent="-355600" lvl="3" marL="1828800" algn="l">
+            <a:lvl4pPr marL="1828800" lvl="3" indent="-355600" algn="l">
               <a:spcBef>
                 <a:spcPts val="400"/>
               </a:spcBef>
@@ -7585,7 +7787,7 @@
               <a:buChar char="–"/>
               <a:defRPr sz="2000"/>
             </a:lvl4pPr>
-            <a:lvl5pPr indent="-355600" lvl="4" marL="2286000" algn="l">
+            <a:lvl5pPr marL="2286000" lvl="4" indent="-355600" algn="l">
               <a:spcBef>
                 <a:spcPts val="400"/>
               </a:spcBef>
@@ -7599,7 +7801,7 @@
               <a:buChar char="»"/>
               <a:defRPr sz="2000"/>
             </a:lvl5pPr>
-            <a:lvl6pPr indent="-355600" lvl="5" marL="2743200" algn="l">
+            <a:lvl6pPr marL="2743200" lvl="5" indent="-355600" algn="l">
               <a:spcBef>
                 <a:spcPts val="400"/>
               </a:spcBef>
@@ -7613,7 +7815,7 @@
               <a:buChar char="•"/>
               <a:defRPr sz="2000"/>
             </a:lvl6pPr>
-            <a:lvl7pPr indent="-355600" lvl="6" marL="3200400" algn="l">
+            <a:lvl7pPr marL="3200400" lvl="6" indent="-355600" algn="l">
               <a:spcBef>
                 <a:spcPts val="400"/>
               </a:spcBef>
@@ -7627,7 +7829,7 @@
               <a:buChar char="•"/>
               <a:defRPr sz="2000"/>
             </a:lvl7pPr>
-            <a:lvl8pPr indent="-355600" lvl="7" marL="3657600" algn="l">
+            <a:lvl8pPr marL="3657600" lvl="7" indent="-355600" algn="l">
               <a:spcBef>
                 <a:spcPts val="400"/>
               </a:spcBef>
@@ -7641,7 +7843,7 @@
               <a:buChar char="•"/>
               <a:defRPr sz="2000"/>
             </a:lvl8pPr>
-            <a:lvl9pPr indent="-355600" lvl="8" marL="4114800" algn="l">
+            <a:lvl9pPr marL="4114800" lvl="8" indent="-355600" algn="l">
               <a:spcBef>
                 <a:spcPts val="400"/>
               </a:spcBef>
@@ -7656,15 +7858,19 @@
               <a:defRPr sz="2000"/>
             </a:lvl9pPr>
           </a:lstStyle>
-          <a:p/>
+          <a:p>
+            <a:endParaRPr/>
+          </a:p>
         </p:txBody>
       </p:sp>
       <p:sp>
         <p:nvSpPr>
           <p:cNvPr id="57" name="Google Shape;57;p12"/>
-          <p:cNvSpPr txBox="1"/>
+          <p:cNvSpPr txBox="1">
+            <a:spLocks noGrp="1"/>
+          </p:cNvSpPr>
           <p:nvPr>
-            <p:ph idx="2" type="body"/>
+            <p:ph type="body" idx="2"/>
           </p:nvPr>
         </p:nvSpPr>
         <p:spPr>
@@ -7681,11 +7887,11 @@
           </a:ln>
         </p:spPr>
         <p:txBody>
-          <a:bodyPr anchorCtr="0" anchor="t" bIns="45700" lIns="91425" spcFirstLastPara="1" rIns="91425" wrap="square" tIns="45700">
+          <a:bodyPr spcFirstLastPara="1" wrap="square" lIns="91425" tIns="45700" rIns="91425" bIns="45700" anchor="t" anchorCtr="0">
             <a:normAutofit/>
           </a:bodyPr>
           <a:lstStyle>
-            <a:lvl1pPr indent="-228600" lvl="0" marL="457200" algn="l">
+            <a:lvl1pPr marL="457200" lvl="0" indent="-228600" algn="l">
               <a:spcBef>
                 <a:spcPts val="280"/>
               </a:spcBef>
@@ -7699,7 +7905,7 @@
               <a:buNone/>
               <a:defRPr sz="1400"/>
             </a:lvl1pPr>
-            <a:lvl2pPr indent="-228600" lvl="1" marL="914400" algn="l">
+            <a:lvl2pPr marL="914400" lvl="1" indent="-228600" algn="l">
               <a:spcBef>
                 <a:spcPts val="240"/>
               </a:spcBef>
@@ -7713,7 +7919,7 @@
               <a:buNone/>
               <a:defRPr sz="1200"/>
             </a:lvl2pPr>
-            <a:lvl3pPr indent="-228600" lvl="2" marL="1371600" algn="l">
+            <a:lvl3pPr marL="1371600" lvl="2" indent="-228600" algn="l">
               <a:spcBef>
                 <a:spcPts val="200"/>
               </a:spcBef>
@@ -7727,7 +7933,7 @@
               <a:buNone/>
               <a:defRPr sz="1000"/>
             </a:lvl3pPr>
-            <a:lvl4pPr indent="-228600" lvl="3" marL="1828800" algn="l">
+            <a:lvl4pPr marL="1828800" lvl="3" indent="-228600" algn="l">
               <a:spcBef>
                 <a:spcPts val="180"/>
               </a:spcBef>
@@ -7741,7 +7947,7 @@
               <a:buNone/>
               <a:defRPr sz="900"/>
             </a:lvl4pPr>
-            <a:lvl5pPr indent="-228600" lvl="4" marL="2286000" algn="l">
+            <a:lvl5pPr marL="2286000" lvl="4" indent="-228600" algn="l">
               <a:spcBef>
                 <a:spcPts val="180"/>
               </a:spcBef>
@@ -7755,7 +7961,7 @@
               <a:buNone/>
               <a:defRPr sz="900"/>
             </a:lvl5pPr>
-            <a:lvl6pPr indent="-228600" lvl="5" marL="2743200" algn="l">
+            <a:lvl6pPr marL="2743200" lvl="5" indent="-228600" algn="l">
               <a:spcBef>
                 <a:spcPts val="180"/>
               </a:spcBef>
@@ -7769,7 +7975,7 @@
               <a:buNone/>
               <a:defRPr sz="900"/>
             </a:lvl6pPr>
-            <a:lvl7pPr indent="-228600" lvl="6" marL="3200400" algn="l">
+            <a:lvl7pPr marL="3200400" lvl="6" indent="-228600" algn="l">
               <a:spcBef>
                 <a:spcPts val="180"/>
               </a:spcBef>
@@ -7783,7 +7989,7 @@
               <a:buNone/>
               <a:defRPr sz="900"/>
             </a:lvl7pPr>
-            <a:lvl8pPr indent="-228600" lvl="7" marL="3657600" algn="l">
+            <a:lvl8pPr marL="3657600" lvl="7" indent="-228600" algn="l">
               <a:spcBef>
                 <a:spcPts val="180"/>
               </a:spcBef>
@@ -7797,7 +8003,7 @@
               <a:buNone/>
               <a:defRPr sz="900"/>
             </a:lvl8pPr>
-            <a:lvl9pPr indent="-228600" lvl="8" marL="4114800" algn="l">
+            <a:lvl9pPr marL="4114800" lvl="8" indent="-228600" algn="l">
               <a:spcBef>
                 <a:spcPts val="180"/>
               </a:spcBef>
@@ -7812,15 +8018,19 @@
               <a:defRPr sz="900"/>
             </a:lvl9pPr>
           </a:lstStyle>
-          <a:p/>
+          <a:p>
+            <a:endParaRPr/>
+          </a:p>
         </p:txBody>
       </p:sp>
       <p:sp>
         <p:nvSpPr>
           <p:cNvPr id="58" name="Google Shape;58;p12"/>
-          <p:cNvSpPr txBox="1"/>
+          <p:cNvSpPr txBox="1">
+            <a:spLocks noGrp="1"/>
+          </p:cNvSpPr>
           <p:nvPr>
-            <p:ph idx="10" type="dt"/>
+            <p:ph type="dt" idx="10"/>
           </p:nvPr>
         </p:nvSpPr>
         <p:spPr>
@@ -7837,7 +8047,7 @@
           </a:ln>
         </p:spPr>
         <p:txBody>
-          <a:bodyPr anchorCtr="0" anchor="ctr" bIns="45700" lIns="91425" spcFirstLastPara="1" rIns="91425" wrap="square" tIns="45700">
+          <a:bodyPr spcFirstLastPara="1" wrap="square" lIns="91425" tIns="45700" rIns="91425" bIns="45700" anchor="ctr" anchorCtr="0">
             <a:noAutofit/>
           </a:bodyPr>
           <a:lstStyle>
@@ -7941,15 +8151,19 @@
               <a:defRPr/>
             </a:lvl9pPr>
           </a:lstStyle>
-          <a:p/>
+          <a:p>
+            <a:endParaRPr/>
+          </a:p>
         </p:txBody>
       </p:sp>
       <p:sp>
         <p:nvSpPr>
           <p:cNvPr id="59" name="Google Shape;59;p12"/>
-          <p:cNvSpPr txBox="1"/>
+          <p:cNvSpPr txBox="1">
+            <a:spLocks noGrp="1"/>
+          </p:cNvSpPr>
           <p:nvPr>
-            <p:ph idx="11" type="ftr"/>
+            <p:ph type="ftr" idx="11"/>
           </p:nvPr>
         </p:nvSpPr>
         <p:spPr>
@@ -7966,7 +8180,7 @@
           </a:ln>
         </p:spPr>
         <p:txBody>
-          <a:bodyPr anchorCtr="0" anchor="ctr" bIns="45700" lIns="91425" spcFirstLastPara="1" rIns="91425" wrap="square" tIns="45700">
+          <a:bodyPr spcFirstLastPara="1" wrap="square" lIns="91425" tIns="45700" rIns="91425" bIns="45700" anchor="ctr" anchorCtr="0">
             <a:noAutofit/>
           </a:bodyPr>
           <a:lstStyle>
@@ -8070,15 +8284,19 @@
               <a:defRPr/>
             </a:lvl9pPr>
           </a:lstStyle>
-          <a:p/>
+          <a:p>
+            <a:endParaRPr/>
+          </a:p>
         </p:txBody>
       </p:sp>
       <p:sp>
         <p:nvSpPr>
           <p:cNvPr id="60" name="Google Shape;60;p12"/>
-          <p:cNvSpPr txBox="1"/>
+          <p:cNvSpPr txBox="1">
+            <a:spLocks noGrp="1"/>
+          </p:cNvSpPr>
           <p:nvPr>
-            <p:ph idx="12" type="sldNum"/>
+            <p:ph type="sldNum" idx="12"/>
           </p:nvPr>
         </p:nvSpPr>
         <p:spPr>
@@ -8095,67 +8313,67 @@
           </a:ln>
         </p:spPr>
         <p:txBody>
-          <a:bodyPr anchorCtr="0" anchor="ctr" bIns="45700" lIns="91425" spcFirstLastPara="1" rIns="91425" wrap="square" tIns="45700">
+          <a:bodyPr spcFirstLastPara="1" wrap="square" lIns="91425" tIns="45700" rIns="91425" bIns="45700" anchor="ctr" anchorCtr="0">
             <a:noAutofit/>
           </a:bodyPr>
           <a:lstStyle>
-            <a:lvl1pPr indent="0" lvl="0" marL="0" algn="r">
+            <a:lvl1pPr marL="0" lvl="0" indent="0" algn="r">
               <a:spcBef>
                 <a:spcPts val="0"/>
               </a:spcBef>
               <a:buNone/>
               <a:defRPr/>
             </a:lvl1pPr>
-            <a:lvl2pPr indent="0" lvl="1" marL="0" algn="r">
+            <a:lvl2pPr marL="0" lvl="1" indent="0" algn="r">
               <a:spcBef>
                 <a:spcPts val="0"/>
               </a:spcBef>
               <a:buNone/>
               <a:defRPr/>
             </a:lvl2pPr>
-            <a:lvl3pPr indent="0" lvl="2" marL="0" algn="r">
+            <a:lvl3pPr marL="0" lvl="2" indent="0" algn="r">
               <a:spcBef>
                 <a:spcPts val="0"/>
               </a:spcBef>
               <a:buNone/>
               <a:defRPr/>
             </a:lvl3pPr>
-            <a:lvl4pPr indent="0" lvl="3" marL="0" algn="r">
+            <a:lvl4pPr marL="0" lvl="3" indent="0" algn="r">
               <a:spcBef>
                 <a:spcPts val="0"/>
               </a:spcBef>
               <a:buNone/>
               <a:defRPr/>
             </a:lvl4pPr>
-            <a:lvl5pPr indent="0" lvl="4" marL="0" algn="r">
+            <a:lvl5pPr marL="0" lvl="4" indent="0" algn="r">
               <a:spcBef>
                 <a:spcPts val="0"/>
               </a:spcBef>
               <a:buNone/>
               <a:defRPr/>
             </a:lvl5pPr>
-            <a:lvl6pPr indent="0" lvl="5" marL="0" algn="r">
+            <a:lvl6pPr marL="0" lvl="5" indent="0" algn="r">
               <a:spcBef>
                 <a:spcPts val="0"/>
               </a:spcBef>
               <a:buNone/>
               <a:defRPr/>
             </a:lvl6pPr>
-            <a:lvl7pPr indent="0" lvl="6" marL="0" algn="r">
+            <a:lvl7pPr marL="0" lvl="6" indent="0" algn="r">
               <a:spcBef>
                 <a:spcPts val="0"/>
               </a:spcBef>
               <a:buNone/>
               <a:defRPr/>
             </a:lvl7pPr>
-            <a:lvl8pPr indent="0" lvl="7" marL="0" algn="r">
+            <a:lvl8pPr marL="0" lvl="7" indent="0" algn="r">
               <a:spcBef>
                 <a:spcPts val="0"/>
               </a:spcBef>
               <a:buNone/>
               <a:defRPr/>
             </a:lvl8pPr>
-            <a:lvl9pPr indent="0" lvl="8" marL="0" algn="r">
+            <a:lvl9pPr marL="0" lvl="8" indent="0" algn="r">
               <a:spcBef>
                 <a:spcPts val="0"/>
               </a:spcBef>
@@ -8164,7 +8382,7 @@
             </a:lvl9pPr>
           </a:lstStyle>
           <a:p>
-            <a:pPr indent="0" lvl="0" marL="0" rtl="0" algn="r">
+            <a:pPr marL="0" lvl="0" indent="0" algn="r" rtl="0">
               <a:spcBef>
                 <a:spcPts val="0"/>
               </a:spcBef>
@@ -8190,11 +8408,11 @@
 </file>
 
 <file path=ppt/slideLayouts/slideLayout9.xml><?xml version="1.0" encoding="utf-8"?>
-<p:sldLayout xmlns:a="http://schemas.openxmlformats.org/drawingml/2006/main" xmlns:r="http://schemas.openxmlformats.org/officeDocument/2006/relationships" xmlns:mc="http://schemas.openxmlformats.org/markup-compatibility/2006" xmlns:mv="urn:schemas-microsoft-com:mac:vml" xmlns:p="http://schemas.openxmlformats.org/presentationml/2006/main" xmlns:c="http://schemas.openxmlformats.org/drawingml/2006/chart" xmlns:dgm="http://schemas.openxmlformats.org/drawingml/2006/diagram" xmlns:o="urn:schemas-microsoft-com:office:office" xmlns:v="urn:schemas-microsoft-com:vml" xmlns:pvml="urn:schemas-microsoft-com:office:powerpoint" xmlns:com="http://schemas.openxmlformats.org/drawingml/2006/compatibility" xmlns:p14="http://schemas.microsoft.com/office/powerpoint/2010/main" xmlns:p15="http://schemas.microsoft.com/office/powerpoint/2012/main" xmlns:ahyp="http://schemas.microsoft.com/office/drawing/2018/hyperlinkcolor" matchingName="Picture with Caption" type="picTx">
+<p:sldLayout xmlns:a="http://schemas.openxmlformats.org/drawingml/2006/main" xmlns:r="http://schemas.openxmlformats.org/officeDocument/2006/relationships" xmlns:p="http://schemas.openxmlformats.org/presentationml/2006/main" matchingName="Picture with Caption" type="picTx">
   <p:cSld name="PICTURE_WITH_CAPTION_TEXT">
     <p:spTree>
       <p:nvGrpSpPr>
-        <p:cNvPr id="61" name="Shape 61"/>
+        <p:cNvPr id="1" name="Shape 61"/>
         <p:cNvGrpSpPr/>
         <p:nvPr/>
       </p:nvGrpSpPr>
@@ -8209,7 +8427,9 @@
       <p:sp>
         <p:nvSpPr>
           <p:cNvPr id="62" name="Google Shape;62;p13"/>
-          <p:cNvSpPr txBox="1"/>
+          <p:cNvSpPr txBox="1">
+            <a:spLocks noGrp="1"/>
+          </p:cNvSpPr>
           <p:nvPr>
             <p:ph type="title"/>
           </p:nvPr>
@@ -8228,7 +8448,7 @@
           </a:ln>
         </p:spPr>
         <p:txBody>
-          <a:bodyPr anchorCtr="0" anchor="b" bIns="45700" lIns="91425" spcFirstLastPara="1" rIns="91425" wrap="square" tIns="45700">
+          <a:bodyPr spcFirstLastPara="1" wrap="square" lIns="91425" tIns="45700" rIns="91425" bIns="45700" anchor="b" anchorCtr="0">
             <a:normAutofit/>
           </a:bodyPr>
           <a:lstStyle>
@@ -8245,7 +8465,7 @@
               <a:buSzPts val="2000"/>
               <a:buFont typeface="Calibri"/>
               <a:buNone/>
-              <a:defRPr b="1" sz="2000"/>
+              <a:defRPr sz="2000" b="1"/>
             </a:lvl1pPr>
             <a:lvl2pPr lvl="1">
               <a:spcBef>
@@ -8336,15 +8556,19 @@
               <a:defRPr/>
             </a:lvl9pPr>
           </a:lstStyle>
-          <a:p/>
+          <a:p>
+            <a:endParaRPr/>
+          </a:p>
         </p:txBody>
       </p:sp>
       <p:sp>
         <p:nvSpPr>
           <p:cNvPr id="63" name="Google Shape;63;p13"/>
-          <p:cNvSpPr/>
+          <p:cNvSpPr>
+            <a:spLocks noGrp="1"/>
+          </p:cNvSpPr>
           <p:nvPr>
-            <p:ph idx="2" type="pic"/>
+            <p:ph type="pic" idx="2"/>
           </p:nvPr>
         </p:nvSpPr>
         <p:spPr>
@@ -8364,9 +8588,11 @@
       <p:sp>
         <p:nvSpPr>
           <p:cNvPr id="64" name="Google Shape;64;p13"/>
-          <p:cNvSpPr txBox="1"/>
+          <p:cNvSpPr txBox="1">
+            <a:spLocks noGrp="1"/>
+          </p:cNvSpPr>
           <p:nvPr>
-            <p:ph idx="1" type="body"/>
+            <p:ph type="body" idx="1"/>
           </p:nvPr>
         </p:nvSpPr>
         <p:spPr>
@@ -8383,11 +8609,11 @@
           </a:ln>
         </p:spPr>
         <p:txBody>
-          <a:bodyPr anchorCtr="0" anchor="t" bIns="45700" lIns="91425" spcFirstLastPara="1" rIns="91425" wrap="square" tIns="45700">
+          <a:bodyPr spcFirstLastPara="1" wrap="square" lIns="91425" tIns="45700" rIns="91425" bIns="45700" anchor="t" anchorCtr="0">
             <a:normAutofit/>
           </a:bodyPr>
           <a:lstStyle>
-            <a:lvl1pPr indent="-228600" lvl="0" marL="457200" algn="l">
+            <a:lvl1pPr marL="457200" lvl="0" indent="-228600" algn="l">
               <a:spcBef>
                 <a:spcPts val="280"/>
               </a:spcBef>
@@ -8401,7 +8627,7 @@
               <a:buNone/>
               <a:defRPr sz="1400"/>
             </a:lvl1pPr>
-            <a:lvl2pPr indent="-228600" lvl="1" marL="914400" algn="l">
+            <a:lvl2pPr marL="914400" lvl="1" indent="-228600" algn="l">
               <a:spcBef>
                 <a:spcPts val="240"/>
               </a:spcBef>
@@ -8415,7 +8641,7 @@
               <a:buNone/>
               <a:defRPr sz="1200"/>
             </a:lvl2pPr>
-            <a:lvl3pPr indent="-228600" lvl="2" marL="1371600" algn="l">
+            <a:lvl3pPr marL="1371600" lvl="2" indent="-228600" algn="l">
               <a:spcBef>
                 <a:spcPts val="200"/>
               </a:spcBef>
@@ -8429,7 +8655,7 @@
               <a:buNone/>
               <a:defRPr sz="1000"/>
             </a:lvl3pPr>
-            <a:lvl4pPr indent="-228600" lvl="3" marL="1828800" algn="l">
+            <a:lvl4pPr marL="1828800" lvl="3" indent="-228600" algn="l">
               <a:spcBef>
                 <a:spcPts val="180"/>
               </a:spcBef>
@@ -8443,7 +8669,7 @@
               <a:buNone/>
               <a:defRPr sz="900"/>
             </a:lvl4pPr>
-            <a:lvl5pPr indent="-228600" lvl="4" marL="2286000" algn="l">
+            <a:lvl5pPr marL="2286000" lvl="4" indent="-228600" algn="l">
               <a:spcBef>
                 <a:spcPts val="180"/>
               </a:spcBef>
@@ -8457,7 +8683,7 @@
               <a:buNone/>
               <a:defRPr sz="900"/>
             </a:lvl5pPr>
-            <a:lvl6pPr indent="-228600" lvl="5" marL="2743200" algn="l">
+            <a:lvl6pPr marL="2743200" lvl="5" indent="-228600" algn="l">
               <a:spcBef>
                 <a:spcPts val="180"/>
               </a:spcBef>
@@ -8471,7 +8697,7 @@
               <a:buNone/>
               <a:defRPr sz="900"/>
             </a:lvl6pPr>
-            <a:lvl7pPr indent="-228600" lvl="6" marL="3200400" algn="l">
+            <a:lvl7pPr marL="3200400" lvl="6" indent="-228600" algn="l">
               <a:spcBef>
                 <a:spcPts val="180"/>
               </a:spcBef>
@@ -8485,7 +8711,7 @@
               <a:buNone/>
               <a:defRPr sz="900"/>
             </a:lvl7pPr>
-            <a:lvl8pPr indent="-228600" lvl="7" marL="3657600" algn="l">
+            <a:lvl8pPr marL="3657600" lvl="7" indent="-228600" algn="l">
               <a:spcBef>
                 <a:spcPts val="180"/>
               </a:spcBef>
@@ -8499,7 +8725,7 @@
               <a:buNone/>
               <a:defRPr sz="900"/>
             </a:lvl8pPr>
-            <a:lvl9pPr indent="-228600" lvl="8" marL="4114800" algn="l">
+            <a:lvl9pPr marL="4114800" lvl="8" indent="-228600" algn="l">
               <a:spcBef>
                 <a:spcPts val="180"/>
               </a:spcBef>
@@ -8514,15 +8740,19 @@
               <a:defRPr sz="900"/>
             </a:lvl9pPr>
           </a:lstStyle>
-          <a:p/>
+          <a:p>
+            <a:endParaRPr/>
+          </a:p>
         </p:txBody>
       </p:sp>
       <p:sp>
         <p:nvSpPr>
           <p:cNvPr id="65" name="Google Shape;65;p13"/>
-          <p:cNvSpPr txBox="1"/>
+          <p:cNvSpPr txBox="1">
+            <a:spLocks noGrp="1"/>
+          </p:cNvSpPr>
           <p:nvPr>
-            <p:ph idx="10" type="dt"/>
+            <p:ph type="dt" idx="10"/>
           </p:nvPr>
         </p:nvSpPr>
         <p:spPr>
@@ -8539,7 +8769,7 @@
           </a:ln>
         </p:spPr>
         <p:txBody>
-          <a:bodyPr anchorCtr="0" anchor="ctr" bIns="45700" lIns="91425" spcFirstLastPara="1" rIns="91425" wrap="square" tIns="45700">
+          <a:bodyPr spcFirstLastPara="1" wrap="square" lIns="91425" tIns="45700" rIns="91425" bIns="45700" anchor="ctr" anchorCtr="0">
             <a:noAutofit/>
           </a:bodyPr>
           <a:lstStyle>
@@ -8643,15 +8873,19 @@
               <a:defRPr/>
             </a:lvl9pPr>
           </a:lstStyle>
-          <a:p/>
+          <a:p>
+            <a:endParaRPr/>
+          </a:p>
         </p:txBody>
       </p:sp>
       <p:sp>
         <p:nvSpPr>
           <p:cNvPr id="66" name="Google Shape;66;p13"/>
-          <p:cNvSpPr txBox="1"/>
+          <p:cNvSpPr txBox="1">
+            <a:spLocks noGrp="1"/>
+          </p:cNvSpPr>
           <p:nvPr>
-            <p:ph idx="11" type="ftr"/>
+            <p:ph type="ftr" idx="11"/>
           </p:nvPr>
         </p:nvSpPr>
         <p:spPr>
@@ -8668,7 +8902,7 @@
           </a:ln>
         </p:spPr>
         <p:txBody>
-          <a:bodyPr anchorCtr="0" anchor="ctr" bIns="45700" lIns="91425" spcFirstLastPara="1" rIns="91425" wrap="square" tIns="45700">
+          <a:bodyPr spcFirstLastPara="1" wrap="square" lIns="91425" tIns="45700" rIns="91425" bIns="45700" anchor="ctr" anchorCtr="0">
             <a:noAutofit/>
           </a:bodyPr>
           <a:lstStyle>
@@ -8772,15 +9006,19 @@
               <a:defRPr/>
             </a:lvl9pPr>
           </a:lstStyle>
-          <a:p/>
+          <a:p>
+            <a:endParaRPr/>
+          </a:p>
         </p:txBody>
       </p:sp>
       <p:sp>
         <p:nvSpPr>
           <p:cNvPr id="67" name="Google Shape;67;p13"/>
-          <p:cNvSpPr txBox="1"/>
+          <p:cNvSpPr txBox="1">
+            <a:spLocks noGrp="1"/>
+          </p:cNvSpPr>
           <p:nvPr>
-            <p:ph idx="12" type="sldNum"/>
+            <p:ph type="sldNum" idx="12"/>
           </p:nvPr>
         </p:nvSpPr>
         <p:spPr>
@@ -8797,67 +9035,67 @@
           </a:ln>
         </p:spPr>
         <p:txBody>
-          <a:bodyPr anchorCtr="0" anchor="ctr" bIns="45700" lIns="91425" spcFirstLastPara="1" rIns="91425" wrap="square" tIns="45700">
+          <a:bodyPr spcFirstLastPara="1" wrap="square" lIns="91425" tIns="45700" rIns="91425" bIns="45700" anchor="ctr" anchorCtr="0">
             <a:noAutofit/>
           </a:bodyPr>
           <a:lstStyle>
-            <a:lvl1pPr indent="0" lvl="0" marL="0" algn="r">
+            <a:lvl1pPr marL="0" lvl="0" indent="0" algn="r">
               <a:spcBef>
                 <a:spcPts val="0"/>
               </a:spcBef>
               <a:buNone/>
               <a:defRPr/>
             </a:lvl1pPr>
-            <a:lvl2pPr indent="0" lvl="1" marL="0" algn="r">
+            <a:lvl2pPr marL="0" lvl="1" indent="0" algn="r">
               <a:spcBef>
                 <a:spcPts val="0"/>
               </a:spcBef>
               <a:buNone/>
               <a:defRPr/>
             </a:lvl2pPr>
-            <a:lvl3pPr indent="0" lvl="2" marL="0" algn="r">
+            <a:lvl3pPr marL="0" lvl="2" indent="0" algn="r">
               <a:spcBef>
                 <a:spcPts val="0"/>
               </a:spcBef>
               <a:buNone/>
               <a:defRPr/>
             </a:lvl3pPr>
-            <a:lvl4pPr indent="0" lvl="3" marL="0" algn="r">
+            <a:lvl4pPr marL="0" lvl="3" indent="0" algn="r">
               <a:spcBef>
                 <a:spcPts val="0"/>
               </a:spcBef>
               <a:buNone/>
               <a:defRPr/>
             </a:lvl4pPr>
-            <a:lvl5pPr indent="0" lvl="4" marL="0" algn="r">
+            <a:lvl5pPr marL="0" lvl="4" indent="0" algn="r">
               <a:spcBef>
                 <a:spcPts val="0"/>
               </a:spcBef>
               <a:buNone/>
               <a:defRPr/>
             </a:lvl5pPr>
-            <a:lvl6pPr indent="0" lvl="5" marL="0" algn="r">
+            <a:lvl6pPr marL="0" lvl="5" indent="0" algn="r">
               <a:spcBef>
                 <a:spcPts val="0"/>
               </a:spcBef>
               <a:buNone/>
               <a:defRPr/>
             </a:lvl6pPr>
-            <a:lvl7pPr indent="0" lvl="6" marL="0" algn="r">
+            <a:lvl7pPr marL="0" lvl="6" indent="0" algn="r">
               <a:spcBef>
                 <a:spcPts val="0"/>
               </a:spcBef>
               <a:buNone/>
               <a:defRPr/>
             </a:lvl7pPr>
-            <a:lvl8pPr indent="0" lvl="7" marL="0" algn="r">
+            <a:lvl8pPr marL="0" lvl="7" indent="0" algn="r">
               <a:spcBef>
                 <a:spcPts val="0"/>
               </a:spcBef>
               <a:buNone/>
               <a:defRPr/>
             </a:lvl8pPr>
-            <a:lvl9pPr indent="0" lvl="8" marL="0" algn="r">
+            <a:lvl9pPr marL="0" lvl="8" indent="0" algn="r">
               <a:spcBef>
                 <a:spcPts val="0"/>
               </a:spcBef>
@@ -8866,7 +9104,7 @@
             </a:lvl9pPr>
           </a:lstStyle>
           <a:p>
-            <a:pPr indent="0" lvl="0" marL="0" rtl="0" algn="r">
+            <a:pPr marL="0" lvl="0" indent="0" algn="r" rtl="0">
               <a:spcBef>
                 <a:spcPts val="0"/>
               </a:spcBef>
@@ -8892,18 +9130,19 @@
 </file>
 
 <file path=ppt/slideMasters/slideMaster1.xml><?xml version="1.0" encoding="utf-8"?>
-<p:sldMaster xmlns:a="http://schemas.openxmlformats.org/drawingml/2006/main" xmlns:r="http://schemas.openxmlformats.org/officeDocument/2006/relationships" xmlns:mc="http://schemas.openxmlformats.org/markup-compatibility/2006" xmlns:mv="urn:schemas-microsoft-com:mac:vml" xmlns:p="http://schemas.openxmlformats.org/presentationml/2006/main" xmlns:c="http://schemas.openxmlformats.org/drawingml/2006/chart" xmlns:dgm="http://schemas.openxmlformats.org/drawingml/2006/diagram" xmlns:o="urn:schemas-microsoft-com:office:office" xmlns:v="urn:schemas-microsoft-com:vml" xmlns:pvml="urn:schemas-microsoft-com:office:powerpoint" xmlns:com="http://schemas.openxmlformats.org/drawingml/2006/compatibility" xmlns:p14="http://schemas.microsoft.com/office/powerpoint/2010/main" xmlns:p15="http://schemas.microsoft.com/office/powerpoint/2012/main" xmlns:ahyp="http://schemas.microsoft.com/office/drawing/2018/hyperlinkcolor">
+<p:sldMaster xmlns:a="http://schemas.openxmlformats.org/drawingml/2006/main" xmlns:r="http://schemas.openxmlformats.org/officeDocument/2006/relationships" xmlns:p="http://schemas.openxmlformats.org/presentationml/2006/main">
   <p:cSld>
     <p:bg>
       <p:bgPr>
         <a:solidFill>
           <a:schemeClr val="lt1"/>
         </a:solidFill>
+        <a:effectLst/>
       </p:bgPr>
     </p:bg>
     <p:spTree>
       <p:nvGrpSpPr>
-        <p:cNvPr id="5" name="Shape 5"/>
+        <p:cNvPr id="1" name="Shape 5"/>
         <p:cNvGrpSpPr/>
         <p:nvPr/>
       </p:nvGrpSpPr>
@@ -8918,7 +9157,9 @@
       <p:sp>
         <p:nvSpPr>
           <p:cNvPr id="6" name="Google Shape;6;p4"/>
-          <p:cNvSpPr txBox="1"/>
+          <p:cNvSpPr txBox="1">
+            <a:spLocks noGrp="1"/>
+          </p:cNvSpPr>
           <p:nvPr>
             <p:ph type="title"/>
           </p:nvPr>
@@ -8937,11 +9178,11 @@
           </a:ln>
         </p:spPr>
         <p:txBody>
-          <a:bodyPr anchorCtr="0" anchor="ctr" bIns="45700" lIns="91425" spcFirstLastPara="1" rIns="91425" wrap="square" tIns="45700">
+          <a:bodyPr spcFirstLastPara="1" wrap="square" lIns="91425" tIns="45700" rIns="91425" bIns="45700" anchor="ctr" anchorCtr="0">
             <a:normAutofit/>
           </a:bodyPr>
           <a:lstStyle>
-            <a:lvl1pPr lvl="0" marR="0" rtl="0" algn="ctr">
+            <a:lvl1pPr marR="0" lvl="0" algn="ctr" rtl="0">
               <a:spcBef>
                 <a:spcPts val="0"/>
               </a:spcBef>
@@ -8954,7 +9195,7 @@
               <a:buSzPts val="4400"/>
               <a:buFont typeface="Calibri"/>
               <a:buNone/>
-              <a:defRPr b="0" i="0" sz="4400" u="none" cap="none" strike="noStrike">
+              <a:defRPr sz="4400" b="0" i="0" u="none" strike="noStrike" cap="none">
                 <a:solidFill>
                   <a:schemeClr val="dk1"/>
                 </a:solidFill>
@@ -9053,15 +9294,19 @@
               <a:defRPr sz="1800"/>
             </a:lvl9pPr>
           </a:lstStyle>
-          <a:p/>
+          <a:p>
+            <a:endParaRPr/>
+          </a:p>
         </p:txBody>
       </p:sp>
       <p:sp>
         <p:nvSpPr>
           <p:cNvPr id="7" name="Google Shape;7;p4"/>
-          <p:cNvSpPr txBox="1"/>
+          <p:cNvSpPr txBox="1">
+            <a:spLocks noGrp="1"/>
+          </p:cNvSpPr>
           <p:nvPr>
-            <p:ph idx="1" type="body"/>
+            <p:ph type="body" idx="1"/>
           </p:nvPr>
         </p:nvSpPr>
         <p:spPr>
@@ -9078,11 +9323,11 @@
           </a:ln>
         </p:spPr>
         <p:txBody>
-          <a:bodyPr anchorCtr="0" anchor="t" bIns="45700" lIns="91425" spcFirstLastPara="1" rIns="91425" wrap="square" tIns="45700">
+          <a:bodyPr spcFirstLastPara="1" wrap="square" lIns="91425" tIns="45700" rIns="91425" bIns="45700" anchor="t" anchorCtr="0">
             <a:normAutofit/>
           </a:bodyPr>
           <a:lstStyle>
-            <a:lvl1pPr indent="-431800" lvl="0" marL="457200" marR="0" rtl="0" algn="l">
+            <a:lvl1pPr marL="457200" marR="0" lvl="0" indent="-431800" algn="l" rtl="0">
               <a:spcBef>
                 <a:spcPts val="640"/>
               </a:spcBef>
@@ -9095,7 +9340,7 @@
               <a:buSzPts val="3200"/>
               <a:buFont typeface="Arial"/>
               <a:buChar char="•"/>
-              <a:defRPr b="0" i="0" sz="3200" u="none" cap="none" strike="noStrike">
+              <a:defRPr sz="3200" b="0" i="0" u="none" strike="noStrike" cap="none">
                 <a:solidFill>
                   <a:schemeClr val="dk1"/>
                 </a:solidFill>
@@ -9105,7 +9350,7 @@
                 <a:sym typeface="Calibri"/>
               </a:defRPr>
             </a:lvl1pPr>
-            <a:lvl2pPr indent="-406400" lvl="1" marL="914400" marR="0" rtl="0" algn="l">
+            <a:lvl2pPr marL="914400" marR="0" lvl="1" indent="-406400" algn="l" rtl="0">
               <a:spcBef>
                 <a:spcPts val="560"/>
               </a:spcBef>
@@ -9118,7 +9363,7 @@
               <a:buSzPts val="2800"/>
               <a:buFont typeface="Arial"/>
               <a:buChar char="–"/>
-              <a:defRPr b="0" i="0" sz="2800" u="none" cap="none" strike="noStrike">
+              <a:defRPr sz="2800" b="0" i="0" u="none" strike="noStrike" cap="none">
                 <a:solidFill>
                   <a:schemeClr val="dk1"/>
                 </a:solidFill>
@@ -9128,7 +9373,7 @@
                 <a:sym typeface="Calibri"/>
               </a:defRPr>
             </a:lvl2pPr>
-            <a:lvl3pPr indent="-381000" lvl="2" marL="1371600" marR="0" rtl="0" algn="l">
+            <a:lvl3pPr marL="1371600" marR="0" lvl="2" indent="-381000" algn="l" rtl="0">
               <a:spcBef>
                 <a:spcPts val="480"/>
               </a:spcBef>
@@ -9141,7 +9386,7 @@
               <a:buSzPts val="2400"/>
               <a:buFont typeface="Arial"/>
               <a:buChar char="•"/>
-              <a:defRPr b="0" i="0" sz="2400" u="none" cap="none" strike="noStrike">
+              <a:defRPr sz="2400" b="0" i="0" u="none" strike="noStrike" cap="none">
                 <a:solidFill>
                   <a:schemeClr val="dk1"/>
                 </a:solidFill>
@@ -9151,7 +9396,7 @@
                 <a:sym typeface="Calibri"/>
               </a:defRPr>
             </a:lvl3pPr>
-            <a:lvl4pPr indent="-355600" lvl="3" marL="1828800" marR="0" rtl="0" algn="l">
+            <a:lvl4pPr marL="1828800" marR="0" lvl="3" indent="-355600" algn="l" rtl="0">
               <a:spcBef>
                 <a:spcPts val="400"/>
               </a:spcBef>
@@ -9164,7 +9409,7 @@
               <a:buSzPts val="2000"/>
               <a:buFont typeface="Arial"/>
               <a:buChar char="–"/>
-              <a:defRPr b="0" i="0" sz="2000" u="none" cap="none" strike="noStrike">
+              <a:defRPr sz="2000" b="0" i="0" u="none" strike="noStrike" cap="none">
                 <a:solidFill>
                   <a:schemeClr val="dk1"/>
                 </a:solidFill>
@@ -9174,7 +9419,7 @@
                 <a:sym typeface="Calibri"/>
               </a:defRPr>
             </a:lvl4pPr>
-            <a:lvl5pPr indent="-355600" lvl="4" marL="2286000" marR="0" rtl="0" algn="l">
+            <a:lvl5pPr marL="2286000" marR="0" lvl="4" indent="-355600" algn="l" rtl="0">
               <a:spcBef>
                 <a:spcPts val="400"/>
               </a:spcBef>
@@ -9187,7 +9432,7 @@
               <a:buSzPts val="2000"/>
               <a:buFont typeface="Arial"/>
               <a:buChar char="»"/>
-              <a:defRPr b="0" i="0" sz="2000" u="none" cap="none" strike="noStrike">
+              <a:defRPr sz="2000" b="0" i="0" u="none" strike="noStrike" cap="none">
                 <a:solidFill>
                   <a:schemeClr val="dk1"/>
                 </a:solidFill>
@@ -9197,7 +9442,7 @@
                 <a:sym typeface="Calibri"/>
               </a:defRPr>
             </a:lvl5pPr>
-            <a:lvl6pPr indent="-355600" lvl="5" marL="2743200" marR="0" rtl="0" algn="l">
+            <a:lvl6pPr marL="2743200" marR="0" lvl="5" indent="-355600" algn="l" rtl="0">
               <a:spcBef>
                 <a:spcPts val="400"/>
               </a:spcBef>
@@ -9210,7 +9455,7 @@
               <a:buSzPts val="2000"/>
               <a:buFont typeface="Arial"/>
               <a:buChar char="•"/>
-              <a:defRPr b="0" i="0" sz="2000" u="none" cap="none" strike="noStrike">
+              <a:defRPr sz="2000" b="0" i="0" u="none" strike="noStrike" cap="none">
                 <a:solidFill>
                   <a:schemeClr val="dk1"/>
                 </a:solidFill>
@@ -9220,7 +9465,7 @@
                 <a:sym typeface="Calibri"/>
               </a:defRPr>
             </a:lvl6pPr>
-            <a:lvl7pPr indent="-355600" lvl="6" marL="3200400" marR="0" rtl="0" algn="l">
+            <a:lvl7pPr marL="3200400" marR="0" lvl="6" indent="-355600" algn="l" rtl="0">
               <a:spcBef>
                 <a:spcPts val="400"/>
               </a:spcBef>
@@ -9233,7 +9478,7 @@
               <a:buSzPts val="2000"/>
               <a:buFont typeface="Arial"/>
               <a:buChar char="•"/>
-              <a:defRPr b="0" i="0" sz="2000" u="none" cap="none" strike="noStrike">
+              <a:defRPr sz="2000" b="0" i="0" u="none" strike="noStrike" cap="none">
                 <a:solidFill>
                   <a:schemeClr val="dk1"/>
                 </a:solidFill>
@@ -9243,7 +9488,7 @@
                 <a:sym typeface="Calibri"/>
               </a:defRPr>
             </a:lvl7pPr>
-            <a:lvl8pPr indent="-355600" lvl="7" marL="3657600" marR="0" rtl="0" algn="l">
+            <a:lvl8pPr marL="3657600" marR="0" lvl="7" indent="-355600" algn="l" rtl="0">
               <a:spcBef>
                 <a:spcPts val="400"/>
               </a:spcBef>
@@ -9256,7 +9501,7 @@
               <a:buSzPts val="2000"/>
               <a:buFont typeface="Arial"/>
               <a:buChar char="•"/>
-              <a:defRPr b="0" i="0" sz="2000" u="none" cap="none" strike="noStrike">
+              <a:defRPr sz="2000" b="0" i="0" u="none" strike="noStrike" cap="none">
                 <a:solidFill>
                   <a:schemeClr val="dk1"/>
                 </a:solidFill>
@@ -9266,7 +9511,7 @@
                 <a:sym typeface="Calibri"/>
               </a:defRPr>
             </a:lvl8pPr>
-            <a:lvl9pPr indent="-355600" lvl="8" marL="4114800" marR="0" rtl="0" algn="l">
+            <a:lvl9pPr marL="4114800" marR="0" lvl="8" indent="-355600" algn="l" rtl="0">
               <a:spcBef>
                 <a:spcPts val="400"/>
               </a:spcBef>
@@ -9279,7 +9524,7 @@
               <a:buSzPts val="2000"/>
               <a:buFont typeface="Arial"/>
               <a:buChar char="•"/>
-              <a:defRPr b="0" i="0" sz="2000" u="none" cap="none" strike="noStrike">
+              <a:defRPr sz="2000" b="0" i="0" u="none" strike="noStrike" cap="none">
                 <a:solidFill>
                   <a:schemeClr val="dk1"/>
                 </a:solidFill>
@@ -9290,15 +9535,19 @@
               </a:defRPr>
             </a:lvl9pPr>
           </a:lstStyle>
-          <a:p/>
+          <a:p>
+            <a:endParaRPr/>
+          </a:p>
         </p:txBody>
       </p:sp>
       <p:sp>
         <p:nvSpPr>
           <p:cNvPr id="8" name="Google Shape;8;p4"/>
-          <p:cNvSpPr txBox="1"/>
+          <p:cNvSpPr txBox="1">
+            <a:spLocks noGrp="1"/>
+          </p:cNvSpPr>
           <p:nvPr>
-            <p:ph idx="10" type="dt"/>
+            <p:ph type="dt" idx="10"/>
           </p:nvPr>
         </p:nvSpPr>
         <p:spPr>
@@ -9315,20 +9564,20 @@
           </a:ln>
         </p:spPr>
         <p:txBody>
-          <a:bodyPr anchorCtr="0" anchor="ctr" bIns="45700" lIns="91425" spcFirstLastPara="1" rIns="91425" wrap="square" tIns="45700">
+          <a:bodyPr spcFirstLastPara="1" wrap="square" lIns="91425" tIns="45700" rIns="91425" bIns="45700" anchor="ctr" anchorCtr="0">
             <a:noAutofit/>
           </a:bodyPr>
           <a:lstStyle>
-            <a:lvl1pPr lvl="0" marR="0" rtl="0" algn="l">
-              <a:spcBef>
-                <a:spcPts val="0"/>
-              </a:spcBef>
-              <a:spcAft>
-                <a:spcPts val="0"/>
-              </a:spcAft>
-              <a:buSzPts val="1400"/>
-              <a:buNone/>
-              <a:defRPr b="0" i="0" sz="1200" u="none" cap="none" strike="noStrike">
+            <a:lvl1pPr marR="0" lvl="0" algn="l" rtl="0">
+              <a:spcBef>
+                <a:spcPts val="0"/>
+              </a:spcBef>
+              <a:spcAft>
+                <a:spcPts val="0"/>
+              </a:spcAft>
+              <a:buSzPts val="1400"/>
+              <a:buNone/>
+              <a:defRPr sz="1200" b="0" i="0" u="none" strike="noStrike" cap="none">
                 <a:solidFill>
                   <a:srgbClr val="888888"/>
                 </a:solidFill>
@@ -9338,16 +9587,16 @@
                 <a:sym typeface="Calibri"/>
               </a:defRPr>
             </a:lvl1pPr>
-            <a:lvl2pPr lvl="1" marR="0" rtl="0" algn="l">
-              <a:spcBef>
-                <a:spcPts val="0"/>
-              </a:spcBef>
-              <a:spcAft>
-                <a:spcPts val="0"/>
-              </a:spcAft>
-              <a:buSzPts val="1400"/>
-              <a:buNone/>
-              <a:defRPr b="0" i="0" sz="1800" u="none" cap="none" strike="noStrike">
+            <a:lvl2pPr marR="0" lvl="1" algn="l" rtl="0">
+              <a:spcBef>
+                <a:spcPts val="0"/>
+              </a:spcBef>
+              <a:spcAft>
+                <a:spcPts val="0"/>
+              </a:spcAft>
+              <a:buSzPts val="1400"/>
+              <a:buNone/>
+              <a:defRPr sz="1800" b="0" i="0" u="none" strike="noStrike" cap="none">
                 <a:solidFill>
                   <a:schemeClr val="dk1"/>
                 </a:solidFill>
@@ -9357,16 +9606,16 @@
                 <a:sym typeface="Calibri"/>
               </a:defRPr>
             </a:lvl2pPr>
-            <a:lvl3pPr lvl="2" marR="0" rtl="0" algn="l">
-              <a:spcBef>
-                <a:spcPts val="0"/>
-              </a:spcBef>
-              <a:spcAft>
-                <a:spcPts val="0"/>
-              </a:spcAft>
-              <a:buSzPts val="1400"/>
-              <a:buNone/>
-              <a:defRPr b="0" i="0" sz="1800" u="none" cap="none" strike="noStrike">
+            <a:lvl3pPr marR="0" lvl="2" algn="l" rtl="0">
+              <a:spcBef>
+                <a:spcPts val="0"/>
+              </a:spcBef>
+              <a:spcAft>
+                <a:spcPts val="0"/>
+              </a:spcAft>
+              <a:buSzPts val="1400"/>
+              <a:buNone/>
+              <a:defRPr sz="1800" b="0" i="0" u="none" strike="noStrike" cap="none">
                 <a:solidFill>
                   <a:schemeClr val="dk1"/>
                 </a:solidFill>
@@ -9376,16 +9625,16 @@
                 <a:sym typeface="Calibri"/>
               </a:defRPr>
             </a:lvl3pPr>
-            <a:lvl4pPr lvl="3" marR="0" rtl="0" algn="l">
-              <a:spcBef>
-                <a:spcPts val="0"/>
-              </a:spcBef>
-              <a:spcAft>
-                <a:spcPts val="0"/>
-              </a:spcAft>
-              <a:buSzPts val="1400"/>
-              <a:buNone/>
-              <a:defRPr b="0" i="0" sz="1800" u="none" cap="none" strike="noStrike">
+            <a:lvl4pPr marR="0" lvl="3" algn="l" rtl="0">
+              <a:spcBef>
+                <a:spcPts val="0"/>
+              </a:spcBef>
+              <a:spcAft>
+                <a:spcPts val="0"/>
+              </a:spcAft>
+              <a:buSzPts val="1400"/>
+              <a:buNone/>
+              <a:defRPr sz="1800" b="0" i="0" u="none" strike="noStrike" cap="none">
                 <a:solidFill>
                   <a:schemeClr val="dk1"/>
                 </a:solidFill>
@@ -9395,16 +9644,16 @@
                 <a:sym typeface="Calibri"/>
               </a:defRPr>
             </a:lvl4pPr>
-            <a:lvl5pPr lvl="4" marR="0" rtl="0" algn="l">
-              <a:spcBef>
-                <a:spcPts val="0"/>
-              </a:spcBef>
-              <a:spcAft>
-                <a:spcPts val="0"/>
-              </a:spcAft>
-              <a:buSzPts val="1400"/>
-              <a:buNone/>
-              <a:defRPr b="0" i="0" sz="1800" u="none" cap="none" strike="noStrike">
+            <a:lvl5pPr marR="0" lvl="4" algn="l" rtl="0">
+              <a:spcBef>
+                <a:spcPts val="0"/>
+              </a:spcBef>
+              <a:spcAft>
+                <a:spcPts val="0"/>
+              </a:spcAft>
+              <a:buSzPts val="1400"/>
+              <a:buNone/>
+              <a:defRPr sz="1800" b="0" i="0" u="none" strike="noStrike" cap="none">
                 <a:solidFill>
                   <a:schemeClr val="dk1"/>
                 </a:solidFill>
@@ -9414,16 +9663,16 @@
                 <a:sym typeface="Calibri"/>
               </a:defRPr>
             </a:lvl5pPr>
-            <a:lvl6pPr lvl="5" marR="0" rtl="0" algn="l">
-              <a:spcBef>
-                <a:spcPts val="0"/>
-              </a:spcBef>
-              <a:spcAft>
-                <a:spcPts val="0"/>
-              </a:spcAft>
-              <a:buSzPts val="1400"/>
-              <a:buNone/>
-              <a:defRPr b="0" i="0" sz="1800" u="none" cap="none" strike="noStrike">
+            <a:lvl6pPr marR="0" lvl="5" algn="l" rtl="0">
+              <a:spcBef>
+                <a:spcPts val="0"/>
+              </a:spcBef>
+              <a:spcAft>
+                <a:spcPts val="0"/>
+              </a:spcAft>
+              <a:buSzPts val="1400"/>
+              <a:buNone/>
+              <a:defRPr sz="1800" b="0" i="0" u="none" strike="noStrike" cap="none">
                 <a:solidFill>
                   <a:schemeClr val="dk1"/>
                 </a:solidFill>
@@ -9433,16 +9682,16 @@
                 <a:sym typeface="Calibri"/>
               </a:defRPr>
             </a:lvl6pPr>
-            <a:lvl7pPr lvl="6" marR="0" rtl="0" algn="l">
-              <a:spcBef>
-                <a:spcPts val="0"/>
-              </a:spcBef>
-              <a:spcAft>
-                <a:spcPts val="0"/>
-              </a:spcAft>
-              <a:buSzPts val="1400"/>
-              <a:buNone/>
-              <a:defRPr b="0" i="0" sz="1800" u="none" cap="none" strike="noStrike">
+            <a:lvl7pPr marR="0" lvl="6" algn="l" rtl="0">
+              <a:spcBef>
+                <a:spcPts val="0"/>
+              </a:spcBef>
+              <a:spcAft>
+                <a:spcPts val="0"/>
+              </a:spcAft>
+              <a:buSzPts val="1400"/>
+              <a:buNone/>
+              <a:defRPr sz="1800" b="0" i="0" u="none" strike="noStrike" cap="none">
                 <a:solidFill>
                   <a:schemeClr val="dk1"/>
                 </a:solidFill>
@@ -9452,16 +9701,16 @@
                 <a:sym typeface="Calibri"/>
               </a:defRPr>
             </a:lvl7pPr>
-            <a:lvl8pPr lvl="7" marR="0" rtl="0" algn="l">
-              <a:spcBef>
-                <a:spcPts val="0"/>
-              </a:spcBef>
-              <a:spcAft>
-                <a:spcPts val="0"/>
-              </a:spcAft>
-              <a:buSzPts val="1400"/>
-              <a:buNone/>
-              <a:defRPr b="0" i="0" sz="1800" u="none" cap="none" strike="noStrike">
+            <a:lvl8pPr marR="0" lvl="7" algn="l" rtl="0">
+              <a:spcBef>
+                <a:spcPts val="0"/>
+              </a:spcBef>
+              <a:spcAft>
+                <a:spcPts val="0"/>
+              </a:spcAft>
+              <a:buSzPts val="1400"/>
+              <a:buNone/>
+              <a:defRPr sz="1800" b="0" i="0" u="none" strike="noStrike" cap="none">
                 <a:solidFill>
                   <a:schemeClr val="dk1"/>
                 </a:solidFill>
@@ -9471,16 +9720,16 @@
                 <a:sym typeface="Calibri"/>
               </a:defRPr>
             </a:lvl8pPr>
-            <a:lvl9pPr lvl="8" marR="0" rtl="0" algn="l">
-              <a:spcBef>
-                <a:spcPts val="0"/>
-              </a:spcBef>
-              <a:spcAft>
-                <a:spcPts val="0"/>
-              </a:spcAft>
-              <a:buSzPts val="1400"/>
-              <a:buNone/>
-              <a:defRPr b="0" i="0" sz="1800" u="none" cap="none" strike="noStrike">
+            <a:lvl9pPr marR="0" lvl="8" algn="l" rtl="0">
+              <a:spcBef>
+                <a:spcPts val="0"/>
+              </a:spcBef>
+              <a:spcAft>
+                <a:spcPts val="0"/>
+              </a:spcAft>
+              <a:buSzPts val="1400"/>
+              <a:buNone/>
+              <a:defRPr sz="1800" b="0" i="0" u="none" strike="noStrike" cap="none">
                 <a:solidFill>
                   <a:schemeClr val="dk1"/>
                 </a:solidFill>
@@ -9491,15 +9740,19 @@
               </a:defRPr>
             </a:lvl9pPr>
           </a:lstStyle>
-          <a:p/>
+          <a:p>
+            <a:endParaRPr/>
+          </a:p>
         </p:txBody>
       </p:sp>
       <p:sp>
         <p:nvSpPr>
           <p:cNvPr id="9" name="Google Shape;9;p4"/>
-          <p:cNvSpPr txBox="1"/>
+          <p:cNvSpPr txBox="1">
+            <a:spLocks noGrp="1"/>
+          </p:cNvSpPr>
           <p:nvPr>
-            <p:ph idx="11" type="ftr"/>
+            <p:ph type="ftr" idx="11"/>
           </p:nvPr>
         </p:nvSpPr>
         <p:spPr>
@@ -9516,20 +9769,20 @@
           </a:ln>
         </p:spPr>
         <p:txBody>
-          <a:bodyPr anchorCtr="0" anchor="ctr" bIns="45700" lIns="91425" spcFirstLastPara="1" rIns="91425" wrap="square" tIns="45700">
+          <a:bodyPr spcFirstLastPara="1" wrap="square" lIns="91425" tIns="45700" rIns="91425" bIns="45700" anchor="ctr" anchorCtr="0">
             <a:noAutofit/>
           </a:bodyPr>
           <a:lstStyle>
-            <a:lvl1pPr lvl="0" marR="0" rtl="0" algn="ctr">
-              <a:spcBef>
-                <a:spcPts val="0"/>
-              </a:spcBef>
-              <a:spcAft>
-                <a:spcPts val="0"/>
-              </a:spcAft>
-              <a:buSzPts val="1400"/>
-              <a:buNone/>
-              <a:defRPr b="0" i="0" sz="1200" u="none" cap="none" strike="noStrike">
+            <a:lvl1pPr marR="0" lvl="0" algn="ctr" rtl="0">
+              <a:spcBef>
+                <a:spcPts val="0"/>
+              </a:spcBef>
+              <a:spcAft>
+                <a:spcPts val="0"/>
+              </a:spcAft>
+              <a:buSzPts val="1400"/>
+              <a:buNone/>
+              <a:defRPr sz="1200" b="0" i="0" u="none" strike="noStrike" cap="none">
                 <a:solidFill>
                   <a:srgbClr val="888888"/>
                 </a:solidFill>
@@ -9539,16 +9792,16 @@
                 <a:sym typeface="Calibri"/>
               </a:defRPr>
             </a:lvl1pPr>
-            <a:lvl2pPr lvl="1" marR="0" rtl="0" algn="l">
-              <a:spcBef>
-                <a:spcPts val="0"/>
-              </a:spcBef>
-              <a:spcAft>
-                <a:spcPts val="0"/>
-              </a:spcAft>
-              <a:buSzPts val="1400"/>
-              <a:buNone/>
-              <a:defRPr b="0" i="0" sz="1800" u="none" cap="none" strike="noStrike">
+            <a:lvl2pPr marR="0" lvl="1" algn="l" rtl="0">
+              <a:spcBef>
+                <a:spcPts val="0"/>
+              </a:spcBef>
+              <a:spcAft>
+                <a:spcPts val="0"/>
+              </a:spcAft>
+              <a:buSzPts val="1400"/>
+              <a:buNone/>
+              <a:defRPr sz="1800" b="0" i="0" u="none" strike="noStrike" cap="none">
                 <a:solidFill>
                   <a:schemeClr val="dk1"/>
                 </a:solidFill>
@@ -9558,16 +9811,16 @@
                 <a:sym typeface="Calibri"/>
               </a:defRPr>
             </a:lvl2pPr>
-            <a:lvl3pPr lvl="2" marR="0" rtl="0" algn="l">
-              <a:spcBef>
-                <a:spcPts val="0"/>
-              </a:spcBef>
-              <a:spcAft>
-                <a:spcPts val="0"/>
-              </a:spcAft>
-              <a:buSzPts val="1400"/>
-              <a:buNone/>
-              <a:defRPr b="0" i="0" sz="1800" u="none" cap="none" strike="noStrike">
+            <a:lvl3pPr marR="0" lvl="2" algn="l" rtl="0">
+              <a:spcBef>
+                <a:spcPts val="0"/>
+              </a:spcBef>
+              <a:spcAft>
+                <a:spcPts val="0"/>
+              </a:spcAft>
+              <a:buSzPts val="1400"/>
+              <a:buNone/>
+              <a:defRPr sz="1800" b="0" i="0" u="none" strike="noStrike" cap="none">
                 <a:solidFill>
                   <a:schemeClr val="dk1"/>
                 </a:solidFill>
@@ -9577,16 +9830,16 @@
                 <a:sym typeface="Calibri"/>
               </a:defRPr>
             </a:lvl3pPr>
-            <a:lvl4pPr lvl="3" marR="0" rtl="0" algn="l">
-              <a:spcBef>
-                <a:spcPts val="0"/>
-              </a:spcBef>
-              <a:spcAft>
-                <a:spcPts val="0"/>
-              </a:spcAft>
-              <a:buSzPts val="1400"/>
-              <a:buNone/>
-              <a:defRPr b="0" i="0" sz="1800" u="none" cap="none" strike="noStrike">
+            <a:lvl4pPr marR="0" lvl="3" algn="l" rtl="0">
+              <a:spcBef>
+                <a:spcPts val="0"/>
+              </a:spcBef>
+              <a:spcAft>
+                <a:spcPts val="0"/>
+              </a:spcAft>
+              <a:buSzPts val="1400"/>
+              <a:buNone/>
+              <a:defRPr sz="1800" b="0" i="0" u="none" strike="noStrike" cap="none">
                 <a:solidFill>
                   <a:schemeClr val="dk1"/>
                 </a:solidFill>
@@ -9596,16 +9849,16 @@
                 <a:sym typeface="Calibri"/>
               </a:defRPr>
             </a:lvl4pPr>
-            <a:lvl5pPr lvl="4" marR="0" rtl="0" algn="l">
-              <a:spcBef>
-                <a:spcPts val="0"/>
-              </a:spcBef>
-              <a:spcAft>
-                <a:spcPts val="0"/>
-              </a:spcAft>
-              <a:buSzPts val="1400"/>
-              <a:buNone/>
-              <a:defRPr b="0" i="0" sz="1800" u="none" cap="none" strike="noStrike">
+            <a:lvl5pPr marR="0" lvl="4" algn="l" rtl="0">
+              <a:spcBef>
+                <a:spcPts val="0"/>
+              </a:spcBef>
+              <a:spcAft>
+                <a:spcPts val="0"/>
+              </a:spcAft>
+              <a:buSzPts val="1400"/>
+              <a:buNone/>
+              <a:defRPr sz="1800" b="0" i="0" u="none" strike="noStrike" cap="none">
                 <a:solidFill>
                   <a:schemeClr val="dk1"/>
                 </a:solidFill>
@@ -9615,16 +9868,16 @@
                 <a:sym typeface="Calibri"/>
               </a:defRPr>
             </a:lvl5pPr>
-            <a:lvl6pPr lvl="5" marR="0" rtl="0" algn="l">
-              <a:spcBef>
-                <a:spcPts val="0"/>
-              </a:spcBef>
-              <a:spcAft>
-                <a:spcPts val="0"/>
-              </a:spcAft>
-              <a:buSzPts val="1400"/>
-              <a:buNone/>
-              <a:defRPr b="0" i="0" sz="1800" u="none" cap="none" strike="noStrike">
+            <a:lvl6pPr marR="0" lvl="5" algn="l" rtl="0">
+              <a:spcBef>
+                <a:spcPts val="0"/>
+              </a:spcBef>
+              <a:spcAft>
+                <a:spcPts val="0"/>
+              </a:spcAft>
+              <a:buSzPts val="1400"/>
+              <a:buNone/>
+              <a:defRPr sz="1800" b="0" i="0" u="none" strike="noStrike" cap="none">
                 <a:solidFill>
                   <a:schemeClr val="dk1"/>
                 </a:solidFill>
@@ -9634,16 +9887,16 @@
                 <a:sym typeface="Calibri"/>
               </a:defRPr>
             </a:lvl6pPr>
-            <a:lvl7pPr lvl="6" marR="0" rtl="0" algn="l">
-              <a:spcBef>
-                <a:spcPts val="0"/>
-              </a:spcBef>
-              <a:spcAft>
-                <a:spcPts val="0"/>
-              </a:spcAft>
-              <a:buSzPts val="1400"/>
-              <a:buNone/>
-              <a:defRPr b="0" i="0" sz="1800" u="none" cap="none" strike="noStrike">
+            <a:lvl7pPr marR="0" lvl="6" algn="l" rtl="0">
+              <a:spcBef>
+                <a:spcPts val="0"/>
+              </a:spcBef>
+              <a:spcAft>
+                <a:spcPts val="0"/>
+              </a:spcAft>
+              <a:buSzPts val="1400"/>
+              <a:buNone/>
+              <a:defRPr sz="1800" b="0" i="0" u="none" strike="noStrike" cap="none">
                 <a:solidFill>
                   <a:schemeClr val="dk1"/>
                 </a:solidFill>
@@ -9653,16 +9906,16 @@
                 <a:sym typeface="Calibri"/>
               </a:defRPr>
             </a:lvl7pPr>
-            <a:lvl8pPr lvl="7" marR="0" rtl="0" algn="l">
-              <a:spcBef>
-                <a:spcPts val="0"/>
-              </a:spcBef>
-              <a:spcAft>
-                <a:spcPts val="0"/>
-              </a:spcAft>
-              <a:buSzPts val="1400"/>
-              <a:buNone/>
-              <a:defRPr b="0" i="0" sz="1800" u="none" cap="none" strike="noStrike">
+            <a:lvl8pPr marR="0" lvl="7" algn="l" rtl="0">
+              <a:spcBef>
+                <a:spcPts val="0"/>
+              </a:spcBef>
+              <a:spcAft>
+                <a:spcPts val="0"/>
+              </a:spcAft>
+              <a:buSzPts val="1400"/>
+              <a:buNone/>
+              <a:defRPr sz="1800" b="0" i="0" u="none" strike="noStrike" cap="none">
                 <a:solidFill>
                   <a:schemeClr val="dk1"/>
                 </a:solidFill>
@@ -9672,16 +9925,16 @@
                 <a:sym typeface="Calibri"/>
               </a:defRPr>
             </a:lvl8pPr>
-            <a:lvl9pPr lvl="8" marR="0" rtl="0" algn="l">
-              <a:spcBef>
-                <a:spcPts val="0"/>
-              </a:spcBef>
-              <a:spcAft>
-                <a:spcPts val="0"/>
-              </a:spcAft>
-              <a:buSzPts val="1400"/>
-              <a:buNone/>
-              <a:defRPr b="0" i="0" sz="1800" u="none" cap="none" strike="noStrike">
+            <a:lvl9pPr marR="0" lvl="8" algn="l" rtl="0">
+              <a:spcBef>
+                <a:spcPts val="0"/>
+              </a:spcBef>
+              <a:spcAft>
+                <a:spcPts val="0"/>
+              </a:spcAft>
+              <a:buSzPts val="1400"/>
+              <a:buNone/>
+              <a:defRPr sz="1800" b="0" i="0" u="none" strike="noStrike" cap="none">
                 <a:solidFill>
                   <a:schemeClr val="dk1"/>
                 </a:solidFill>
@@ -9692,15 +9945,19 @@
               </a:defRPr>
             </a:lvl9pPr>
           </a:lstStyle>
-          <a:p/>
+          <a:p>
+            <a:endParaRPr/>
+          </a:p>
         </p:txBody>
       </p:sp>
       <p:sp>
         <p:nvSpPr>
           <p:cNvPr id="10" name="Google Shape;10;p4"/>
-          <p:cNvSpPr txBox="1"/>
+          <p:cNvSpPr txBox="1">
+            <a:spLocks noGrp="1"/>
+          </p:cNvSpPr>
           <p:nvPr>
-            <p:ph idx="12" type="sldNum"/>
+            <p:ph type="sldNum" idx="12"/>
           </p:nvPr>
         </p:nvSpPr>
         <p:spPr>
@@ -9717,16 +9974,16 @@
           </a:ln>
         </p:spPr>
         <p:txBody>
-          <a:bodyPr anchorCtr="0" anchor="ctr" bIns="45700" lIns="91425" spcFirstLastPara="1" rIns="91425" wrap="square" tIns="45700">
+          <a:bodyPr spcFirstLastPara="1" wrap="square" lIns="91425" tIns="45700" rIns="91425" bIns="45700" anchor="ctr" anchorCtr="0">
             <a:noAutofit/>
           </a:bodyPr>
           <a:lstStyle>
-            <a:lvl1pPr indent="0" lvl="0" marL="0" marR="0" rtl="0" algn="r">
-              <a:spcBef>
-                <a:spcPts val="0"/>
-              </a:spcBef>
-              <a:buNone/>
-              <a:defRPr b="0" i="0" sz="1200" u="none" cap="none" strike="noStrike">
+            <a:lvl1pPr marL="0" marR="0" lvl="0" indent="0" algn="r" rtl="0">
+              <a:spcBef>
+                <a:spcPts val="0"/>
+              </a:spcBef>
+              <a:buNone/>
+              <a:defRPr sz="1200" b="0" i="0" u="none" strike="noStrike" cap="none">
                 <a:solidFill>
                   <a:srgbClr val="888888"/>
                 </a:solidFill>
@@ -9736,12 +9993,12 @@
                 <a:sym typeface="Calibri"/>
               </a:defRPr>
             </a:lvl1pPr>
-            <a:lvl2pPr indent="0" lvl="1" marL="0" marR="0" rtl="0" algn="r">
-              <a:spcBef>
-                <a:spcPts val="0"/>
-              </a:spcBef>
-              <a:buNone/>
-              <a:defRPr b="0" i="0" sz="1200" u="none" cap="none" strike="noStrike">
+            <a:lvl2pPr marL="0" marR="0" lvl="1" indent="0" algn="r" rtl="0">
+              <a:spcBef>
+                <a:spcPts val="0"/>
+              </a:spcBef>
+              <a:buNone/>
+              <a:defRPr sz="1200" b="0" i="0" u="none" strike="noStrike" cap="none">
                 <a:solidFill>
                   <a:srgbClr val="888888"/>
                 </a:solidFill>
@@ -9751,12 +10008,12 @@
                 <a:sym typeface="Calibri"/>
               </a:defRPr>
             </a:lvl2pPr>
-            <a:lvl3pPr indent="0" lvl="2" marL="0" marR="0" rtl="0" algn="r">
-              <a:spcBef>
-                <a:spcPts val="0"/>
-              </a:spcBef>
-              <a:buNone/>
-              <a:defRPr b="0" i="0" sz="1200" u="none" cap="none" strike="noStrike">
+            <a:lvl3pPr marL="0" marR="0" lvl="2" indent="0" algn="r" rtl="0">
+              <a:spcBef>
+                <a:spcPts val="0"/>
+              </a:spcBef>
+              <a:buNone/>
+              <a:defRPr sz="1200" b="0" i="0" u="none" strike="noStrike" cap="none">
                 <a:solidFill>
                   <a:srgbClr val="888888"/>
                 </a:solidFill>
@@ -9766,12 +10023,12 @@
                 <a:sym typeface="Calibri"/>
               </a:defRPr>
             </a:lvl3pPr>
-            <a:lvl4pPr indent="0" lvl="3" marL="0" marR="0" rtl="0" algn="r">
-              <a:spcBef>
-                <a:spcPts val="0"/>
-              </a:spcBef>
-              <a:buNone/>
-              <a:defRPr b="0" i="0" sz="1200" u="none" cap="none" strike="noStrike">
+            <a:lvl4pPr marL="0" marR="0" lvl="3" indent="0" algn="r" rtl="0">
+              <a:spcBef>
+                <a:spcPts val="0"/>
+              </a:spcBef>
+              <a:buNone/>
+              <a:defRPr sz="1200" b="0" i="0" u="none" strike="noStrike" cap="none">
                 <a:solidFill>
                   <a:srgbClr val="888888"/>
                 </a:solidFill>
@@ -9781,12 +10038,12 @@
                 <a:sym typeface="Calibri"/>
               </a:defRPr>
             </a:lvl4pPr>
-            <a:lvl5pPr indent="0" lvl="4" marL="0" marR="0" rtl="0" algn="r">
-              <a:spcBef>
-                <a:spcPts val="0"/>
-              </a:spcBef>
-              <a:buNone/>
-              <a:defRPr b="0" i="0" sz="1200" u="none" cap="none" strike="noStrike">
+            <a:lvl5pPr marL="0" marR="0" lvl="4" indent="0" algn="r" rtl="0">
+              <a:spcBef>
+                <a:spcPts val="0"/>
+              </a:spcBef>
+              <a:buNone/>
+              <a:defRPr sz="1200" b="0" i="0" u="none" strike="noStrike" cap="none">
                 <a:solidFill>
                   <a:srgbClr val="888888"/>
                 </a:solidFill>
@@ -9796,12 +10053,12 @@
                 <a:sym typeface="Calibri"/>
               </a:defRPr>
             </a:lvl5pPr>
-            <a:lvl6pPr indent="0" lvl="5" marL="0" marR="0" rtl="0" algn="r">
-              <a:spcBef>
-                <a:spcPts val="0"/>
-              </a:spcBef>
-              <a:buNone/>
-              <a:defRPr b="0" i="0" sz="1200" u="none" cap="none" strike="noStrike">
+            <a:lvl6pPr marL="0" marR="0" lvl="5" indent="0" algn="r" rtl="0">
+              <a:spcBef>
+                <a:spcPts val="0"/>
+              </a:spcBef>
+              <a:buNone/>
+              <a:defRPr sz="1200" b="0" i="0" u="none" strike="noStrike" cap="none">
                 <a:solidFill>
                   <a:srgbClr val="888888"/>
                 </a:solidFill>
@@ -9811,12 +10068,12 @@
                 <a:sym typeface="Calibri"/>
               </a:defRPr>
             </a:lvl6pPr>
-            <a:lvl7pPr indent="0" lvl="6" marL="0" marR="0" rtl="0" algn="r">
-              <a:spcBef>
-                <a:spcPts val="0"/>
-              </a:spcBef>
-              <a:buNone/>
-              <a:defRPr b="0" i="0" sz="1200" u="none" cap="none" strike="noStrike">
+            <a:lvl7pPr marL="0" marR="0" lvl="6" indent="0" algn="r" rtl="0">
+              <a:spcBef>
+                <a:spcPts val="0"/>
+              </a:spcBef>
+              <a:buNone/>
+              <a:defRPr sz="1200" b="0" i="0" u="none" strike="noStrike" cap="none">
                 <a:solidFill>
                   <a:srgbClr val="888888"/>
                 </a:solidFill>
@@ -9826,12 +10083,12 @@
                 <a:sym typeface="Calibri"/>
               </a:defRPr>
             </a:lvl7pPr>
-            <a:lvl8pPr indent="0" lvl="7" marL="0" marR="0" rtl="0" algn="r">
-              <a:spcBef>
-                <a:spcPts val="0"/>
-              </a:spcBef>
-              <a:buNone/>
-              <a:defRPr b="0" i="0" sz="1200" u="none" cap="none" strike="noStrike">
+            <a:lvl8pPr marL="0" marR="0" lvl="7" indent="0" algn="r" rtl="0">
+              <a:spcBef>
+                <a:spcPts val="0"/>
+              </a:spcBef>
+              <a:buNone/>
+              <a:defRPr sz="1200" b="0" i="0" u="none" strike="noStrike" cap="none">
                 <a:solidFill>
                   <a:srgbClr val="888888"/>
                 </a:solidFill>
@@ -9841,12 +10098,12 @@
                 <a:sym typeface="Calibri"/>
               </a:defRPr>
             </a:lvl8pPr>
-            <a:lvl9pPr indent="0" lvl="8" marL="0" marR="0" rtl="0" algn="r">
-              <a:spcBef>
-                <a:spcPts val="0"/>
-              </a:spcBef>
-              <a:buNone/>
-              <a:defRPr b="0" i="0" sz="1200" u="none" cap="none" strike="noStrike">
+            <a:lvl9pPr marL="0" marR="0" lvl="8" indent="0" algn="r" rtl="0">
+              <a:spcBef>
+                <a:spcPts val="0"/>
+              </a:spcBef>
+              <a:buNone/>
+              <a:defRPr sz="1200" b="0" i="0" u="none" strike="noStrike" cap="none">
                 <a:solidFill>
                   <a:srgbClr val="888888"/>
                 </a:solidFill>
@@ -9858,7 +10115,7 @@
             </a:lvl9pPr>
           </a:lstStyle>
           <a:p>
-            <a:pPr indent="0" lvl="0" marL="0" rtl="0" algn="r">
+            <a:pPr marL="0" lvl="0" indent="0" algn="r" rtl="0">
               <a:spcBef>
                 <a:spcPts val="0"/>
               </a:spcBef>
@@ -9877,7 +10134,7 @@
       </p:sp>
     </p:spTree>
   </p:cSld>
-  <p:clrMap accent1="accent1" accent2="accent2" accent3="accent3" accent4="accent4" accent5="accent5" accent6="accent6" bg1="lt1" bg2="dk2" tx1="dk1" tx2="lt2" folHlink="folHlink" hlink="hlink"/>
+  <p:clrMap bg1="lt1" tx1="dk1" bg2="dk2" tx2="lt2" accent1="accent1" accent2="accent2" accent3="accent3" accent4="accent4" accent5="accent5" accent6="accent6" hlink="hlink" folHlink="folHlink"/>
   <p:sldLayoutIdLst>
     <p:sldLayoutId id="2147483649" r:id="rId1"/>
     <p:sldLayoutId id="2147483650" r:id="rId2"/>
@@ -9891,10 +10148,10 @@
     <p:sldLayoutId id="2147483658" r:id="rId10"/>
     <p:sldLayoutId id="2147483659" r:id="rId11"/>
   </p:sldLayoutIdLst>
-  <p:hf dt="0" ftr="0" hdr="0" sldNum="0"/>
+  <p:hf sldNum="0" hdr="0" ftr="0" dt="0"/>
   <p:txStyles>
     <p:titleStyle>
-      <a:defPPr lvl="0" marR="0" rtl="0" algn="l">
+      <a:defPPr marR="0" lvl="0" algn="l" rtl="0">
         <a:lnSpc>
           <a:spcPct val="100000"/>
         </a:lnSpc>
@@ -9905,7 +10162,7 @@
           <a:spcPts val="0"/>
         </a:spcAft>
       </a:defPPr>
-      <a:lvl1pPr lvl="0" marR="0" rtl="0" algn="l">
+      <a:lvl1pPr marR="0" lvl="0" algn="l" rtl="0">
         <a:lnSpc>
           <a:spcPct val="100000"/>
         </a:lnSpc>
@@ -9919,7 +10176,7 @@
           <a:srgbClr val="000000"/>
         </a:buClr>
         <a:buFont typeface="Arial"/>
-        <a:defRPr b="0" i="0" sz="1400" u="none" cap="none" strike="noStrike">
+        <a:defRPr sz="1400" b="0" i="0" u="none" strike="noStrike" cap="none">
           <a:solidFill>
             <a:srgbClr val="000000"/>
           </a:solidFill>
@@ -9929,7 +10186,7 @@
           <a:sym typeface="Arial"/>
         </a:defRPr>
       </a:lvl1pPr>
-      <a:lvl2pPr lvl="1" marR="0" rtl="0" algn="l">
+      <a:lvl2pPr marR="0" lvl="1" algn="l" rtl="0">
         <a:lnSpc>
           <a:spcPct val="100000"/>
         </a:lnSpc>
@@ -9943,7 +10200,7 @@
           <a:srgbClr val="000000"/>
         </a:buClr>
         <a:buFont typeface="Arial"/>
-        <a:defRPr b="0" i="0" sz="1400" u="none" cap="none" strike="noStrike">
+        <a:defRPr sz="1400" b="0" i="0" u="none" strike="noStrike" cap="none">
           <a:solidFill>
             <a:srgbClr val="000000"/>
           </a:solidFill>
@@ -9953,7 +10210,7 @@
           <a:sym typeface="Arial"/>
         </a:defRPr>
       </a:lvl2pPr>
-      <a:lvl3pPr lvl="2" marR="0" rtl="0" algn="l">
+      <a:lvl3pPr marR="0" lvl="2" algn="l" rtl="0">
         <a:lnSpc>
           <a:spcPct val="100000"/>
         </a:lnSpc>
@@ -9967,7 +10224,7 @@
           <a:srgbClr val="000000"/>
         </a:buClr>
         <a:buFont typeface="Arial"/>
-        <a:defRPr b="0" i="0" sz="1400" u="none" cap="none" strike="noStrike">
+        <a:defRPr sz="1400" b="0" i="0" u="none" strike="noStrike" cap="none">
           <a:solidFill>
             <a:srgbClr val="000000"/>
           </a:solidFill>
@@ -9977,7 +10234,7 @@
           <a:sym typeface="Arial"/>
         </a:defRPr>
       </a:lvl3pPr>
-      <a:lvl4pPr lvl="3" marR="0" rtl="0" algn="l">
+      <a:lvl4pPr marR="0" lvl="3" algn="l" rtl="0">
         <a:lnSpc>
           <a:spcPct val="100000"/>
         </a:lnSpc>
@@ -9991,7 +10248,7 @@
           <a:srgbClr val="000000"/>
         </a:buClr>
         <a:buFont typeface="Arial"/>
-        <a:defRPr b="0" i="0" sz="1400" u="none" cap="none" strike="noStrike">
+        <a:defRPr sz="1400" b="0" i="0" u="none" strike="noStrike" cap="none">
           <a:solidFill>
             <a:srgbClr val="000000"/>
           </a:solidFill>
@@ -10001,7 +10258,7 @@
           <a:sym typeface="Arial"/>
         </a:defRPr>
       </a:lvl4pPr>
-      <a:lvl5pPr lvl="4" marR="0" rtl="0" algn="l">
+      <a:lvl5pPr marR="0" lvl="4" algn="l" rtl="0">
         <a:lnSpc>
           <a:spcPct val="100000"/>
         </a:lnSpc>
@@ -10015,7 +10272,7 @@
           <a:srgbClr val="000000"/>
         </a:buClr>
         <a:buFont typeface="Arial"/>
-        <a:defRPr b="0" i="0" sz="1400" u="none" cap="none" strike="noStrike">
+        <a:defRPr sz="1400" b="0" i="0" u="none" strike="noStrike" cap="none">
           <a:solidFill>
             <a:srgbClr val="000000"/>
           </a:solidFill>
@@ -10025,7 +10282,7 @@
           <a:sym typeface="Arial"/>
         </a:defRPr>
       </a:lvl5pPr>
-      <a:lvl6pPr lvl="5" marR="0" rtl="0" algn="l">
+      <a:lvl6pPr marR="0" lvl="5" algn="l" rtl="0">
         <a:lnSpc>
           <a:spcPct val="100000"/>
         </a:lnSpc>
@@ -10039,7 +10296,7 @@
           <a:srgbClr val="000000"/>
         </a:buClr>
         <a:buFont typeface="Arial"/>
-        <a:defRPr b="0" i="0" sz="1400" u="none" cap="none" strike="noStrike">
+        <a:defRPr sz="1400" b="0" i="0" u="none" strike="noStrike" cap="none">
           <a:solidFill>
             <a:srgbClr val="000000"/>
           </a:solidFill>
@@ -10049,7 +10306,7 @@
           <a:sym typeface="Arial"/>
         </a:defRPr>
       </a:lvl6pPr>
-      <a:lvl7pPr lvl="6" marR="0" rtl="0" algn="l">
+      <a:lvl7pPr marR="0" lvl="6" algn="l" rtl="0">
         <a:lnSpc>
           <a:spcPct val="100000"/>
         </a:lnSpc>
@@ -10063,7 +10320,7 @@
           <a:srgbClr val="000000"/>
         </a:buClr>
         <a:buFont typeface="Arial"/>
-        <a:defRPr b="0" i="0" sz="1400" u="none" cap="none" strike="noStrike">
+        <a:defRPr sz="1400" b="0" i="0" u="none" strike="noStrike" cap="none">
           <a:solidFill>
             <a:srgbClr val="000000"/>
           </a:solidFill>
@@ -10073,7 +10330,7 @@
           <a:sym typeface="Arial"/>
         </a:defRPr>
       </a:lvl7pPr>
-      <a:lvl8pPr lvl="7" marR="0" rtl="0" algn="l">
+      <a:lvl8pPr marR="0" lvl="7" algn="l" rtl="0">
         <a:lnSpc>
           <a:spcPct val="100000"/>
         </a:lnSpc>
@@ -10087,7 +10344,7 @@
           <a:srgbClr val="000000"/>
         </a:buClr>
         <a:buFont typeface="Arial"/>
-        <a:defRPr b="0" i="0" sz="1400" u="none" cap="none" strike="noStrike">
+        <a:defRPr sz="1400" b="0" i="0" u="none" strike="noStrike" cap="none">
           <a:solidFill>
             <a:srgbClr val="000000"/>
           </a:solidFill>
@@ -10097,7 +10354,7 @@
           <a:sym typeface="Arial"/>
         </a:defRPr>
       </a:lvl8pPr>
-      <a:lvl9pPr lvl="8" marR="0" rtl="0" algn="l">
+      <a:lvl9pPr marR="0" lvl="8" algn="l" rtl="0">
         <a:lnSpc>
           <a:spcPct val="100000"/>
         </a:lnSpc>
@@ -10111,7 +10368,7 @@
           <a:srgbClr val="000000"/>
         </a:buClr>
         <a:buFont typeface="Arial"/>
-        <a:defRPr b="0" i="0" sz="1400" u="none" cap="none" strike="noStrike">
+        <a:defRPr sz="1400" b="0" i="0" u="none" strike="noStrike" cap="none">
           <a:solidFill>
             <a:srgbClr val="000000"/>
           </a:solidFill>
@@ -10123,7 +10380,7 @@
       </a:lvl9pPr>
     </p:titleStyle>
     <p:bodyStyle>
-      <a:defPPr lvl="0" marR="0" rtl="0" algn="l">
+      <a:defPPr marR="0" lvl="0" algn="l" rtl="0">
         <a:lnSpc>
           <a:spcPct val="100000"/>
         </a:lnSpc>
@@ -10134,7 +10391,7 @@
           <a:spcPts val="0"/>
         </a:spcAft>
       </a:defPPr>
-      <a:lvl1pPr lvl="0" marR="0" rtl="0" algn="l">
+      <a:lvl1pPr marR="0" lvl="0" algn="l" rtl="0">
         <a:lnSpc>
           <a:spcPct val="100000"/>
         </a:lnSpc>
@@ -10148,7 +10405,7 @@
           <a:srgbClr val="000000"/>
         </a:buClr>
         <a:buFont typeface="Arial"/>
-        <a:defRPr b="0" i="0" sz="1400" u="none" cap="none" strike="noStrike">
+        <a:defRPr sz="1400" b="0" i="0" u="none" strike="noStrike" cap="none">
           <a:solidFill>
             <a:srgbClr val="000000"/>
           </a:solidFill>
@@ -10158,7 +10415,7 @@
           <a:sym typeface="Arial"/>
         </a:defRPr>
       </a:lvl1pPr>
-      <a:lvl2pPr lvl="1" marR="0" rtl="0" algn="l">
+      <a:lvl2pPr marR="0" lvl="1" algn="l" rtl="0">
         <a:lnSpc>
           <a:spcPct val="100000"/>
         </a:lnSpc>
@@ -10172,7 +10429,7 @@
           <a:srgbClr val="000000"/>
         </a:buClr>
         <a:buFont typeface="Arial"/>
-        <a:defRPr b="0" i="0" sz="1400" u="none" cap="none" strike="noStrike">
+        <a:defRPr sz="1400" b="0" i="0" u="none" strike="noStrike" cap="none">
           <a:solidFill>
             <a:srgbClr val="000000"/>
           </a:solidFill>
@@ -10182,7 +10439,7 @@
           <a:sym typeface="Arial"/>
         </a:defRPr>
       </a:lvl2pPr>
-      <a:lvl3pPr lvl="2" marR="0" rtl="0" algn="l">
+      <a:lvl3pPr marR="0" lvl="2" algn="l" rtl="0">
         <a:lnSpc>
           <a:spcPct val="100000"/>
         </a:lnSpc>
@@ -10196,7 +10453,7 @@
           <a:srgbClr val="000000"/>
         </a:buClr>
         <a:buFont typeface="Arial"/>
-        <a:defRPr b="0" i="0" sz="1400" u="none" cap="none" strike="noStrike">
+        <a:defRPr sz="1400" b="0" i="0" u="none" strike="noStrike" cap="none">
           <a:solidFill>
             <a:srgbClr val="000000"/>
           </a:solidFill>
@@ -10206,7 +10463,7 @@
           <a:sym typeface="Arial"/>
         </a:defRPr>
       </a:lvl3pPr>
-      <a:lvl4pPr lvl="3" marR="0" rtl="0" algn="l">
+      <a:lvl4pPr marR="0" lvl="3" algn="l" rtl="0">
         <a:lnSpc>
           <a:spcPct val="100000"/>
         </a:lnSpc>
@@ -10220,7 +10477,7 @@
           <a:srgbClr val="000000"/>
         </a:buClr>
         <a:buFont typeface="Arial"/>
-        <a:defRPr b="0" i="0" sz="1400" u="none" cap="none" strike="noStrike">
+        <a:defRPr sz="1400" b="0" i="0" u="none" strike="noStrike" cap="none">
           <a:solidFill>
             <a:srgbClr val="000000"/>
           </a:solidFill>
@@ -10230,7 +10487,7 @@
           <a:sym typeface="Arial"/>
         </a:defRPr>
       </a:lvl4pPr>
-      <a:lvl5pPr lvl="4" marR="0" rtl="0" algn="l">
+      <a:lvl5pPr marR="0" lvl="4" algn="l" rtl="0">
         <a:lnSpc>
           <a:spcPct val="100000"/>
         </a:lnSpc>
@@ -10244,7 +10501,7 @@
           <a:srgbClr val="000000"/>
         </a:buClr>
         <a:buFont typeface="Arial"/>
-        <a:defRPr b="0" i="0" sz="1400" u="none" cap="none" strike="noStrike">
+        <a:defRPr sz="1400" b="0" i="0" u="none" strike="noStrike" cap="none">
           <a:solidFill>
             <a:srgbClr val="000000"/>
           </a:solidFill>
@@ -10254,7 +10511,7 @@
           <a:sym typeface="Arial"/>
         </a:defRPr>
       </a:lvl5pPr>
-      <a:lvl6pPr lvl="5" marR="0" rtl="0" algn="l">
+      <a:lvl6pPr marR="0" lvl="5" algn="l" rtl="0">
         <a:lnSpc>
           <a:spcPct val="100000"/>
         </a:lnSpc>
@@ -10268,7 +10525,7 @@
           <a:srgbClr val="000000"/>
         </a:buClr>
         <a:buFont typeface="Arial"/>
-        <a:defRPr b="0" i="0" sz="1400" u="none" cap="none" strike="noStrike">
+        <a:defRPr sz="1400" b="0" i="0" u="none" strike="noStrike" cap="none">
           <a:solidFill>
             <a:srgbClr val="000000"/>
           </a:solidFill>
@@ -10278,7 +10535,7 @@
           <a:sym typeface="Arial"/>
         </a:defRPr>
       </a:lvl6pPr>
-      <a:lvl7pPr lvl="6" marR="0" rtl="0" algn="l">
+      <a:lvl7pPr marR="0" lvl="6" algn="l" rtl="0">
         <a:lnSpc>
           <a:spcPct val="100000"/>
         </a:lnSpc>
@@ -10292,7 +10549,7 @@
           <a:srgbClr val="000000"/>
         </a:buClr>
         <a:buFont typeface="Arial"/>
-        <a:defRPr b="0" i="0" sz="1400" u="none" cap="none" strike="noStrike">
+        <a:defRPr sz="1400" b="0" i="0" u="none" strike="noStrike" cap="none">
           <a:solidFill>
             <a:srgbClr val="000000"/>
           </a:solidFill>
@@ -10302,7 +10559,7 @@
           <a:sym typeface="Arial"/>
         </a:defRPr>
       </a:lvl7pPr>
-      <a:lvl8pPr lvl="7" marR="0" rtl="0" algn="l">
+      <a:lvl8pPr marR="0" lvl="7" algn="l" rtl="0">
         <a:lnSpc>
           <a:spcPct val="100000"/>
         </a:lnSpc>
@@ -10316,7 +10573,7 @@
           <a:srgbClr val="000000"/>
         </a:buClr>
         <a:buFont typeface="Arial"/>
-        <a:defRPr b="0" i="0" sz="1400" u="none" cap="none" strike="noStrike">
+        <a:defRPr sz="1400" b="0" i="0" u="none" strike="noStrike" cap="none">
           <a:solidFill>
             <a:srgbClr val="000000"/>
           </a:solidFill>
@@ -10326,7 +10583,7 @@
           <a:sym typeface="Arial"/>
         </a:defRPr>
       </a:lvl8pPr>
-      <a:lvl9pPr lvl="8" marR="0" rtl="0" algn="l">
+      <a:lvl9pPr marR="0" lvl="8" algn="l" rtl="0">
         <a:lnSpc>
           <a:spcPct val="100000"/>
         </a:lnSpc>
@@ -10340,7 +10597,7 @@
           <a:srgbClr val="000000"/>
         </a:buClr>
         <a:buFont typeface="Arial"/>
-        <a:defRPr b="0" i="0" sz="1400" u="none" cap="none" strike="noStrike">
+        <a:defRPr sz="1400" b="0" i="0" u="none" strike="noStrike" cap="none">
           <a:solidFill>
             <a:srgbClr val="000000"/>
           </a:solidFill>
@@ -10352,7 +10609,7 @@
       </a:lvl9pPr>
     </p:bodyStyle>
     <p:otherStyle>
-      <a:defPPr lvl="0" marR="0" rtl="0" algn="l">
+      <a:defPPr marR="0" lvl="0" algn="l" rtl="0">
         <a:lnSpc>
           <a:spcPct val="100000"/>
         </a:lnSpc>
@@ -10363,7 +10620,7 @@
           <a:spcPts val="0"/>
         </a:spcAft>
       </a:defPPr>
-      <a:lvl1pPr lvl="0" marR="0" rtl="0" algn="l">
+      <a:lvl1pPr marR="0" lvl="0" algn="l" rtl="0">
         <a:lnSpc>
           <a:spcPct val="100000"/>
         </a:lnSpc>
@@ -10377,7 +10634,7 @@
           <a:srgbClr val="000000"/>
         </a:buClr>
         <a:buFont typeface="Arial"/>
-        <a:defRPr b="0" i="0" sz="1400" u="none" cap="none" strike="noStrike">
+        <a:defRPr sz="1400" b="0" i="0" u="none" strike="noStrike" cap="none">
           <a:solidFill>
             <a:srgbClr val="000000"/>
           </a:solidFill>
@@ -10387,7 +10644,7 @@
           <a:sym typeface="Arial"/>
         </a:defRPr>
       </a:lvl1pPr>
-      <a:lvl2pPr lvl="1" marR="0" rtl="0" algn="l">
+      <a:lvl2pPr marR="0" lvl="1" algn="l" rtl="0">
         <a:lnSpc>
           <a:spcPct val="100000"/>
         </a:lnSpc>
@@ -10401,7 +10658,7 @@
           <a:srgbClr val="000000"/>
         </a:buClr>
         <a:buFont typeface="Arial"/>
-        <a:defRPr b="0" i="0" sz="1400" u="none" cap="none" strike="noStrike">
+        <a:defRPr sz="1400" b="0" i="0" u="none" strike="noStrike" cap="none">
           <a:solidFill>
             <a:srgbClr val="000000"/>
           </a:solidFill>
@@ -10411,7 +10668,7 @@
           <a:sym typeface="Arial"/>
         </a:defRPr>
       </a:lvl2pPr>
-      <a:lvl3pPr lvl="2" marR="0" rtl="0" algn="l">
+      <a:lvl3pPr marR="0" lvl="2" algn="l" rtl="0">
         <a:lnSpc>
           <a:spcPct val="100000"/>
         </a:lnSpc>
@@ -10425,7 +10682,7 @@
           <a:srgbClr val="000000"/>
         </a:buClr>
         <a:buFont typeface="Arial"/>
-        <a:defRPr b="0" i="0" sz="1400" u="none" cap="none" strike="noStrike">
+        <a:defRPr sz="1400" b="0" i="0" u="none" strike="noStrike" cap="none">
           <a:solidFill>
             <a:srgbClr val="000000"/>
           </a:solidFill>
@@ -10435,7 +10692,7 @@
           <a:sym typeface="Arial"/>
         </a:defRPr>
       </a:lvl3pPr>
-      <a:lvl4pPr lvl="3" marR="0" rtl="0" algn="l">
+      <a:lvl4pPr marR="0" lvl="3" algn="l" rtl="0">
         <a:lnSpc>
           <a:spcPct val="100000"/>
         </a:lnSpc>
@@ -10449,7 +10706,7 @@
           <a:srgbClr val="000000"/>
         </a:buClr>
         <a:buFont typeface="Arial"/>
-        <a:defRPr b="0" i="0" sz="1400" u="none" cap="none" strike="noStrike">
+        <a:defRPr sz="1400" b="0" i="0" u="none" strike="noStrike" cap="none">
           <a:solidFill>
             <a:srgbClr val="000000"/>
           </a:solidFill>
@@ -10459,7 +10716,7 @@
           <a:sym typeface="Arial"/>
         </a:defRPr>
       </a:lvl4pPr>
-      <a:lvl5pPr lvl="4" marR="0" rtl="0" algn="l">
+      <a:lvl5pPr marR="0" lvl="4" algn="l" rtl="0">
         <a:lnSpc>
           <a:spcPct val="100000"/>
         </a:lnSpc>
@@ -10473,7 +10730,7 @@
           <a:srgbClr val="000000"/>
         </a:buClr>
         <a:buFont typeface="Arial"/>
-        <a:defRPr b="0" i="0" sz="1400" u="none" cap="none" strike="noStrike">
+        <a:defRPr sz="1400" b="0" i="0" u="none" strike="noStrike" cap="none">
           <a:solidFill>
             <a:srgbClr val="000000"/>
           </a:solidFill>
@@ -10483,7 +10740,7 @@
           <a:sym typeface="Arial"/>
         </a:defRPr>
       </a:lvl5pPr>
-      <a:lvl6pPr lvl="5" marR="0" rtl="0" algn="l">
+      <a:lvl6pPr marR="0" lvl="5" algn="l" rtl="0">
         <a:lnSpc>
           <a:spcPct val="100000"/>
         </a:lnSpc>
@@ -10497,7 +10754,7 @@
           <a:srgbClr val="000000"/>
         </a:buClr>
         <a:buFont typeface="Arial"/>
-        <a:defRPr b="0" i="0" sz="1400" u="none" cap="none" strike="noStrike">
+        <a:defRPr sz="1400" b="0" i="0" u="none" strike="noStrike" cap="none">
           <a:solidFill>
             <a:srgbClr val="000000"/>
           </a:solidFill>
@@ -10507,7 +10764,7 @@
           <a:sym typeface="Arial"/>
         </a:defRPr>
       </a:lvl6pPr>
-      <a:lvl7pPr lvl="6" marR="0" rtl="0" algn="l">
+      <a:lvl7pPr marR="0" lvl="6" algn="l" rtl="0">
         <a:lnSpc>
           <a:spcPct val="100000"/>
         </a:lnSpc>
@@ -10521,7 +10778,7 @@
           <a:srgbClr val="000000"/>
         </a:buClr>
         <a:buFont typeface="Arial"/>
-        <a:defRPr b="0" i="0" sz="1400" u="none" cap="none" strike="noStrike">
+        <a:defRPr sz="1400" b="0" i="0" u="none" strike="noStrike" cap="none">
           <a:solidFill>
             <a:srgbClr val="000000"/>
           </a:solidFill>
@@ -10531,7 +10788,7 @@
           <a:sym typeface="Arial"/>
         </a:defRPr>
       </a:lvl7pPr>
-      <a:lvl8pPr lvl="7" marR="0" rtl="0" algn="l">
+      <a:lvl8pPr marR="0" lvl="7" algn="l" rtl="0">
         <a:lnSpc>
           <a:spcPct val="100000"/>
         </a:lnSpc>
@@ -10545,7 +10802,7 @@
           <a:srgbClr val="000000"/>
         </a:buClr>
         <a:buFont typeface="Arial"/>
-        <a:defRPr b="0" i="0" sz="1400" u="none" cap="none" strike="noStrike">
+        <a:defRPr sz="1400" b="0" i="0" u="none" strike="noStrike" cap="none">
           <a:solidFill>
             <a:srgbClr val="000000"/>
           </a:solidFill>
@@ -10555,7 +10812,7 @@
           <a:sym typeface="Arial"/>
         </a:defRPr>
       </a:lvl8pPr>
-      <a:lvl9pPr lvl="8" marR="0" rtl="0" algn="l">
+      <a:lvl9pPr marR="0" lvl="8" algn="l" rtl="0">
         <a:lnSpc>
           <a:spcPct val="100000"/>
         </a:lnSpc>
@@ -10569,7 +10826,7 @@
           <a:srgbClr val="000000"/>
         </a:buClr>
         <a:buFont typeface="Arial"/>
-        <a:defRPr b="0" i="0" sz="1400" u="none" cap="none" strike="noStrike">
+        <a:defRPr sz="1400" b="0" i="0" u="none" strike="noStrike" cap="none">
           <a:solidFill>
             <a:srgbClr val="000000"/>
           </a:solidFill>
@@ -10585,11 +10842,11 @@
 </file>
 
 <file path=ppt/slides/slide1.xml><?xml version="1.0" encoding="utf-8"?>
-<p:sld xmlns:a="http://schemas.openxmlformats.org/drawingml/2006/main" xmlns:r="http://schemas.openxmlformats.org/officeDocument/2006/relationships" xmlns:mc="http://schemas.openxmlformats.org/markup-compatibility/2006" xmlns:mv="urn:schemas-microsoft-com:mac:vml" xmlns:p="http://schemas.openxmlformats.org/presentationml/2006/main" xmlns:c="http://schemas.openxmlformats.org/drawingml/2006/chart" xmlns:dgm="http://schemas.openxmlformats.org/drawingml/2006/diagram" xmlns:o="urn:schemas-microsoft-com:office:office" xmlns:v="urn:schemas-microsoft-com:vml" xmlns:pvml="urn:schemas-microsoft-com:office:powerpoint" xmlns:com="http://schemas.openxmlformats.org/drawingml/2006/compatibility" xmlns:p14="http://schemas.microsoft.com/office/powerpoint/2010/main" xmlns:p15="http://schemas.microsoft.com/office/powerpoint/2012/main" xmlns:ahyp="http://schemas.microsoft.com/office/drawing/2018/hyperlinkcolor">
+<p:sld xmlns:a="http://schemas.openxmlformats.org/drawingml/2006/main" xmlns:r="http://schemas.openxmlformats.org/officeDocument/2006/relationships" xmlns:p="http://schemas.openxmlformats.org/presentationml/2006/main">
   <p:cSld>
     <p:spTree>
       <p:nvGrpSpPr>
-        <p:cNvPr id="83" name="Shape 83"/>
+        <p:cNvPr id="1" name="Shape 83"/>
         <p:cNvGrpSpPr/>
         <p:nvPr/>
       </p:nvGrpSpPr>
@@ -10603,7 +10860,7 @@
       </p:grpSpPr>
       <p:pic>
         <p:nvPicPr>
-          <p:cNvPr descr="plot.png" id="84" name="Google Shape;84;p1"/>
+          <p:cNvPr id="84" name="Google Shape;84;p1" descr="plot.png"/>
           <p:cNvPicPr preferRelativeResize="0"/>
           <p:nvPr/>
         </p:nvPicPr>
@@ -10611,7 +10868,7 @@
           <a:blip r:embed="rId3">
             <a:alphaModFix/>
           </a:blip>
-          <a:srcRect b="0" l="0" r="0" t="0"/>
+          <a:srcRect/>
           <a:stretch/>
         </p:blipFill>
         <p:spPr>
@@ -10633,15 +10890,22 @@
   <p:clrMapOvr>
     <a:masterClrMapping/>
   </p:clrMapOvr>
+  <p:timing>
+    <p:tnLst>
+      <p:par>
+        <p:cTn id="1" dur="indefinite" restart="never" nodeType="tmRoot"/>
+      </p:par>
+    </p:tnLst>
+  </p:timing>
 </p:sld>
 </file>
 
 <file path=ppt/slides/slide2.xml><?xml version="1.0" encoding="utf-8"?>
-<p:sld xmlns:a="http://schemas.openxmlformats.org/drawingml/2006/main" xmlns:r="http://schemas.openxmlformats.org/officeDocument/2006/relationships" xmlns:mc="http://schemas.openxmlformats.org/markup-compatibility/2006" xmlns:mv="urn:schemas-microsoft-com:mac:vml" xmlns:p="http://schemas.openxmlformats.org/presentationml/2006/main" xmlns:c="http://schemas.openxmlformats.org/drawingml/2006/chart" xmlns:dgm="http://schemas.openxmlformats.org/drawingml/2006/diagram" xmlns:o="urn:schemas-microsoft-com:office:office" xmlns:v="urn:schemas-microsoft-com:vml" xmlns:pvml="urn:schemas-microsoft-com:office:powerpoint" xmlns:com="http://schemas.openxmlformats.org/drawingml/2006/compatibility" xmlns:p14="http://schemas.microsoft.com/office/powerpoint/2010/main" xmlns:p15="http://schemas.microsoft.com/office/powerpoint/2012/main" xmlns:ahyp="http://schemas.microsoft.com/office/drawing/2018/hyperlinkcolor">
+<p:sld xmlns:a="http://schemas.openxmlformats.org/drawingml/2006/main" xmlns:r="http://schemas.openxmlformats.org/officeDocument/2006/relationships" xmlns:p="http://schemas.openxmlformats.org/presentationml/2006/main">
   <p:cSld>
     <p:spTree>
       <p:nvGrpSpPr>
-        <p:cNvPr id="88" name="Shape 88"/>
+        <p:cNvPr id="1" name="Shape 88"/>
         <p:cNvGrpSpPr/>
         <p:nvPr/>
       </p:nvGrpSpPr>
@@ -10655,7 +10919,7 @@
       </p:grpSpPr>
       <p:pic>
         <p:nvPicPr>
-          <p:cNvPr descr="plot.png" id="89" name="Google Shape;89;p2"/>
+          <p:cNvPr id="89" name="Google Shape;89;p2" descr="plot.png"/>
           <p:cNvPicPr preferRelativeResize="0"/>
           <p:nvPr/>
         </p:nvPicPr>
@@ -10663,7 +10927,7 @@
           <a:blip r:embed="rId3">
             <a:alphaModFix/>
           </a:blip>
-          <a:srcRect b="0" l="0" r="0" t="0"/>
+          <a:srcRect/>
           <a:stretch/>
         </p:blipFill>
         <p:spPr>
@@ -10685,15 +10949,22 @@
   <p:clrMapOvr>
     <a:masterClrMapping/>
   </p:clrMapOvr>
+  <p:timing>
+    <p:tnLst>
+      <p:par>
+        <p:cTn id="1" dur="indefinite" restart="never" nodeType="tmRoot"/>
+      </p:par>
+    </p:tnLst>
+  </p:timing>
 </p:sld>
 </file>
 
 <file path=ppt/slides/slide3.xml><?xml version="1.0" encoding="utf-8"?>
-<p:sld xmlns:a="http://schemas.openxmlformats.org/drawingml/2006/main" xmlns:r="http://schemas.openxmlformats.org/officeDocument/2006/relationships" xmlns:mc="http://schemas.openxmlformats.org/markup-compatibility/2006" xmlns:mv="urn:schemas-microsoft-com:mac:vml" xmlns:p="http://schemas.openxmlformats.org/presentationml/2006/main" xmlns:c="http://schemas.openxmlformats.org/drawingml/2006/chart" xmlns:dgm="http://schemas.openxmlformats.org/drawingml/2006/diagram" xmlns:o="urn:schemas-microsoft-com:office:office" xmlns:v="urn:schemas-microsoft-com:vml" xmlns:pvml="urn:schemas-microsoft-com:office:powerpoint" xmlns:com="http://schemas.openxmlformats.org/drawingml/2006/compatibility" xmlns:p14="http://schemas.microsoft.com/office/powerpoint/2010/main" xmlns:p15="http://schemas.microsoft.com/office/powerpoint/2012/main" xmlns:ahyp="http://schemas.microsoft.com/office/drawing/2018/hyperlinkcolor">
+<p:sld xmlns:a="http://schemas.openxmlformats.org/drawingml/2006/main" xmlns:r="http://schemas.openxmlformats.org/officeDocument/2006/relationships" xmlns:p="http://schemas.openxmlformats.org/presentationml/2006/main">
   <p:cSld>
     <p:spTree>
       <p:nvGrpSpPr>
-        <p:cNvPr id="93" name="Shape 93"/>
+        <p:cNvPr id="1" name="Shape 93"/>
         <p:cNvGrpSpPr/>
         <p:nvPr/>
       </p:nvGrpSpPr>
@@ -10708,7 +10979,9 @@
       <p:sp>
         <p:nvSpPr>
           <p:cNvPr id="94" name="Google Shape;94;p3"/>
-          <p:cNvSpPr txBox="1"/>
+          <p:cNvSpPr txBox="1">
+            <a:spLocks noGrp="1"/>
+          </p:cNvSpPr>
           <p:nvPr>
             <p:ph type="title"/>
           </p:nvPr>
@@ -10727,12 +11000,12 @@
           </a:ln>
         </p:spPr>
         <p:txBody>
-          <a:bodyPr anchorCtr="0" anchor="ctr" bIns="45700" lIns="91425" spcFirstLastPara="1" rIns="91425" wrap="square" tIns="45700">
+          <a:bodyPr spcFirstLastPara="1" wrap="square" lIns="91425" tIns="45700" rIns="91425" bIns="45700" anchor="ctr" anchorCtr="0">
             <a:normAutofit/>
           </a:bodyPr>
           <a:lstStyle/>
           <a:p>
-            <a:pPr indent="0" lvl="0" marL="0" rtl="0" algn="ctr">
+            <a:pPr marL="0" lvl="0" indent="0" algn="ctr" rtl="0">
               <a:spcBef>
                 <a:spcPts val="0"/>
               </a:spcBef>
@@ -10765,9 +11038,11 @@
       <p:sp>
         <p:nvSpPr>
           <p:cNvPr id="95" name="Google Shape;95;p3"/>
-          <p:cNvSpPr txBox="1"/>
+          <p:cNvSpPr txBox="1">
+            <a:spLocks noGrp="1"/>
+          </p:cNvSpPr>
           <p:nvPr>
-            <p:ph idx="1" type="body"/>
+            <p:ph type="body" idx="1"/>
           </p:nvPr>
         </p:nvSpPr>
         <p:spPr>
@@ -10784,12 +11059,12 @@
           </a:ln>
         </p:spPr>
         <p:txBody>
-          <a:bodyPr anchorCtr="0" anchor="t" bIns="45700" lIns="91425" spcFirstLastPara="1" rIns="91425" wrap="square" tIns="45700">
-            <a:normAutofit/>
+          <a:bodyPr spcFirstLastPara="1" wrap="square" lIns="91425" tIns="45700" rIns="91425" bIns="45700" anchor="t" anchorCtr="0">
+            <a:normAutofit fontScale="62500" lnSpcReduction="20000"/>
           </a:bodyPr>
           <a:lstStyle/>
           <a:p>
-            <a:pPr indent="-342900" lvl="0" marL="342900" rtl="0" algn="l">
+            <a:pPr marL="342900" lvl="0" indent="-342900" algn="l" rtl="0">
               <a:spcBef>
                 <a:spcPts val="0"/>
               </a:spcBef>
@@ -10803,7 +11078,7 @@
               <a:buChar char="•"/>
             </a:pPr>
             <a:r>
-              <a:rPr lang="en-US" sz="3200">
+              <a:rPr lang="en-US" sz="3200" dirty="0">
                 <a:solidFill>
                   <a:schemeClr val="dk1"/>
                 </a:solidFill>
@@ -10812,28 +11087,21 @@
                 <a:cs typeface="Calibri"/>
                 <a:sym typeface="Calibri"/>
               </a:rPr>
-              <a:t>1. Dominance of Cash Payments: In 2022, cash payments accounted for 56.8% of the total card payments in Azerbaijan, highlighting a continued reliance on cash.</a:t>
+              <a:t>1. Dominance of Cash Payments: In 2022, cash payments accounted for 56.8% of the total card payments in Azerbaijan, highlighting a continued reliance on cash</a:t>
             </a:r>
-            <a:endParaRPr/>
-          </a:p>
-          <a:p>
-            <a:pPr indent="-139700" lvl="0" marL="342900" rtl="0" algn="l">
-              <a:spcBef>
-                <a:spcPts val="640"/>
-              </a:spcBef>
-              <a:spcAft>
-                <a:spcPts val="0"/>
-              </a:spcAft>
-              <a:buClr>
-                <a:schemeClr val="dk1"/>
-              </a:buClr>
-              <a:buSzPts val="3200"/>
-              <a:buNone/>
-            </a:pPr>
             <a:r>
-              <a:t/>
+              <a:rPr lang="en-US" sz="3200" dirty="0" smtClean="0">
+                <a:solidFill>
+                  <a:schemeClr val="dk1"/>
+                </a:solidFill>
+                <a:latin typeface="Calibri"/>
+                <a:ea typeface="Calibri"/>
+                <a:cs typeface="Calibri"/>
+                <a:sym typeface="Calibri"/>
+              </a:rPr>
+              <a:t>.</a:t>
             </a:r>
-            <a:endParaRPr sz="3200">
+            <a:endParaRPr sz="3200" dirty="0">
               <a:solidFill>
                 <a:schemeClr val="dk1"/>
               </a:solidFill>
@@ -10844,7 +11112,7 @@
             </a:endParaRPr>
           </a:p>
           <a:p>
-            <a:pPr indent="-342900" lvl="0" marL="342900" rtl="0" algn="l">
+            <a:pPr marL="342900" lvl="0" indent="-342900" algn="l" rtl="0">
               <a:spcBef>
                 <a:spcPts val="640"/>
               </a:spcBef>
@@ -10858,7 +11126,7 @@
               <a:buChar char="•"/>
             </a:pPr>
             <a:r>
-              <a:rPr lang="en-US" sz="3200">
+              <a:rPr lang="en-US" sz="3200" dirty="0">
                 <a:solidFill>
                   <a:schemeClr val="dk1"/>
                 </a:solidFill>
@@ -10867,28 +11135,21 @@
                 <a:cs typeface="Calibri"/>
                 <a:sym typeface="Calibri"/>
               </a:rPr>
-              <a:t>2. Significant Shift to Cashless Payments: Despite the dominance of cash, 43.2% of the total payments were cashless, indicating a growing trend towards digital payment methods.</a:t>
+              <a:t>2. Significant Shift to Cashless Payments: Despite the dominance of cash, 43.2% of the total payments were cashless, indicating a growing trend towards digital payment methods</a:t>
             </a:r>
-            <a:endParaRPr/>
-          </a:p>
-          <a:p>
-            <a:pPr indent="-139700" lvl="0" marL="342900" rtl="0" algn="l">
-              <a:spcBef>
-                <a:spcPts val="640"/>
-              </a:spcBef>
-              <a:spcAft>
-                <a:spcPts val="0"/>
-              </a:spcAft>
-              <a:buClr>
-                <a:schemeClr val="dk1"/>
-              </a:buClr>
-              <a:buSzPts val="3200"/>
-              <a:buNone/>
-            </a:pPr>
             <a:r>
-              <a:t/>
+              <a:rPr lang="en-US" sz="3200" dirty="0" smtClean="0">
+                <a:solidFill>
+                  <a:schemeClr val="dk1"/>
+                </a:solidFill>
+                <a:latin typeface="Calibri"/>
+                <a:ea typeface="Calibri"/>
+                <a:cs typeface="Calibri"/>
+                <a:sym typeface="Calibri"/>
+              </a:rPr>
+              <a:t>.</a:t>
             </a:r>
-            <a:endParaRPr sz="3200">
+            <a:endParaRPr sz="3200" dirty="0">
               <a:solidFill>
                 <a:schemeClr val="dk1"/>
               </a:solidFill>
@@ -10899,7 +11160,7 @@
             </a:endParaRPr>
           </a:p>
           <a:p>
-            <a:pPr indent="-342900" lvl="0" marL="342900" rtl="0" algn="l">
+            <a:pPr marL="342900" lvl="0" indent="-342900" algn="l" rtl="0">
               <a:spcBef>
                 <a:spcPts val="640"/>
               </a:spcBef>
@@ -10913,7 +11174,7 @@
               <a:buChar char="•"/>
             </a:pPr>
             <a:r>
-              <a:rPr lang="en-US" sz="3200">
+              <a:rPr lang="en-US" sz="3200" dirty="0">
                 <a:solidFill>
                   <a:schemeClr val="dk1"/>
                 </a:solidFill>
@@ -10922,28 +11183,21 @@
                 <a:cs typeface="Calibri"/>
                 <a:sym typeface="Calibri"/>
               </a:rPr>
-              <a:t>3. E-commerce Leading Cashless Transactions: Within cashless payments, e-commerce transactions made up 76% of the total, demonstrating the increasing preference for online shopping among consumers. POS terminals accounted for 24%, but in absolute terms, they processed a larger amount due to the high volume of transactions.</a:t>
+              <a:t>3. E-commerce Leading Cashless Transactions: Within cashless payments, e-commerce transactions made up 76% of the total, demonstrating the increasing preference for online shopping among consumers. POS terminals accounted for 24%, but in absolute terms, they processed a larger amount due to the high volume of transactions</a:t>
             </a:r>
-            <a:endParaRPr/>
-          </a:p>
-          <a:p>
-            <a:pPr indent="-139700" lvl="0" marL="342900" rtl="0" algn="l">
-              <a:spcBef>
-                <a:spcPts val="640"/>
-              </a:spcBef>
-              <a:spcAft>
-                <a:spcPts val="0"/>
-              </a:spcAft>
-              <a:buClr>
-                <a:schemeClr val="dk1"/>
-              </a:buClr>
-              <a:buSzPts val="3200"/>
-              <a:buNone/>
-            </a:pPr>
             <a:r>
-              <a:t/>
+              <a:rPr lang="en-US" sz="3200" dirty="0" smtClean="0">
+                <a:solidFill>
+                  <a:schemeClr val="dk1"/>
+                </a:solidFill>
+                <a:latin typeface="Calibri"/>
+                <a:ea typeface="Calibri"/>
+                <a:cs typeface="Calibri"/>
+                <a:sym typeface="Calibri"/>
+              </a:rPr>
+              <a:t>.</a:t>
             </a:r>
-            <a:endParaRPr sz="3200">
+            <a:endParaRPr sz="3200" dirty="0">
               <a:solidFill>
                 <a:schemeClr val="dk1"/>
               </a:solidFill>
@@ -10954,7 +11208,7 @@
             </a:endParaRPr>
           </a:p>
           <a:p>
-            <a:pPr indent="-342900" lvl="0" marL="342900" rtl="0" algn="l">
+            <a:pPr marL="342900" lvl="0" indent="-342900" algn="l" rtl="0">
               <a:spcBef>
                 <a:spcPts val="640"/>
               </a:spcBef>
@@ -10968,7 +11222,7 @@
               <a:buChar char="•"/>
             </a:pPr>
             <a:r>
-              <a:rPr lang="en-US" sz="3200">
+              <a:rPr lang="en-US" sz="3200" dirty="0">
                 <a:solidFill>
                   <a:schemeClr val="dk1"/>
                 </a:solidFill>
@@ -10979,7 +11233,7 @@
               </a:rPr>
               <a:t>4. Digital Economy Growth: The significant volume of transactions through both POS terminals and e-commerce platforms reflects the expanding digital economy in Azerbaijan, with a clear shift towards cashless and online transactions.</a:t>
             </a:r>
-            <a:endParaRPr/>
+            <a:endParaRPr dirty="0"/>
           </a:p>
         </p:txBody>
       </p:sp>
@@ -10988,11 +11242,299 @@
   <p:clrMapOvr>
     <a:masterClrMapping/>
   </p:clrMapOvr>
+  <p:timing>
+    <p:tnLst>
+      <p:par>
+        <p:cTn id="1" dur="indefinite" restart="never" nodeType="tmRoot"/>
+      </p:par>
+    </p:tnLst>
+  </p:timing>
 </p:sld>
 </file>
 
 <file path=ppt/theme/theme1.xml><?xml version="1.0" encoding="utf-8"?>
-<a:theme xmlns:a="http://schemas.openxmlformats.org/drawingml/2006/main" xmlns:r="http://schemas.openxmlformats.org/officeDocument/2006/relationships">
+<a:theme xmlns:a="http://schemas.openxmlformats.org/drawingml/2006/main" name="Office Theme">
+  <a:themeElements>
+    <a:clrScheme name="Office">
+      <a:dk1>
+        <a:srgbClr val="000000"/>
+      </a:dk1>
+      <a:lt1>
+        <a:srgbClr val="FFFFFF"/>
+      </a:lt1>
+      <a:dk2>
+        <a:srgbClr val="1F497D"/>
+      </a:dk2>
+      <a:lt2>
+        <a:srgbClr val="EEECE1"/>
+      </a:lt2>
+      <a:accent1>
+        <a:srgbClr val="4F81BD"/>
+      </a:accent1>
+      <a:accent2>
+        <a:srgbClr val="C0504D"/>
+      </a:accent2>
+      <a:accent3>
+        <a:srgbClr val="9BBB59"/>
+      </a:accent3>
+      <a:accent4>
+        <a:srgbClr val="8064A2"/>
+      </a:accent4>
+      <a:accent5>
+        <a:srgbClr val="4BACC6"/>
+      </a:accent5>
+      <a:accent6>
+        <a:srgbClr val="F79646"/>
+      </a:accent6>
+      <a:hlink>
+        <a:srgbClr val="0000FF"/>
+      </a:hlink>
+      <a:folHlink>
+        <a:srgbClr val="800080"/>
+      </a:folHlink>
+    </a:clrScheme>
+    <a:fontScheme name="Office">
+      <a:majorFont>
+        <a:latin typeface="Arial"/>
+        <a:ea typeface=""/>
+        <a:cs typeface=""/>
+        <a:font script="Jpan" typeface="ＭＳ Ｐゴシック"/>
+        <a:font script="Hang" typeface="맑은 고딕"/>
+        <a:font script="Hans" typeface="宋体"/>
+        <a:font script="Hant" typeface="新細明體"/>
+        <a:font script="Arab" typeface="Times New Roman"/>
+        <a:font script="Hebr" typeface="Times New Roman"/>
+        <a:font script="Thai" typeface="Angsana New"/>
+        <a:font script="Ethi" typeface="Nyala"/>
+        <a:font script="Beng" typeface="Vrinda"/>
+        <a:font script="Gujr" typeface="Shruti"/>
+        <a:font script="Khmr" typeface="MoolBoran"/>
+        <a:font script="Knda" typeface="Tunga"/>
+        <a:font script="Guru" typeface="Raavi"/>
+        <a:font script="Cans" typeface="Euphemia"/>
+        <a:font script="Cher" typeface="Plantagenet Cherokee"/>
+        <a:font script="Yiii" typeface="Microsoft Yi Baiti"/>
+        <a:font script="Tibt" typeface="Microsoft Himalaya"/>
+        <a:font script="Thaa" typeface="MV Boli"/>
+        <a:font script="Deva" typeface="Mangal"/>
+        <a:font script="Telu" typeface="Gautami"/>
+        <a:font script="Taml" typeface="Latha"/>
+        <a:font script="Syrc" typeface="Estrangelo Edessa"/>
+        <a:font script="Orya" typeface="Kalinga"/>
+        <a:font script="Mlym" typeface="Kartika"/>
+        <a:font script="Laoo" typeface="DokChampa"/>
+        <a:font script="Sinh" typeface="Iskoola Pota"/>
+        <a:font script="Mong" typeface="Mongolian Baiti"/>
+        <a:font script="Viet" typeface="Times New Roman"/>
+        <a:font script="Uigh" typeface="Microsoft Uighur"/>
+        <a:font script="Geor" typeface="Sylfaen"/>
+      </a:majorFont>
+      <a:minorFont>
+        <a:latin typeface="Arial"/>
+        <a:ea typeface=""/>
+        <a:cs typeface=""/>
+        <a:font script="Jpan" typeface="ＭＳ Ｐゴシック"/>
+        <a:font script="Hang" typeface="맑은 고딕"/>
+        <a:font script="Hans" typeface="宋体"/>
+        <a:font script="Hant" typeface="新細明體"/>
+        <a:font script="Arab" typeface="Arial"/>
+        <a:font script="Hebr" typeface="Arial"/>
+        <a:font script="Thai" typeface="Cordia New"/>
+        <a:font script="Ethi" typeface="Nyala"/>
+        <a:font script="Beng" typeface="Vrinda"/>
+        <a:font script="Gujr" typeface="Shruti"/>
+        <a:font script="Khmr" typeface="DaunPenh"/>
+        <a:font script="Knda" typeface="Tunga"/>
+        <a:font script="Guru" typeface="Raavi"/>
+        <a:font script="Cans" typeface="Euphemia"/>
+        <a:font script="Cher" typeface="Plantagenet Cherokee"/>
+        <a:font script="Yiii" typeface="Microsoft Yi Baiti"/>
+        <a:font script="Tibt" typeface="Microsoft Himalaya"/>
+        <a:font script="Thaa" typeface="MV Boli"/>
+        <a:font script="Deva" typeface="Mangal"/>
+        <a:font script="Telu" typeface="Gautami"/>
+        <a:font script="Taml" typeface="Latha"/>
+        <a:font script="Syrc" typeface="Estrangelo Edessa"/>
+        <a:font script="Orya" typeface="Kalinga"/>
+        <a:font script="Mlym" typeface="Kartika"/>
+        <a:font script="Laoo" typeface="DokChampa"/>
+        <a:font script="Sinh" typeface="Iskoola Pota"/>
+        <a:font script="Mong" typeface="Mongolian Baiti"/>
+        <a:font script="Viet" typeface="Arial"/>
+        <a:font script="Uigh" typeface="Microsoft Uighur"/>
+        <a:font script="Geor" typeface="Sylfaen"/>
+      </a:minorFont>
+    </a:fontScheme>
+    <a:fmtScheme name="Office">
+      <a:fillStyleLst>
+        <a:solidFill>
+          <a:schemeClr val="phClr"/>
+        </a:solidFill>
+        <a:gradFill rotWithShape="1">
+          <a:gsLst>
+            <a:gs pos="0">
+              <a:schemeClr val="phClr">
+                <a:tint val="50000"/>
+                <a:satMod val="300000"/>
+              </a:schemeClr>
+            </a:gs>
+            <a:gs pos="35000">
+              <a:schemeClr val="phClr">
+                <a:tint val="37000"/>
+                <a:satMod val="300000"/>
+              </a:schemeClr>
+            </a:gs>
+            <a:gs pos="100000">
+              <a:schemeClr val="phClr">
+                <a:tint val="15000"/>
+                <a:satMod val="350000"/>
+              </a:schemeClr>
+            </a:gs>
+          </a:gsLst>
+          <a:lin ang="16200000" scaled="1"/>
+        </a:gradFill>
+        <a:gradFill rotWithShape="1">
+          <a:gsLst>
+            <a:gs pos="0">
+              <a:schemeClr val="phClr">
+                <a:tint val="100000"/>
+                <a:shade val="100000"/>
+                <a:satMod val="130000"/>
+              </a:schemeClr>
+            </a:gs>
+            <a:gs pos="100000">
+              <a:schemeClr val="phClr">
+                <a:tint val="50000"/>
+                <a:shade val="100000"/>
+                <a:satMod val="350000"/>
+              </a:schemeClr>
+            </a:gs>
+          </a:gsLst>
+          <a:lin ang="16200000" scaled="0"/>
+        </a:gradFill>
+      </a:fillStyleLst>
+      <a:lnStyleLst>
+        <a:ln w="9525" cap="flat" cmpd="sng" algn="ctr">
+          <a:solidFill>
+            <a:schemeClr val="phClr">
+              <a:shade val="95000"/>
+              <a:satMod val="105000"/>
+            </a:schemeClr>
+          </a:solidFill>
+          <a:prstDash val="solid"/>
+        </a:ln>
+        <a:ln w="25400" cap="flat" cmpd="sng" algn="ctr">
+          <a:solidFill>
+            <a:schemeClr val="phClr"/>
+          </a:solidFill>
+          <a:prstDash val="solid"/>
+        </a:ln>
+        <a:ln w="38100" cap="flat" cmpd="sng" algn="ctr">
+          <a:solidFill>
+            <a:schemeClr val="phClr"/>
+          </a:solidFill>
+          <a:prstDash val="solid"/>
+        </a:ln>
+      </a:lnStyleLst>
+      <a:effectStyleLst>
+        <a:effectStyle>
+          <a:effectLst>
+            <a:outerShdw blurRad="40000" dist="20000" dir="5400000" rotWithShape="0">
+              <a:srgbClr val="000000">
+                <a:alpha val="38000"/>
+              </a:srgbClr>
+            </a:outerShdw>
+          </a:effectLst>
+        </a:effectStyle>
+        <a:effectStyle>
+          <a:effectLst>
+            <a:outerShdw blurRad="40000" dist="23000" dir="5400000" rotWithShape="0">
+              <a:srgbClr val="000000">
+                <a:alpha val="35000"/>
+              </a:srgbClr>
+            </a:outerShdw>
+          </a:effectLst>
+        </a:effectStyle>
+        <a:effectStyle>
+          <a:effectLst>
+            <a:outerShdw blurRad="40000" dist="23000" dir="5400000" rotWithShape="0">
+              <a:srgbClr val="000000">
+                <a:alpha val="35000"/>
+              </a:srgbClr>
+            </a:outerShdw>
+          </a:effectLst>
+          <a:scene3d>
+            <a:camera prst="orthographicFront">
+              <a:rot lat="0" lon="0" rev="0"/>
+            </a:camera>
+            <a:lightRig rig="threePt" dir="t">
+              <a:rot lat="0" lon="0" rev="1200000"/>
+            </a:lightRig>
+          </a:scene3d>
+          <a:sp3d>
+            <a:bevelT w="63500" h="25400"/>
+          </a:sp3d>
+        </a:effectStyle>
+      </a:effectStyleLst>
+      <a:bgFillStyleLst>
+        <a:solidFill>
+          <a:schemeClr val="phClr"/>
+        </a:solidFill>
+        <a:gradFill rotWithShape="1">
+          <a:gsLst>
+            <a:gs pos="0">
+              <a:schemeClr val="phClr">
+                <a:tint val="40000"/>
+                <a:satMod val="350000"/>
+              </a:schemeClr>
+            </a:gs>
+            <a:gs pos="40000">
+              <a:schemeClr val="phClr">
+                <a:tint val="45000"/>
+                <a:shade val="99000"/>
+                <a:satMod val="350000"/>
+              </a:schemeClr>
+            </a:gs>
+            <a:gs pos="100000">
+              <a:schemeClr val="phClr">
+                <a:shade val="20000"/>
+                <a:satMod val="255000"/>
+              </a:schemeClr>
+            </a:gs>
+          </a:gsLst>
+          <a:path path="circle">
+            <a:fillToRect l="50000" t="-80000" r="50000" b="180000"/>
+          </a:path>
+        </a:gradFill>
+        <a:gradFill rotWithShape="1">
+          <a:gsLst>
+            <a:gs pos="0">
+              <a:schemeClr val="phClr">
+                <a:tint val="80000"/>
+                <a:satMod val="300000"/>
+              </a:schemeClr>
+            </a:gs>
+            <a:gs pos="100000">
+              <a:schemeClr val="phClr">
+                <a:shade val="30000"/>
+                <a:satMod val="200000"/>
+              </a:schemeClr>
+            </a:gs>
+          </a:gsLst>
+          <a:path path="circle">
+            <a:fillToRect l="50000" t="50000" r="50000" b="50000"/>
+          </a:path>
+        </a:gradFill>
+      </a:bgFillStyleLst>
+    </a:fmtScheme>
+  </a:themeElements>
+  <a:objectDefaults/>
+  <a:extraClrSchemeLst/>
+</a:theme>
+</file>
+
+<file path=ppt/theme/theme2.xml><?xml version="1.0" encoding="utf-8"?>
+<a:theme xmlns:a="http://schemas.openxmlformats.org/drawingml/2006/main">
   <a:themeElements>
     <a:clrScheme name="Default">
       <a:dk1>
@@ -11267,284 +11809,7 @@
       </a:bgFillStyleLst>
     </a:fmtScheme>
   </a:themeElements>
-</a:theme>
-</file>
-
-<file path=ppt/theme/theme2.xml><?xml version="1.0" encoding="utf-8"?>
-<a:theme xmlns:a="http://schemas.openxmlformats.org/drawingml/2006/main" xmlns:r="http://schemas.openxmlformats.org/officeDocument/2006/relationships" name="Office Theme">
-  <a:themeElements>
-    <a:clrScheme name="Office">
-      <a:dk1>
-        <a:srgbClr val="000000"/>
-      </a:dk1>
-      <a:lt1>
-        <a:srgbClr val="FFFFFF"/>
-      </a:lt1>
-      <a:dk2>
-        <a:srgbClr val="1F497D"/>
-      </a:dk2>
-      <a:lt2>
-        <a:srgbClr val="EEECE1"/>
-      </a:lt2>
-      <a:accent1>
-        <a:srgbClr val="4F81BD"/>
-      </a:accent1>
-      <a:accent2>
-        <a:srgbClr val="C0504D"/>
-      </a:accent2>
-      <a:accent3>
-        <a:srgbClr val="9BBB59"/>
-      </a:accent3>
-      <a:accent4>
-        <a:srgbClr val="8064A2"/>
-      </a:accent4>
-      <a:accent5>
-        <a:srgbClr val="4BACC6"/>
-      </a:accent5>
-      <a:accent6>
-        <a:srgbClr val="F79646"/>
-      </a:accent6>
-      <a:hlink>
-        <a:srgbClr val="0000FF"/>
-      </a:hlink>
-      <a:folHlink>
-        <a:srgbClr val="800080"/>
-      </a:folHlink>
-    </a:clrScheme>
-    <a:fontScheme name="Office">
-      <a:majorFont>
-        <a:latin typeface="Arial"/>
-        <a:ea typeface=""/>
-        <a:cs typeface=""/>
-        <a:font script="Jpan" typeface="ＭＳ Ｐゴシック"/>
-        <a:font script="Hang" typeface="맑은 고딕"/>
-        <a:font script="Hans" typeface="宋体"/>
-        <a:font script="Hant" typeface="新細明體"/>
-        <a:font script="Arab" typeface="Times New Roman"/>
-        <a:font script="Hebr" typeface="Times New Roman"/>
-        <a:font script="Thai" typeface="Angsana New"/>
-        <a:font script="Ethi" typeface="Nyala"/>
-        <a:font script="Beng" typeface="Vrinda"/>
-        <a:font script="Gujr" typeface="Shruti"/>
-        <a:font script="Khmr" typeface="MoolBoran"/>
-        <a:font script="Knda" typeface="Tunga"/>
-        <a:font script="Guru" typeface="Raavi"/>
-        <a:font script="Cans" typeface="Euphemia"/>
-        <a:font script="Cher" typeface="Plantagenet Cherokee"/>
-        <a:font script="Yiii" typeface="Microsoft Yi Baiti"/>
-        <a:font script="Tibt" typeface="Microsoft Himalaya"/>
-        <a:font script="Thaa" typeface="MV Boli"/>
-        <a:font script="Deva" typeface="Mangal"/>
-        <a:font script="Telu" typeface="Gautami"/>
-        <a:font script="Taml" typeface="Latha"/>
-        <a:font script="Syrc" typeface="Estrangelo Edessa"/>
-        <a:font script="Orya" typeface="Kalinga"/>
-        <a:font script="Mlym" typeface="Kartika"/>
-        <a:font script="Laoo" typeface="DokChampa"/>
-        <a:font script="Sinh" typeface="Iskoola Pota"/>
-        <a:font script="Mong" typeface="Mongolian Baiti"/>
-        <a:font script="Viet" typeface="Times New Roman"/>
-        <a:font script="Uigh" typeface="Microsoft Uighur"/>
-        <a:font script="Geor" typeface="Sylfaen"/>
-      </a:majorFont>
-      <a:minorFont>
-        <a:latin typeface="Arial"/>
-        <a:ea typeface=""/>
-        <a:cs typeface=""/>
-        <a:font script="Jpan" typeface="ＭＳ Ｐゴシック"/>
-        <a:font script="Hang" typeface="맑은 고딕"/>
-        <a:font script="Hans" typeface="宋体"/>
-        <a:font script="Hant" typeface="新細明體"/>
-        <a:font script="Arab" typeface="Arial"/>
-        <a:font script="Hebr" typeface="Arial"/>
-        <a:font script="Thai" typeface="Cordia New"/>
-        <a:font script="Ethi" typeface="Nyala"/>
-        <a:font script="Beng" typeface="Vrinda"/>
-        <a:font script="Gujr" typeface="Shruti"/>
-        <a:font script="Khmr" typeface="DaunPenh"/>
-        <a:font script="Knda" typeface="Tunga"/>
-        <a:font script="Guru" typeface="Raavi"/>
-        <a:font script="Cans" typeface="Euphemia"/>
-        <a:font script="Cher" typeface="Plantagenet Cherokee"/>
-        <a:font script="Yiii" typeface="Microsoft Yi Baiti"/>
-        <a:font script="Tibt" typeface="Microsoft Himalaya"/>
-        <a:font script="Thaa" typeface="MV Boli"/>
-        <a:font script="Deva" typeface="Mangal"/>
-        <a:font script="Telu" typeface="Gautami"/>
-        <a:font script="Taml" typeface="Latha"/>
-        <a:font script="Syrc" typeface="Estrangelo Edessa"/>
-        <a:font script="Orya" typeface="Kalinga"/>
-        <a:font script="Mlym" typeface="Kartika"/>
-        <a:font script="Laoo" typeface="DokChampa"/>
-        <a:font script="Sinh" typeface="Iskoola Pota"/>
-        <a:font script="Mong" typeface="Mongolian Baiti"/>
-        <a:font script="Viet" typeface="Arial"/>
-        <a:font script="Uigh" typeface="Microsoft Uighur"/>
-        <a:font script="Geor" typeface="Sylfaen"/>
-      </a:minorFont>
-    </a:fontScheme>
-    <a:fmtScheme name="Office">
-      <a:fillStyleLst>
-        <a:solidFill>
-          <a:schemeClr val="phClr"/>
-        </a:solidFill>
-        <a:gradFill rotWithShape="1">
-          <a:gsLst>
-            <a:gs pos="0">
-              <a:schemeClr val="phClr">
-                <a:tint val="50000"/>
-                <a:satMod val="300000"/>
-              </a:schemeClr>
-            </a:gs>
-            <a:gs pos="35000">
-              <a:schemeClr val="phClr">
-                <a:tint val="37000"/>
-                <a:satMod val="300000"/>
-              </a:schemeClr>
-            </a:gs>
-            <a:gs pos="100000">
-              <a:schemeClr val="phClr">
-                <a:tint val="15000"/>
-                <a:satMod val="350000"/>
-              </a:schemeClr>
-            </a:gs>
-          </a:gsLst>
-          <a:lin ang="16200000" scaled="1"/>
-        </a:gradFill>
-        <a:gradFill rotWithShape="1">
-          <a:gsLst>
-            <a:gs pos="0">
-              <a:schemeClr val="phClr">
-                <a:tint val="100000"/>
-                <a:shade val="100000"/>
-                <a:satMod val="130000"/>
-              </a:schemeClr>
-            </a:gs>
-            <a:gs pos="100000">
-              <a:schemeClr val="phClr">
-                <a:tint val="50000"/>
-                <a:shade val="100000"/>
-                <a:satMod val="350000"/>
-              </a:schemeClr>
-            </a:gs>
-          </a:gsLst>
-          <a:lin ang="16200000" scaled="0"/>
-        </a:gradFill>
-      </a:fillStyleLst>
-      <a:lnStyleLst>
-        <a:ln w="9525" cap="flat" cmpd="sng" algn="ctr">
-          <a:solidFill>
-            <a:schemeClr val="phClr">
-              <a:shade val="95000"/>
-              <a:satMod val="105000"/>
-            </a:schemeClr>
-          </a:solidFill>
-          <a:prstDash val="solid"/>
-        </a:ln>
-        <a:ln w="25400" cap="flat" cmpd="sng" algn="ctr">
-          <a:solidFill>
-            <a:schemeClr val="phClr"/>
-          </a:solidFill>
-          <a:prstDash val="solid"/>
-        </a:ln>
-        <a:ln w="38100" cap="flat" cmpd="sng" algn="ctr">
-          <a:solidFill>
-            <a:schemeClr val="phClr"/>
-          </a:solidFill>
-          <a:prstDash val="solid"/>
-        </a:ln>
-      </a:lnStyleLst>
-      <a:effectStyleLst>
-        <a:effectStyle>
-          <a:effectLst>
-            <a:outerShdw blurRad="40000" dist="20000" dir="5400000" rotWithShape="0">
-              <a:srgbClr val="000000">
-                <a:alpha val="38000"/>
-              </a:srgbClr>
-            </a:outerShdw>
-          </a:effectLst>
-        </a:effectStyle>
-        <a:effectStyle>
-          <a:effectLst>
-            <a:outerShdw blurRad="40000" dist="23000" dir="5400000" rotWithShape="0">
-              <a:srgbClr val="000000">
-                <a:alpha val="35000"/>
-              </a:srgbClr>
-            </a:outerShdw>
-          </a:effectLst>
-        </a:effectStyle>
-        <a:effectStyle>
-          <a:effectLst>
-            <a:outerShdw blurRad="40000" dist="23000" dir="5400000" rotWithShape="0">
-              <a:srgbClr val="000000">
-                <a:alpha val="35000"/>
-              </a:srgbClr>
-            </a:outerShdw>
-          </a:effectLst>
-          <a:scene3d>
-            <a:camera prst="orthographicFront">
-              <a:rot lat="0" lon="0" rev="0"/>
-            </a:camera>
-            <a:lightRig rig="threePt" dir="t">
-              <a:rot lat="0" lon="0" rev="1200000"/>
-            </a:lightRig>
-          </a:scene3d>
-          <a:sp3d>
-            <a:bevelT w="63500" h="25400"/>
-          </a:sp3d>
-        </a:effectStyle>
-      </a:effectStyleLst>
-      <a:bgFillStyleLst>
-        <a:solidFill>
-          <a:schemeClr val="phClr"/>
-        </a:solidFill>
-        <a:gradFill rotWithShape="1">
-          <a:gsLst>
-            <a:gs pos="0">
-              <a:schemeClr val="phClr">
-                <a:tint val="40000"/>
-                <a:satMod val="350000"/>
-              </a:schemeClr>
-            </a:gs>
-            <a:gs pos="40000">
-              <a:schemeClr val="phClr">
-                <a:tint val="45000"/>
-                <a:shade val="99000"/>
-                <a:satMod val="350000"/>
-              </a:schemeClr>
-            </a:gs>
-            <a:gs pos="100000">
-              <a:schemeClr val="phClr">
-                <a:shade val="20000"/>
-                <a:satMod val="255000"/>
-              </a:schemeClr>
-            </a:gs>
-          </a:gsLst>
-          <a:path path="circle">
-            <a:fillToRect l="50000" t="-80000" r="50000" b="180000"/>
-          </a:path>
-        </a:gradFill>
-        <a:gradFill rotWithShape="1">
-          <a:gsLst>
-            <a:gs pos="0">
-              <a:schemeClr val="phClr">
-                <a:tint val="80000"/>
-                <a:satMod val="300000"/>
-              </a:schemeClr>
-            </a:gs>
-            <a:gs pos="100000">
-              <a:schemeClr val="phClr">
-                <a:shade val="30000"/>
-                <a:satMod val="200000"/>
-              </a:schemeClr>
-            </a:gs>
-          </a:gsLst>
-          <a:path path="circle">
-            <a:fillToRect l="50000" t="50000" r="50000" b="50000"/>
-          </a:path>
-        </a:gradFill>
-      </a:bgFillStyleLst>
-    </a:fmtScheme>
-  </a:themeElements>
+  <a:objectDefaults/>
+  <a:extraClrSchemeLst/>
 </a:theme>
 </file>